--- a/IOT.pptx
+++ b/IOT.pptx
@@ -4,14 +4,20 @@
   <p:sldMasterIdLst>
     <p:sldMasterId id="2147483710" r:id="rId1"/>
   </p:sldMasterIdLst>
+  <p:notesMasterIdLst>
+    <p:notesMasterId r:id="rId12"/>
+  </p:notesMasterIdLst>
   <p:sldIdLst>
     <p:sldId id="256" r:id="rId2"/>
     <p:sldId id="257" r:id="rId3"/>
     <p:sldId id="258" r:id="rId4"/>
-    <p:sldId id="260" r:id="rId5"/>
-    <p:sldId id="259" r:id="rId6"/>
-    <p:sldId id="262" r:id="rId7"/>
+    <p:sldId id="259" r:id="rId5"/>
+    <p:sldId id="260" r:id="rId6"/>
+    <p:sldId id="266" r:id="rId7"/>
     <p:sldId id="261" r:id="rId8"/>
+    <p:sldId id="269" r:id="rId9"/>
+    <p:sldId id="264" r:id="rId10"/>
+    <p:sldId id="268" r:id="rId11"/>
   </p:sldIdLst>
   <p:sldSz cx="12192000" cy="6858000"/>
   <p:notesSz cx="6858000" cy="9144000"/>
@@ -114,8 +120,1149 @@
     <p:ext uri="{EFAFB233-063F-42B5-8137-9DF3F51BA10A}">
       <p15:sldGuideLst xmlns:p15="http://schemas.microsoft.com/office/powerpoint/2012/main"/>
     </p:ext>
+    <p:ext uri="{2D200454-40CA-4A62-9FC3-DE9A4176ACB9}">
+      <p15:notesGuideLst xmlns:p15="http://schemas.microsoft.com/office/powerpoint/2012/main"/>
+    </p:ext>
   </p:extLst>
 </p:presentation>
+</file>
+
+<file path=ppt/notesMasters/notesMaster1.xml><?xml version="1.0" encoding="utf-8"?>
+<p:notesMaster xmlns:a="http://schemas.openxmlformats.org/drawingml/2006/main" xmlns:r="http://schemas.openxmlformats.org/officeDocument/2006/relationships" xmlns:p="http://schemas.openxmlformats.org/presentationml/2006/main">
+  <p:cSld>
+    <p:bg>
+      <p:bgRef idx="1001">
+        <a:schemeClr val="bg1"/>
+      </p:bgRef>
+    </p:bg>
+    <p:spTree>
+      <p:nvGrpSpPr>
+        <p:cNvPr id="1" name=""/>
+        <p:cNvGrpSpPr/>
+        <p:nvPr/>
+      </p:nvGrpSpPr>
+      <p:grpSpPr>
+        <a:xfrm>
+          <a:off x="0" y="0"/>
+          <a:ext cx="0" cy="0"/>
+          <a:chOff x="0" y="0"/>
+          <a:chExt cx="0" cy="0"/>
+        </a:xfrm>
+      </p:grpSpPr>
+      <p:sp>
+        <p:nvSpPr>
+          <p:cNvPr id="2" name="Header Placeholder 1"/>
+          <p:cNvSpPr>
+            <a:spLocks noGrp="1"/>
+          </p:cNvSpPr>
+          <p:nvPr>
+            <p:ph type="hdr" sz="quarter"/>
+          </p:nvPr>
+        </p:nvSpPr>
+        <p:spPr>
+          <a:xfrm>
+            <a:off x="0" y="0"/>
+            <a:ext cx="2971800" cy="458788"/>
+          </a:xfrm>
+          <a:prstGeom prst="rect">
+            <a:avLst/>
+          </a:prstGeom>
+        </p:spPr>
+        <p:txBody>
+          <a:bodyPr vert="horz" lIns="91440" tIns="45720" rIns="91440" bIns="45720" rtlCol="0"/>
+          <a:lstStyle>
+            <a:lvl1pPr algn="l">
+              <a:defRPr sz="1200"/>
+            </a:lvl1pPr>
+          </a:lstStyle>
+          <a:p>
+            <a:endParaRPr lang="en-US"/>
+          </a:p>
+        </p:txBody>
+      </p:sp>
+      <p:sp>
+        <p:nvSpPr>
+          <p:cNvPr id="3" name="Date Placeholder 2"/>
+          <p:cNvSpPr>
+            <a:spLocks noGrp="1"/>
+          </p:cNvSpPr>
+          <p:nvPr>
+            <p:ph type="dt" idx="1"/>
+          </p:nvPr>
+        </p:nvSpPr>
+        <p:spPr>
+          <a:xfrm>
+            <a:off x="3884613" y="0"/>
+            <a:ext cx="2971800" cy="458788"/>
+          </a:xfrm>
+          <a:prstGeom prst="rect">
+            <a:avLst/>
+          </a:prstGeom>
+        </p:spPr>
+        <p:txBody>
+          <a:bodyPr vert="horz" lIns="91440" tIns="45720" rIns="91440" bIns="45720" rtlCol="0"/>
+          <a:lstStyle>
+            <a:lvl1pPr algn="r">
+              <a:defRPr sz="1200"/>
+            </a:lvl1pPr>
+          </a:lstStyle>
+          <a:p>
+            <a:fld id="{9C5EC430-DDA3-4008-B552-0305E5DFD7D9}" type="datetimeFigureOut">
+              <a:rPr lang="en-US" smtClean="0"/>
+              <a:t>9/30/2021</a:t>
+            </a:fld>
+            <a:endParaRPr lang="en-US"/>
+          </a:p>
+        </p:txBody>
+      </p:sp>
+      <p:sp>
+        <p:nvSpPr>
+          <p:cNvPr id="4" name="Slide Image Placeholder 3"/>
+          <p:cNvSpPr>
+            <a:spLocks noGrp="1" noRot="1" noChangeAspect="1"/>
+          </p:cNvSpPr>
+          <p:nvPr>
+            <p:ph type="sldImg" idx="2"/>
+          </p:nvPr>
+        </p:nvSpPr>
+        <p:spPr>
+          <a:xfrm>
+            <a:off x="685800" y="1143000"/>
+            <a:ext cx="5486400" cy="3086100"/>
+          </a:xfrm>
+          <a:prstGeom prst="rect">
+            <a:avLst/>
+          </a:prstGeom>
+          <a:noFill/>
+          <a:ln w="12700">
+            <a:solidFill>
+              <a:prstClr val="black"/>
+            </a:solidFill>
+          </a:ln>
+        </p:spPr>
+        <p:txBody>
+          <a:bodyPr vert="horz" lIns="91440" tIns="45720" rIns="91440" bIns="45720" rtlCol="0" anchor="ctr"/>
+          <a:lstStyle/>
+          <a:p>
+            <a:endParaRPr lang="en-US"/>
+          </a:p>
+        </p:txBody>
+      </p:sp>
+      <p:sp>
+        <p:nvSpPr>
+          <p:cNvPr id="5" name="Notes Placeholder 4"/>
+          <p:cNvSpPr>
+            <a:spLocks noGrp="1"/>
+          </p:cNvSpPr>
+          <p:nvPr>
+            <p:ph type="body" sz="quarter" idx="3"/>
+          </p:nvPr>
+        </p:nvSpPr>
+        <p:spPr>
+          <a:xfrm>
+            <a:off x="685800" y="4400550"/>
+            <a:ext cx="5486400" cy="3600450"/>
+          </a:xfrm>
+          <a:prstGeom prst="rect">
+            <a:avLst/>
+          </a:prstGeom>
+        </p:spPr>
+        <p:txBody>
+          <a:bodyPr vert="horz" lIns="91440" tIns="45720" rIns="91440" bIns="45720" rtlCol="0"/>
+          <a:lstStyle/>
+          <a:p>
+            <a:pPr lvl="0"/>
+            <a:r>
+              <a:rPr lang="en-US"/>
+              <a:t>Click to edit Master text styles</a:t>
+            </a:r>
+          </a:p>
+          <a:p>
+            <a:pPr lvl="1"/>
+            <a:r>
+              <a:rPr lang="en-US"/>
+              <a:t>Second level</a:t>
+            </a:r>
+          </a:p>
+          <a:p>
+            <a:pPr lvl="2"/>
+            <a:r>
+              <a:rPr lang="en-US"/>
+              <a:t>Third level</a:t>
+            </a:r>
+          </a:p>
+          <a:p>
+            <a:pPr lvl="3"/>
+            <a:r>
+              <a:rPr lang="en-US"/>
+              <a:t>Fourth level</a:t>
+            </a:r>
+          </a:p>
+          <a:p>
+            <a:pPr lvl="4"/>
+            <a:r>
+              <a:rPr lang="en-US"/>
+              <a:t>Fifth level</a:t>
+            </a:r>
+          </a:p>
+        </p:txBody>
+      </p:sp>
+      <p:sp>
+        <p:nvSpPr>
+          <p:cNvPr id="6" name="Footer Placeholder 5"/>
+          <p:cNvSpPr>
+            <a:spLocks noGrp="1"/>
+          </p:cNvSpPr>
+          <p:nvPr>
+            <p:ph type="ftr" sz="quarter" idx="4"/>
+          </p:nvPr>
+        </p:nvSpPr>
+        <p:spPr>
+          <a:xfrm>
+            <a:off x="0" y="8685213"/>
+            <a:ext cx="2971800" cy="458787"/>
+          </a:xfrm>
+          <a:prstGeom prst="rect">
+            <a:avLst/>
+          </a:prstGeom>
+        </p:spPr>
+        <p:txBody>
+          <a:bodyPr vert="horz" lIns="91440" tIns="45720" rIns="91440" bIns="45720" rtlCol="0" anchor="b"/>
+          <a:lstStyle>
+            <a:lvl1pPr algn="l">
+              <a:defRPr sz="1200"/>
+            </a:lvl1pPr>
+          </a:lstStyle>
+          <a:p>
+            <a:endParaRPr lang="en-US"/>
+          </a:p>
+        </p:txBody>
+      </p:sp>
+      <p:sp>
+        <p:nvSpPr>
+          <p:cNvPr id="7" name="Slide Number Placeholder 6"/>
+          <p:cNvSpPr>
+            <a:spLocks noGrp="1"/>
+          </p:cNvSpPr>
+          <p:nvPr>
+            <p:ph type="sldNum" sz="quarter" idx="5"/>
+          </p:nvPr>
+        </p:nvSpPr>
+        <p:spPr>
+          <a:xfrm>
+            <a:off x="3884613" y="8685213"/>
+            <a:ext cx="2971800" cy="458787"/>
+          </a:xfrm>
+          <a:prstGeom prst="rect">
+            <a:avLst/>
+          </a:prstGeom>
+        </p:spPr>
+        <p:txBody>
+          <a:bodyPr vert="horz" lIns="91440" tIns="45720" rIns="91440" bIns="45720" rtlCol="0" anchor="b"/>
+          <a:lstStyle>
+            <a:lvl1pPr algn="r">
+              <a:defRPr sz="1200"/>
+            </a:lvl1pPr>
+          </a:lstStyle>
+          <a:p>
+            <a:fld id="{9A8CE134-1498-4627-AA2C-7CB23EE8D3D9}" type="slidenum">
+              <a:rPr lang="en-US" smtClean="0"/>
+              <a:t>‹#›</a:t>
+            </a:fld>
+            <a:endParaRPr lang="en-US"/>
+          </a:p>
+        </p:txBody>
+      </p:sp>
+    </p:spTree>
+    <p:extLst>
+      <p:ext uri="{BB962C8B-B14F-4D97-AF65-F5344CB8AC3E}">
+        <p14:creationId xmlns:p14="http://schemas.microsoft.com/office/powerpoint/2010/main" val="385539982"/>
+      </p:ext>
+    </p:extLst>
+  </p:cSld>
+  <p:clrMap bg1="lt1" tx1="dk1" bg2="lt2" tx2="dk2" accent1="accent1" accent2="accent2" accent3="accent3" accent4="accent4" accent5="accent5" accent6="accent6" hlink="hlink" folHlink="folHlink"/>
+  <p:notesStyle>
+    <a:lvl1pPr marL="0" algn="l" defTabSz="914400" rtl="0" eaLnBrk="1" latinLnBrk="0" hangingPunct="1">
+      <a:defRPr sz="1200" kern="1200">
+        <a:solidFill>
+          <a:schemeClr val="tx1"/>
+        </a:solidFill>
+        <a:latin typeface="+mn-lt"/>
+        <a:ea typeface="+mn-ea"/>
+        <a:cs typeface="+mn-cs"/>
+      </a:defRPr>
+    </a:lvl1pPr>
+    <a:lvl2pPr marL="457200" algn="l" defTabSz="914400" rtl="0" eaLnBrk="1" latinLnBrk="0" hangingPunct="1">
+      <a:defRPr sz="1200" kern="1200">
+        <a:solidFill>
+          <a:schemeClr val="tx1"/>
+        </a:solidFill>
+        <a:latin typeface="+mn-lt"/>
+        <a:ea typeface="+mn-ea"/>
+        <a:cs typeface="+mn-cs"/>
+      </a:defRPr>
+    </a:lvl2pPr>
+    <a:lvl3pPr marL="914400" algn="l" defTabSz="914400" rtl="0" eaLnBrk="1" latinLnBrk="0" hangingPunct="1">
+      <a:defRPr sz="1200" kern="1200">
+        <a:solidFill>
+          <a:schemeClr val="tx1"/>
+        </a:solidFill>
+        <a:latin typeface="+mn-lt"/>
+        <a:ea typeface="+mn-ea"/>
+        <a:cs typeface="+mn-cs"/>
+      </a:defRPr>
+    </a:lvl3pPr>
+    <a:lvl4pPr marL="1371600" algn="l" defTabSz="914400" rtl="0" eaLnBrk="1" latinLnBrk="0" hangingPunct="1">
+      <a:defRPr sz="1200" kern="1200">
+        <a:solidFill>
+          <a:schemeClr val="tx1"/>
+        </a:solidFill>
+        <a:latin typeface="+mn-lt"/>
+        <a:ea typeface="+mn-ea"/>
+        <a:cs typeface="+mn-cs"/>
+      </a:defRPr>
+    </a:lvl4pPr>
+    <a:lvl5pPr marL="1828800" algn="l" defTabSz="914400" rtl="0" eaLnBrk="1" latinLnBrk="0" hangingPunct="1">
+      <a:defRPr sz="1200" kern="1200">
+        <a:solidFill>
+          <a:schemeClr val="tx1"/>
+        </a:solidFill>
+        <a:latin typeface="+mn-lt"/>
+        <a:ea typeface="+mn-ea"/>
+        <a:cs typeface="+mn-cs"/>
+      </a:defRPr>
+    </a:lvl5pPr>
+    <a:lvl6pPr marL="2286000" algn="l" defTabSz="914400" rtl="0" eaLnBrk="1" latinLnBrk="0" hangingPunct="1">
+      <a:defRPr sz="1200" kern="1200">
+        <a:solidFill>
+          <a:schemeClr val="tx1"/>
+        </a:solidFill>
+        <a:latin typeface="+mn-lt"/>
+        <a:ea typeface="+mn-ea"/>
+        <a:cs typeface="+mn-cs"/>
+      </a:defRPr>
+    </a:lvl6pPr>
+    <a:lvl7pPr marL="2743200" algn="l" defTabSz="914400" rtl="0" eaLnBrk="1" latinLnBrk="0" hangingPunct="1">
+      <a:defRPr sz="1200" kern="1200">
+        <a:solidFill>
+          <a:schemeClr val="tx1"/>
+        </a:solidFill>
+        <a:latin typeface="+mn-lt"/>
+        <a:ea typeface="+mn-ea"/>
+        <a:cs typeface="+mn-cs"/>
+      </a:defRPr>
+    </a:lvl7pPr>
+    <a:lvl8pPr marL="3200400" algn="l" defTabSz="914400" rtl="0" eaLnBrk="1" latinLnBrk="0" hangingPunct="1">
+      <a:defRPr sz="1200" kern="1200">
+        <a:solidFill>
+          <a:schemeClr val="tx1"/>
+        </a:solidFill>
+        <a:latin typeface="+mn-lt"/>
+        <a:ea typeface="+mn-ea"/>
+        <a:cs typeface="+mn-cs"/>
+      </a:defRPr>
+    </a:lvl8pPr>
+    <a:lvl9pPr marL="3657600" algn="l" defTabSz="914400" rtl="0" eaLnBrk="1" latinLnBrk="0" hangingPunct="1">
+      <a:defRPr sz="1200" kern="1200">
+        <a:solidFill>
+          <a:schemeClr val="tx1"/>
+        </a:solidFill>
+        <a:latin typeface="+mn-lt"/>
+        <a:ea typeface="+mn-ea"/>
+        <a:cs typeface="+mn-cs"/>
+      </a:defRPr>
+    </a:lvl9pPr>
+  </p:notesStyle>
+</p:notesMaster>
+</file>
+
+<file path=ppt/notesSlides/notesSlide1.xml><?xml version="1.0" encoding="utf-8"?>
+<p:notes xmlns:a="http://schemas.openxmlformats.org/drawingml/2006/main" xmlns:r="http://schemas.openxmlformats.org/officeDocument/2006/relationships" xmlns:p="http://schemas.openxmlformats.org/presentationml/2006/main">
+  <p:cSld>
+    <p:spTree>
+      <p:nvGrpSpPr>
+        <p:cNvPr id="1" name=""/>
+        <p:cNvGrpSpPr/>
+        <p:nvPr/>
+      </p:nvGrpSpPr>
+      <p:grpSpPr>
+        <a:xfrm>
+          <a:off x="0" y="0"/>
+          <a:ext cx="0" cy="0"/>
+          <a:chOff x="0" y="0"/>
+          <a:chExt cx="0" cy="0"/>
+        </a:xfrm>
+      </p:grpSpPr>
+      <p:sp>
+        <p:nvSpPr>
+          <p:cNvPr id="2" name="Slide Image Placeholder 1"/>
+          <p:cNvSpPr>
+            <a:spLocks noGrp="1" noRot="1" noChangeAspect="1"/>
+          </p:cNvSpPr>
+          <p:nvPr>
+            <p:ph type="sldImg"/>
+          </p:nvPr>
+        </p:nvSpPr>
+        <p:spPr/>
+      </p:sp>
+      <p:sp>
+        <p:nvSpPr>
+          <p:cNvPr id="3" name="Notes Placeholder 2"/>
+          <p:cNvSpPr>
+            <a:spLocks noGrp="1"/>
+          </p:cNvSpPr>
+          <p:nvPr>
+            <p:ph type="body" idx="1"/>
+          </p:nvPr>
+        </p:nvSpPr>
+        <p:spPr/>
+        <p:txBody>
+          <a:bodyPr/>
+          <a:lstStyle/>
+          <a:p>
+            <a:r>
+              <a:rPr lang="en-US" dirty="0"/>
+              <a:t>Introduce self</a:t>
+            </a:r>
+          </a:p>
+          <a:p>
+            <a:endParaRPr lang="en-US" dirty="0"/>
+          </a:p>
+          <a:p>
+            <a:r>
+              <a:rPr lang="en-US" dirty="0"/>
+              <a:t>I’m going to take a shot at telling you about IOT from a software developer’s perspective. </a:t>
+            </a:r>
+          </a:p>
+          <a:p>
+            <a:endParaRPr lang="en-US" dirty="0"/>
+          </a:p>
+          <a:p>
+            <a:r>
+              <a:rPr lang="en-US" dirty="0"/>
+              <a:t>A lot of information on the net is for enterprise and marketing or is high level. </a:t>
+            </a:r>
+          </a:p>
+          <a:p>
+            <a:endParaRPr lang="en-US" dirty="0"/>
+          </a:p>
+          <a:p>
+            <a:r>
+              <a:rPr lang="en-US" dirty="0"/>
+              <a:t>The last slide has links a couple of options that you can use to get some IOT working.</a:t>
+            </a:r>
+          </a:p>
+        </p:txBody>
+      </p:sp>
+      <p:sp>
+        <p:nvSpPr>
+          <p:cNvPr id="4" name="Slide Number Placeholder 3"/>
+          <p:cNvSpPr>
+            <a:spLocks noGrp="1"/>
+          </p:cNvSpPr>
+          <p:nvPr>
+            <p:ph type="sldNum" sz="quarter" idx="5"/>
+          </p:nvPr>
+        </p:nvSpPr>
+        <p:spPr/>
+        <p:txBody>
+          <a:bodyPr/>
+          <a:lstStyle/>
+          <a:p>
+            <a:fld id="{9A8CE134-1498-4627-AA2C-7CB23EE8D3D9}" type="slidenum">
+              <a:rPr lang="en-US" smtClean="0"/>
+              <a:t>1</a:t>
+            </a:fld>
+            <a:endParaRPr lang="en-US"/>
+          </a:p>
+        </p:txBody>
+      </p:sp>
+    </p:spTree>
+    <p:extLst>
+      <p:ext uri="{BB962C8B-B14F-4D97-AF65-F5344CB8AC3E}">
+        <p14:creationId xmlns:p14="http://schemas.microsoft.com/office/powerpoint/2010/main" val="1821148915"/>
+      </p:ext>
+    </p:extLst>
+  </p:cSld>
+  <p:clrMapOvr>
+    <a:masterClrMapping/>
+  </p:clrMapOvr>
+</p:notes>
+</file>
+
+<file path=ppt/notesSlides/notesSlide2.xml><?xml version="1.0" encoding="utf-8"?>
+<p:notes xmlns:a="http://schemas.openxmlformats.org/drawingml/2006/main" xmlns:r="http://schemas.openxmlformats.org/officeDocument/2006/relationships" xmlns:p="http://schemas.openxmlformats.org/presentationml/2006/main">
+  <p:cSld>
+    <p:spTree>
+      <p:nvGrpSpPr>
+        <p:cNvPr id="1" name=""/>
+        <p:cNvGrpSpPr/>
+        <p:nvPr/>
+      </p:nvGrpSpPr>
+      <p:grpSpPr>
+        <a:xfrm>
+          <a:off x="0" y="0"/>
+          <a:ext cx="0" cy="0"/>
+          <a:chOff x="0" y="0"/>
+          <a:chExt cx="0" cy="0"/>
+        </a:xfrm>
+      </p:grpSpPr>
+      <p:sp>
+        <p:nvSpPr>
+          <p:cNvPr id="2" name="Slide Image Placeholder 1"/>
+          <p:cNvSpPr>
+            <a:spLocks noGrp="1" noRot="1" noChangeAspect="1"/>
+          </p:cNvSpPr>
+          <p:nvPr>
+            <p:ph type="sldImg"/>
+          </p:nvPr>
+        </p:nvSpPr>
+        <p:spPr/>
+      </p:sp>
+      <p:sp>
+        <p:nvSpPr>
+          <p:cNvPr id="3" name="Notes Placeholder 2"/>
+          <p:cNvSpPr>
+            <a:spLocks noGrp="1"/>
+          </p:cNvSpPr>
+          <p:nvPr>
+            <p:ph type="body" idx="1"/>
+          </p:nvPr>
+        </p:nvSpPr>
+        <p:spPr/>
+        <p:txBody>
+          <a:bodyPr/>
+          <a:lstStyle/>
+          <a:p>
+            <a:r>
+              <a:rPr lang="en-US" dirty="0"/>
+              <a:t>Just what it says</a:t>
+            </a:r>
+          </a:p>
+          <a:p>
+            <a:endParaRPr lang="en-US" dirty="0"/>
+          </a:p>
+          <a:p>
+            <a:r>
+              <a:rPr lang="en-US" dirty="0"/>
+              <a:t>At first IOT might look to a developer as requiring embedded systems programming skills. Maybe, but that’s really just a small part of it. Its about a system where the embedded devices are just one part. </a:t>
+            </a:r>
+          </a:p>
+          <a:p>
+            <a:endParaRPr lang="en-US" dirty="0"/>
+          </a:p>
+          <a:p>
+            <a:r>
+              <a:rPr lang="en-US" dirty="0"/>
+              <a:t>I expect that a company developing an IOT solution would need a couple of embedded system nerds (I was one for 35 years). Maybe an EE or two. But these days many embedded boards run Linux and that increases all the time.  Some use an RTOS but that’s just software too. </a:t>
+            </a:r>
+          </a:p>
+          <a:p>
+            <a:br>
+              <a:rPr lang="en-US" dirty="0"/>
+            </a:br>
+            <a:r>
+              <a:rPr lang="en-US" dirty="0"/>
+              <a:t>Anyway that’s not the focus here. Assume you have an embedded device with the right hardware hookups that’s running Linux.</a:t>
+            </a:r>
+          </a:p>
+        </p:txBody>
+      </p:sp>
+      <p:sp>
+        <p:nvSpPr>
+          <p:cNvPr id="4" name="Slide Number Placeholder 3"/>
+          <p:cNvSpPr>
+            <a:spLocks noGrp="1"/>
+          </p:cNvSpPr>
+          <p:nvPr>
+            <p:ph type="sldNum" sz="quarter" idx="5"/>
+          </p:nvPr>
+        </p:nvSpPr>
+        <p:spPr/>
+        <p:txBody>
+          <a:bodyPr/>
+          <a:lstStyle/>
+          <a:p>
+            <a:fld id="{9A8CE134-1498-4627-AA2C-7CB23EE8D3D9}" type="slidenum">
+              <a:rPr lang="en-US" smtClean="0"/>
+              <a:t>2</a:t>
+            </a:fld>
+            <a:endParaRPr lang="en-US"/>
+          </a:p>
+        </p:txBody>
+      </p:sp>
+    </p:spTree>
+    <p:extLst>
+      <p:ext uri="{BB962C8B-B14F-4D97-AF65-F5344CB8AC3E}">
+        <p14:creationId xmlns:p14="http://schemas.microsoft.com/office/powerpoint/2010/main" val="1022092128"/>
+      </p:ext>
+    </p:extLst>
+  </p:cSld>
+  <p:clrMapOvr>
+    <a:masterClrMapping/>
+  </p:clrMapOvr>
+</p:notes>
+</file>
+
+<file path=ppt/notesSlides/notesSlide3.xml><?xml version="1.0" encoding="utf-8"?>
+<p:notes xmlns:a="http://schemas.openxmlformats.org/drawingml/2006/main" xmlns:r="http://schemas.openxmlformats.org/officeDocument/2006/relationships" xmlns:p="http://schemas.openxmlformats.org/presentationml/2006/main">
+  <p:cSld>
+    <p:spTree>
+      <p:nvGrpSpPr>
+        <p:cNvPr id="1" name=""/>
+        <p:cNvGrpSpPr/>
+        <p:nvPr/>
+      </p:nvGrpSpPr>
+      <p:grpSpPr>
+        <a:xfrm>
+          <a:off x="0" y="0"/>
+          <a:ext cx="0" cy="0"/>
+          <a:chOff x="0" y="0"/>
+          <a:chExt cx="0" cy="0"/>
+        </a:xfrm>
+      </p:grpSpPr>
+      <p:sp>
+        <p:nvSpPr>
+          <p:cNvPr id="2" name="Slide Image Placeholder 1"/>
+          <p:cNvSpPr>
+            <a:spLocks noGrp="1" noRot="1" noChangeAspect="1"/>
+          </p:cNvSpPr>
+          <p:nvPr>
+            <p:ph type="sldImg"/>
+          </p:nvPr>
+        </p:nvSpPr>
+        <p:spPr/>
+      </p:sp>
+      <p:sp>
+        <p:nvSpPr>
+          <p:cNvPr id="3" name="Notes Placeholder 2"/>
+          <p:cNvSpPr>
+            <a:spLocks noGrp="1"/>
+          </p:cNvSpPr>
+          <p:nvPr>
+            <p:ph type="body" idx="1"/>
+          </p:nvPr>
+        </p:nvSpPr>
+        <p:spPr/>
+        <p:txBody>
+          <a:bodyPr/>
+          <a:lstStyle/>
+          <a:p>
+            <a:r>
+              <a:rPr lang="en-US" dirty="0"/>
+              <a:t>Think Big. Millions</a:t>
+            </a:r>
+          </a:p>
+          <a:p>
+            <a:endParaRPr lang="en-US" dirty="0"/>
+          </a:p>
+          <a:p>
+            <a:r>
+              <a:rPr lang="en-US" dirty="0"/>
+              <a:t>An IOT system is composed of 3 types of things, my terminology</a:t>
+            </a:r>
+          </a:p>
+          <a:p>
+            <a:endParaRPr lang="en-US" dirty="0"/>
+          </a:p>
+          <a:p>
+            <a:r>
+              <a:rPr lang="en-US" dirty="0"/>
+              <a:t>Node : the embedded devices that are monitoring or controlling something directly. </a:t>
+            </a:r>
+          </a:p>
+          <a:p>
+            <a:endParaRPr lang="en-US" dirty="0"/>
+          </a:p>
+          <a:p>
+            <a:r>
+              <a:rPr lang="en-US" dirty="0"/>
+              <a:t>Clients : workstations and servers </a:t>
+            </a:r>
+          </a:p>
+        </p:txBody>
+      </p:sp>
+      <p:sp>
+        <p:nvSpPr>
+          <p:cNvPr id="4" name="Slide Number Placeholder 3"/>
+          <p:cNvSpPr>
+            <a:spLocks noGrp="1"/>
+          </p:cNvSpPr>
+          <p:nvPr>
+            <p:ph type="sldNum" sz="quarter" idx="5"/>
+          </p:nvPr>
+        </p:nvSpPr>
+        <p:spPr/>
+        <p:txBody>
+          <a:bodyPr/>
+          <a:lstStyle/>
+          <a:p>
+            <a:fld id="{9A8CE134-1498-4627-AA2C-7CB23EE8D3D9}" type="slidenum">
+              <a:rPr lang="en-US" smtClean="0"/>
+              <a:t>3</a:t>
+            </a:fld>
+            <a:endParaRPr lang="en-US"/>
+          </a:p>
+        </p:txBody>
+      </p:sp>
+    </p:spTree>
+    <p:extLst>
+      <p:ext uri="{BB962C8B-B14F-4D97-AF65-F5344CB8AC3E}">
+        <p14:creationId xmlns:p14="http://schemas.microsoft.com/office/powerpoint/2010/main" val="1432757339"/>
+      </p:ext>
+    </p:extLst>
+  </p:cSld>
+  <p:clrMapOvr>
+    <a:masterClrMapping/>
+  </p:clrMapOvr>
+</p:notes>
+</file>
+
+<file path=ppt/notesSlides/notesSlide4.xml><?xml version="1.0" encoding="utf-8"?>
+<p:notes xmlns:a="http://schemas.openxmlformats.org/drawingml/2006/main" xmlns:r="http://schemas.openxmlformats.org/officeDocument/2006/relationships" xmlns:p="http://schemas.openxmlformats.org/presentationml/2006/main">
+  <p:cSld>
+    <p:spTree>
+      <p:nvGrpSpPr>
+        <p:cNvPr id="1" name=""/>
+        <p:cNvGrpSpPr/>
+        <p:nvPr/>
+      </p:nvGrpSpPr>
+      <p:grpSpPr>
+        <a:xfrm>
+          <a:off x="0" y="0"/>
+          <a:ext cx="0" cy="0"/>
+          <a:chOff x="0" y="0"/>
+          <a:chExt cx="0" cy="0"/>
+        </a:xfrm>
+      </p:grpSpPr>
+      <p:sp>
+        <p:nvSpPr>
+          <p:cNvPr id="2" name="Slide Image Placeholder 1"/>
+          <p:cNvSpPr>
+            <a:spLocks noGrp="1" noRot="1" noChangeAspect="1"/>
+          </p:cNvSpPr>
+          <p:nvPr>
+            <p:ph type="sldImg"/>
+          </p:nvPr>
+        </p:nvSpPr>
+        <p:spPr/>
+      </p:sp>
+      <p:sp>
+        <p:nvSpPr>
+          <p:cNvPr id="3" name="Notes Placeholder 2"/>
+          <p:cNvSpPr>
+            <a:spLocks noGrp="1"/>
+          </p:cNvSpPr>
+          <p:nvPr>
+            <p:ph type="body" idx="1"/>
+          </p:nvPr>
+        </p:nvSpPr>
+        <p:spPr/>
+        <p:txBody>
+          <a:bodyPr/>
+          <a:lstStyle/>
+          <a:p>
+            <a:endParaRPr lang="en-US"/>
+          </a:p>
+        </p:txBody>
+      </p:sp>
+      <p:sp>
+        <p:nvSpPr>
+          <p:cNvPr id="4" name="Slide Number Placeholder 3"/>
+          <p:cNvSpPr>
+            <a:spLocks noGrp="1"/>
+          </p:cNvSpPr>
+          <p:nvPr>
+            <p:ph type="sldNum" sz="quarter" idx="5"/>
+          </p:nvPr>
+        </p:nvSpPr>
+        <p:spPr/>
+        <p:txBody>
+          <a:bodyPr/>
+          <a:lstStyle/>
+          <a:p>
+            <a:fld id="{9A8CE134-1498-4627-AA2C-7CB23EE8D3D9}" type="slidenum">
+              <a:rPr lang="en-US" smtClean="0"/>
+              <a:t>4</a:t>
+            </a:fld>
+            <a:endParaRPr lang="en-US"/>
+          </a:p>
+        </p:txBody>
+      </p:sp>
+    </p:spTree>
+    <p:extLst>
+      <p:ext uri="{BB962C8B-B14F-4D97-AF65-F5344CB8AC3E}">
+        <p14:creationId xmlns:p14="http://schemas.microsoft.com/office/powerpoint/2010/main" val="677409526"/>
+      </p:ext>
+    </p:extLst>
+  </p:cSld>
+  <p:clrMapOvr>
+    <a:masterClrMapping/>
+  </p:clrMapOvr>
+</p:notes>
+</file>
+
+<file path=ppt/notesSlides/notesSlide5.xml><?xml version="1.0" encoding="utf-8"?>
+<p:notes xmlns:a="http://schemas.openxmlformats.org/drawingml/2006/main" xmlns:r="http://schemas.openxmlformats.org/officeDocument/2006/relationships" xmlns:p="http://schemas.openxmlformats.org/presentationml/2006/main">
+  <p:cSld>
+    <p:spTree>
+      <p:nvGrpSpPr>
+        <p:cNvPr id="1" name=""/>
+        <p:cNvGrpSpPr/>
+        <p:nvPr/>
+      </p:nvGrpSpPr>
+      <p:grpSpPr>
+        <a:xfrm>
+          <a:off x="0" y="0"/>
+          <a:ext cx="0" cy="0"/>
+          <a:chOff x="0" y="0"/>
+          <a:chExt cx="0" cy="0"/>
+        </a:xfrm>
+      </p:grpSpPr>
+      <p:sp>
+        <p:nvSpPr>
+          <p:cNvPr id="2" name="Slide Image Placeholder 1"/>
+          <p:cNvSpPr>
+            <a:spLocks noGrp="1" noRot="1" noChangeAspect="1"/>
+          </p:cNvSpPr>
+          <p:nvPr>
+            <p:ph type="sldImg"/>
+          </p:nvPr>
+        </p:nvSpPr>
+        <p:spPr/>
+      </p:sp>
+      <p:sp>
+        <p:nvSpPr>
+          <p:cNvPr id="3" name="Notes Placeholder 2"/>
+          <p:cNvSpPr>
+            <a:spLocks noGrp="1"/>
+          </p:cNvSpPr>
+          <p:nvPr>
+            <p:ph type="body" idx="1"/>
+          </p:nvPr>
+        </p:nvSpPr>
+        <p:spPr/>
+        <p:txBody>
+          <a:bodyPr/>
+          <a:lstStyle/>
+          <a:p>
+            <a:endParaRPr lang="en-US"/>
+          </a:p>
+        </p:txBody>
+      </p:sp>
+      <p:sp>
+        <p:nvSpPr>
+          <p:cNvPr id="4" name="Slide Number Placeholder 3"/>
+          <p:cNvSpPr>
+            <a:spLocks noGrp="1"/>
+          </p:cNvSpPr>
+          <p:nvPr>
+            <p:ph type="sldNum" sz="quarter" idx="5"/>
+          </p:nvPr>
+        </p:nvSpPr>
+        <p:spPr/>
+        <p:txBody>
+          <a:bodyPr/>
+          <a:lstStyle/>
+          <a:p>
+            <a:fld id="{9A8CE134-1498-4627-AA2C-7CB23EE8D3D9}" type="slidenum">
+              <a:rPr lang="en-US" smtClean="0"/>
+              <a:t>5</a:t>
+            </a:fld>
+            <a:endParaRPr lang="en-US"/>
+          </a:p>
+        </p:txBody>
+      </p:sp>
+    </p:spTree>
+    <p:extLst>
+      <p:ext uri="{BB962C8B-B14F-4D97-AF65-F5344CB8AC3E}">
+        <p14:creationId xmlns:p14="http://schemas.microsoft.com/office/powerpoint/2010/main" val="3843900154"/>
+      </p:ext>
+    </p:extLst>
+  </p:cSld>
+  <p:clrMapOvr>
+    <a:masterClrMapping/>
+  </p:clrMapOvr>
+</p:notes>
+</file>
+
+<file path=ppt/notesSlides/notesSlide6.xml><?xml version="1.0" encoding="utf-8"?>
+<p:notes xmlns:a="http://schemas.openxmlformats.org/drawingml/2006/main" xmlns:r="http://schemas.openxmlformats.org/officeDocument/2006/relationships" xmlns:p="http://schemas.openxmlformats.org/presentationml/2006/main">
+  <p:cSld>
+    <p:spTree>
+      <p:nvGrpSpPr>
+        <p:cNvPr id="1" name=""/>
+        <p:cNvGrpSpPr/>
+        <p:nvPr/>
+      </p:nvGrpSpPr>
+      <p:grpSpPr>
+        <a:xfrm>
+          <a:off x="0" y="0"/>
+          <a:ext cx="0" cy="0"/>
+          <a:chOff x="0" y="0"/>
+          <a:chExt cx="0" cy="0"/>
+        </a:xfrm>
+      </p:grpSpPr>
+      <p:sp>
+        <p:nvSpPr>
+          <p:cNvPr id="2" name="Slide Image Placeholder 1"/>
+          <p:cNvSpPr>
+            <a:spLocks noGrp="1" noRot="1" noChangeAspect="1"/>
+          </p:cNvSpPr>
+          <p:nvPr>
+            <p:ph type="sldImg"/>
+          </p:nvPr>
+        </p:nvSpPr>
+        <p:spPr/>
+      </p:sp>
+      <p:sp>
+        <p:nvSpPr>
+          <p:cNvPr id="3" name="Notes Placeholder 2"/>
+          <p:cNvSpPr>
+            <a:spLocks noGrp="1"/>
+          </p:cNvSpPr>
+          <p:nvPr>
+            <p:ph type="body" idx="1"/>
+          </p:nvPr>
+        </p:nvSpPr>
+        <p:spPr/>
+        <p:txBody>
+          <a:bodyPr/>
+          <a:lstStyle/>
+          <a:p>
+            <a:endParaRPr lang="en-US"/>
+          </a:p>
+        </p:txBody>
+      </p:sp>
+      <p:sp>
+        <p:nvSpPr>
+          <p:cNvPr id="4" name="Slide Number Placeholder 3"/>
+          <p:cNvSpPr>
+            <a:spLocks noGrp="1"/>
+          </p:cNvSpPr>
+          <p:nvPr>
+            <p:ph type="sldNum" sz="quarter" idx="5"/>
+          </p:nvPr>
+        </p:nvSpPr>
+        <p:spPr/>
+        <p:txBody>
+          <a:bodyPr/>
+          <a:lstStyle/>
+          <a:p>
+            <a:fld id="{9A8CE134-1498-4627-AA2C-7CB23EE8D3D9}" type="slidenum">
+              <a:rPr lang="en-US" smtClean="0"/>
+              <a:t>6</a:t>
+            </a:fld>
+            <a:endParaRPr lang="en-US"/>
+          </a:p>
+        </p:txBody>
+      </p:sp>
+    </p:spTree>
+    <p:extLst>
+      <p:ext uri="{BB962C8B-B14F-4D97-AF65-F5344CB8AC3E}">
+        <p14:creationId xmlns:p14="http://schemas.microsoft.com/office/powerpoint/2010/main" val="916455881"/>
+      </p:ext>
+    </p:extLst>
+  </p:cSld>
+  <p:clrMapOvr>
+    <a:masterClrMapping/>
+  </p:clrMapOvr>
+</p:notes>
+</file>
+
+<file path=ppt/notesSlides/notesSlide7.xml><?xml version="1.0" encoding="utf-8"?>
+<p:notes xmlns:a="http://schemas.openxmlformats.org/drawingml/2006/main" xmlns:r="http://schemas.openxmlformats.org/officeDocument/2006/relationships" xmlns:p="http://schemas.openxmlformats.org/presentationml/2006/main">
+  <p:cSld>
+    <p:spTree>
+      <p:nvGrpSpPr>
+        <p:cNvPr id="1" name=""/>
+        <p:cNvGrpSpPr/>
+        <p:nvPr/>
+      </p:nvGrpSpPr>
+      <p:grpSpPr>
+        <a:xfrm>
+          <a:off x="0" y="0"/>
+          <a:ext cx="0" cy="0"/>
+          <a:chOff x="0" y="0"/>
+          <a:chExt cx="0" cy="0"/>
+        </a:xfrm>
+      </p:grpSpPr>
+      <p:sp>
+        <p:nvSpPr>
+          <p:cNvPr id="2" name="Slide Image Placeholder 1"/>
+          <p:cNvSpPr>
+            <a:spLocks noGrp="1" noRot="1" noChangeAspect="1"/>
+          </p:cNvSpPr>
+          <p:nvPr>
+            <p:ph type="sldImg"/>
+          </p:nvPr>
+        </p:nvSpPr>
+        <p:spPr/>
+      </p:sp>
+      <p:sp>
+        <p:nvSpPr>
+          <p:cNvPr id="3" name="Notes Placeholder 2"/>
+          <p:cNvSpPr>
+            <a:spLocks noGrp="1"/>
+          </p:cNvSpPr>
+          <p:nvPr>
+            <p:ph type="body" idx="1"/>
+          </p:nvPr>
+        </p:nvSpPr>
+        <p:spPr/>
+        <p:txBody>
+          <a:bodyPr/>
+          <a:lstStyle/>
+          <a:p>
+            <a:r>
+              <a:rPr lang="en-US" dirty="0"/>
+              <a:t>The big cloud providers tie you into their entire offerings. In the long run they are probably the way to go even if you host the basic MQTT broker in their cloud. </a:t>
+            </a:r>
+          </a:p>
+          <a:p>
+            <a:r>
+              <a:rPr lang="en-US" dirty="0"/>
+              <a:t>Their IOT support is very vendor specific. </a:t>
+            </a:r>
+          </a:p>
+          <a:p>
+            <a:endParaRPr lang="en-US" dirty="0"/>
+          </a:p>
+          <a:p>
+            <a:r>
+              <a:rPr lang="en-US" dirty="0"/>
+              <a:t>The hosted MQTT brokers focus on MQTT itself and seem much more standards based. You can use their hosting or a cloud of your choice. As competition grows, they are adding more features similar to the big cloud providers, or just tie their offering into one or the other of big providers.</a:t>
+            </a:r>
+          </a:p>
+          <a:p>
+            <a:endParaRPr lang="en-US" dirty="0"/>
+          </a:p>
+          <a:p>
+            <a:r>
+              <a:rPr lang="en-US" dirty="0"/>
+              <a:t>You can do it all yourself with one of the open source solutions.</a:t>
+            </a:r>
+          </a:p>
+        </p:txBody>
+      </p:sp>
+      <p:sp>
+        <p:nvSpPr>
+          <p:cNvPr id="4" name="Slide Number Placeholder 3"/>
+          <p:cNvSpPr>
+            <a:spLocks noGrp="1"/>
+          </p:cNvSpPr>
+          <p:nvPr>
+            <p:ph type="sldNum" sz="quarter" idx="5"/>
+          </p:nvPr>
+        </p:nvSpPr>
+        <p:spPr/>
+        <p:txBody>
+          <a:bodyPr/>
+          <a:lstStyle/>
+          <a:p>
+            <a:fld id="{9A8CE134-1498-4627-AA2C-7CB23EE8D3D9}" type="slidenum">
+              <a:rPr lang="en-US" smtClean="0"/>
+              <a:t>7</a:t>
+            </a:fld>
+            <a:endParaRPr lang="en-US"/>
+          </a:p>
+        </p:txBody>
+      </p:sp>
+    </p:spTree>
+    <p:extLst>
+      <p:ext uri="{BB962C8B-B14F-4D97-AF65-F5344CB8AC3E}">
+        <p14:creationId xmlns:p14="http://schemas.microsoft.com/office/powerpoint/2010/main" val="3580416580"/>
+      </p:ext>
+    </p:extLst>
+  </p:cSld>
+  <p:clrMapOvr>
+    <a:masterClrMapping/>
+  </p:clrMapOvr>
+</p:notes>
+</file>
+
+<file path=ppt/notesSlides/notesSlide8.xml><?xml version="1.0" encoding="utf-8"?>
+<p:notes xmlns:a="http://schemas.openxmlformats.org/drawingml/2006/main" xmlns:r="http://schemas.openxmlformats.org/officeDocument/2006/relationships" xmlns:p="http://schemas.openxmlformats.org/presentationml/2006/main">
+  <p:cSld>
+    <p:spTree>
+      <p:nvGrpSpPr>
+        <p:cNvPr id="1" name=""/>
+        <p:cNvGrpSpPr/>
+        <p:nvPr/>
+      </p:nvGrpSpPr>
+      <p:grpSpPr>
+        <a:xfrm>
+          <a:off x="0" y="0"/>
+          <a:ext cx="0" cy="0"/>
+          <a:chOff x="0" y="0"/>
+          <a:chExt cx="0" cy="0"/>
+        </a:xfrm>
+      </p:grpSpPr>
+      <p:sp>
+        <p:nvSpPr>
+          <p:cNvPr id="2" name="Slide Image Placeholder 1"/>
+          <p:cNvSpPr>
+            <a:spLocks noGrp="1" noRot="1" noChangeAspect="1"/>
+          </p:cNvSpPr>
+          <p:nvPr>
+            <p:ph type="sldImg"/>
+          </p:nvPr>
+        </p:nvSpPr>
+        <p:spPr/>
+      </p:sp>
+      <p:sp>
+        <p:nvSpPr>
+          <p:cNvPr id="3" name="Notes Placeholder 2"/>
+          <p:cNvSpPr>
+            <a:spLocks noGrp="1"/>
+          </p:cNvSpPr>
+          <p:nvPr>
+            <p:ph type="body" idx="1"/>
+          </p:nvPr>
+        </p:nvSpPr>
+        <p:spPr/>
+        <p:txBody>
+          <a:bodyPr/>
+          <a:lstStyle/>
+          <a:p>
+            <a:endParaRPr lang="en-US"/>
+          </a:p>
+        </p:txBody>
+      </p:sp>
+      <p:sp>
+        <p:nvSpPr>
+          <p:cNvPr id="4" name="Slide Number Placeholder 3"/>
+          <p:cNvSpPr>
+            <a:spLocks noGrp="1"/>
+          </p:cNvSpPr>
+          <p:nvPr>
+            <p:ph type="sldNum" sz="quarter" idx="5"/>
+          </p:nvPr>
+        </p:nvSpPr>
+        <p:spPr/>
+        <p:txBody>
+          <a:bodyPr/>
+          <a:lstStyle/>
+          <a:p>
+            <a:fld id="{9A8CE134-1498-4627-AA2C-7CB23EE8D3D9}" type="slidenum">
+              <a:rPr lang="en-US" smtClean="0"/>
+              <a:t>9</a:t>
+            </a:fld>
+            <a:endParaRPr lang="en-US"/>
+          </a:p>
+        </p:txBody>
+      </p:sp>
+    </p:spTree>
+    <p:extLst>
+      <p:ext uri="{BB962C8B-B14F-4D97-AF65-F5344CB8AC3E}">
+        <p14:creationId xmlns:p14="http://schemas.microsoft.com/office/powerpoint/2010/main" val="2009507897"/>
+      </p:ext>
+    </p:extLst>
+  </p:cSld>
+  <p:clrMapOvr>
+    <a:masterClrMapping/>
+  </p:clrMapOvr>
+</p:notes>
 </file>
 
 <file path=ppt/slideLayouts/slideLayout1.xml><?xml version="1.0" encoding="utf-8"?>
@@ -863,7 +2010,7 @@
           <a:p>
             <a:fld id="{48A87A34-81AB-432B-8DAE-1953F412C126}" type="datetimeFigureOut">
               <a:rPr lang="en-US" smtClean="0"/>
-              <a:t>9/27/2021</a:t>
+              <a:t>9/30/2021</a:t>
             </a:fld>
             <a:endParaRPr lang="en-US" dirty="0"/>
           </a:p>
@@ -1115,7 +2262,7 @@
             <a:fld id="{48A87A34-81AB-432B-8DAE-1953F412C126}" type="datetimeFigureOut">
               <a:rPr lang="en-US" smtClean="0"/>
               <a:pPr/>
-              <a:t>9/27/2021</a:t>
+              <a:t>9/30/2021</a:t>
             </a:fld>
             <a:endParaRPr lang="en-US" dirty="0"/>
           </a:p>
@@ -1431,7 +2578,7 @@
             <a:fld id="{48A87A34-81AB-432B-8DAE-1953F412C126}" type="datetimeFigureOut">
               <a:rPr lang="en-US" smtClean="0"/>
               <a:pPr/>
-              <a:t>9/27/2021</a:t>
+              <a:t>9/30/2021</a:t>
             </a:fld>
             <a:endParaRPr lang="en-US" dirty="0"/>
           </a:p>
@@ -1766,7 +2913,7 @@
             <a:fld id="{48A87A34-81AB-432B-8DAE-1953F412C126}" type="datetimeFigureOut">
               <a:rPr lang="en-US" smtClean="0"/>
               <a:pPr/>
-              <a:t>9/27/2021</a:t>
+              <a:t>9/30/2021</a:t>
             </a:fld>
             <a:endParaRPr lang="en-US" dirty="0"/>
           </a:p>
@@ -2082,7 +3229,7 @@
             <a:fld id="{48A87A34-81AB-432B-8DAE-1953F412C126}" type="datetimeFigureOut">
               <a:rPr lang="en-US" smtClean="0"/>
               <a:pPr/>
-              <a:t>9/27/2021</a:t>
+              <a:t>9/30/2021</a:t>
             </a:fld>
             <a:endParaRPr lang="en-US" dirty="0"/>
           </a:p>
@@ -2477,7 +3624,7 @@
             <a:fld id="{48A87A34-81AB-432B-8DAE-1953F412C126}" type="datetimeFigureOut">
               <a:rPr lang="en-US" smtClean="0"/>
               <a:pPr/>
-              <a:t>9/27/2021</a:t>
+              <a:t>9/30/2021</a:t>
             </a:fld>
             <a:endParaRPr lang="en-US" dirty="0"/>
           </a:p>
@@ -2648,7 +3795,7 @@
           <a:p>
             <a:fld id="{48A87A34-81AB-432B-8DAE-1953F412C126}" type="datetimeFigureOut">
               <a:rPr lang="en-US" smtClean="0"/>
-              <a:t>9/27/2021</a:t>
+              <a:t>9/30/2021</a:t>
             </a:fld>
             <a:endParaRPr lang="en-US" dirty="0"/>
           </a:p>
@@ -2828,7 +3975,7 @@
           <a:p>
             <a:fld id="{48A87A34-81AB-432B-8DAE-1953F412C126}" type="datetimeFigureOut">
               <a:rPr lang="en-US" smtClean="0"/>
-              <a:t>9/27/2021</a:t>
+              <a:t>9/30/2021</a:t>
             </a:fld>
             <a:endParaRPr lang="en-US" dirty="0"/>
           </a:p>
@@ -2998,7 +4145,7 @@
           <a:p>
             <a:fld id="{48A87A34-81AB-432B-8DAE-1953F412C126}" type="datetimeFigureOut">
               <a:rPr lang="en-US" smtClean="0"/>
-              <a:t>9/27/2021</a:t>
+              <a:t>9/30/2021</a:t>
             </a:fld>
             <a:endParaRPr lang="en-US" dirty="0"/>
           </a:p>
@@ -3245,7 +4392,7 @@
           <a:p>
             <a:fld id="{48A87A34-81AB-432B-8DAE-1953F412C126}" type="datetimeFigureOut">
               <a:rPr lang="en-US" smtClean="0"/>
-              <a:t>9/27/2021</a:t>
+              <a:t>9/30/2021</a:t>
             </a:fld>
             <a:endParaRPr lang="en-US" dirty="0"/>
           </a:p>
@@ -3477,7 +4624,7 @@
           <a:p>
             <a:fld id="{48A87A34-81AB-432B-8DAE-1953F412C126}" type="datetimeFigureOut">
               <a:rPr lang="en-US" smtClean="0"/>
-              <a:t>9/27/2021</a:t>
+              <a:t>9/30/2021</a:t>
             </a:fld>
             <a:endParaRPr lang="en-US" dirty="0"/>
           </a:p>
@@ -3851,7 +4998,7 @@
           <a:p>
             <a:fld id="{48A87A34-81AB-432B-8DAE-1953F412C126}" type="datetimeFigureOut">
               <a:rPr lang="en-US" smtClean="0"/>
-              <a:t>9/27/2021</a:t>
+              <a:t>9/30/2021</a:t>
             </a:fld>
             <a:endParaRPr lang="en-US" dirty="0"/>
           </a:p>
@@ -3974,7 +5121,7 @@
           <a:p>
             <a:fld id="{48A87A34-81AB-432B-8DAE-1953F412C126}" type="datetimeFigureOut">
               <a:rPr lang="en-US" smtClean="0"/>
-              <a:t>9/27/2021</a:t>
+              <a:t>9/30/2021</a:t>
             </a:fld>
             <a:endParaRPr lang="en-US" dirty="0"/>
           </a:p>
@@ -4069,7 +5216,7 @@
           <a:p>
             <a:fld id="{48A87A34-81AB-432B-8DAE-1953F412C126}" type="datetimeFigureOut">
               <a:rPr lang="en-US" smtClean="0"/>
-              <a:t>9/27/2021</a:t>
+              <a:t>9/30/2021</a:t>
             </a:fld>
             <a:endParaRPr lang="en-US" dirty="0"/>
           </a:p>
@@ -4324,7 +5471,7 @@
           <a:p>
             <a:fld id="{48A87A34-81AB-432B-8DAE-1953F412C126}" type="datetimeFigureOut">
               <a:rPr lang="en-US" smtClean="0"/>
-              <a:t>9/27/2021</a:t>
+              <a:t>9/30/2021</a:t>
             </a:fld>
             <a:endParaRPr lang="en-US" dirty="0"/>
           </a:p>
@@ -4629,7 +5776,7 @@
           <a:p>
             <a:fld id="{48A87A34-81AB-432B-8DAE-1953F412C126}" type="datetimeFigureOut">
               <a:rPr lang="en-US" smtClean="0"/>
-              <a:t>9/27/2021</a:t>
+              <a:t>9/30/2021</a:t>
             </a:fld>
             <a:endParaRPr lang="en-US" dirty="0"/>
           </a:p>
@@ -5332,7 +6479,7 @@
             <a:fld id="{48A87A34-81AB-432B-8DAE-1953F412C126}" type="datetimeFigureOut">
               <a:rPr lang="en-US" smtClean="0"/>
               <a:pPr/>
-              <a:t>9/27/2021</a:t>
+              <a:t>9/30/2021</a:t>
             </a:fld>
             <a:endParaRPr lang="en-US" dirty="0"/>
           </a:p>
@@ -5923,6 +7070,1149 @@
 </p:sld>
 </file>
 
+<file path=ppt/slides/slide10.xml><?xml version="1.0" encoding="utf-8"?>
+<p:sld xmlns:a="http://schemas.openxmlformats.org/drawingml/2006/main" xmlns:r="http://schemas.openxmlformats.org/officeDocument/2006/relationships" xmlns:p="http://schemas.openxmlformats.org/presentationml/2006/main">
+  <p:cSld>
+    <p:bg>
+      <p:bgPr>
+        <a:solidFill>
+          <a:schemeClr val="bg1"/>
+        </a:solidFill>
+        <a:effectLst/>
+      </p:bgPr>
+    </p:bg>
+    <p:spTree>
+      <p:nvGrpSpPr>
+        <p:cNvPr id="1" name=""/>
+        <p:cNvGrpSpPr/>
+        <p:nvPr/>
+      </p:nvGrpSpPr>
+      <p:grpSpPr>
+        <a:xfrm>
+          <a:off x="0" y="0"/>
+          <a:ext cx="0" cy="0"/>
+          <a:chOff x="0" y="0"/>
+          <a:chExt cx="0" cy="0"/>
+        </a:xfrm>
+      </p:grpSpPr>
+      <p:sp>
+        <p:nvSpPr>
+          <p:cNvPr id="40" name="Rectangle 27">
+            <a:extLst>
+              <a:ext uri="{FF2B5EF4-FFF2-40B4-BE49-F238E27FC236}">
+                <a16:creationId xmlns:a16="http://schemas.microsoft.com/office/drawing/2014/main" id="{7459C506-5F4B-4B75-9218-C7C3F87FA8D3}"/>
+              </a:ext>
+              <a:ext uri="{C183D7F6-B498-43B3-948B-1728B52AA6E4}">
+                <adec:decorative xmlns:adec="http://schemas.microsoft.com/office/drawing/2017/decorative" val="1"/>
+              </a:ext>
+            </a:extLst>
+          </p:cNvPr>
+          <p:cNvSpPr>
+            <a:spLocks noGrp="1" noRot="1" noChangeAspect="1" noMove="1" noResize="1" noEditPoints="1" noAdjustHandles="1" noChangeArrowheads="1" noChangeShapeType="1" noTextEdit="1"/>
+          </p:cNvSpPr>
+          <p:nvPr>
+            <p:extLst>
+              <p:ext uri="{386F3935-93C4-4BCD-93E2-E3B085C9AB24}">
+                <p16:designElem xmlns:p16="http://schemas.microsoft.com/office/powerpoint/2015/main" val="1"/>
+              </p:ext>
+            </p:extLst>
+          </p:nvPr>
+        </p:nvSpPr>
+        <p:spPr>
+          <a:xfrm>
+            <a:off x="0" y="0"/>
+            <a:ext cx="12192000" cy="6858000"/>
+          </a:xfrm>
+          <a:prstGeom prst="rect">
+            <a:avLst/>
+          </a:prstGeom>
+          <a:ln>
+            <a:noFill/>
+          </a:ln>
+        </p:spPr>
+        <p:style>
+          <a:lnRef idx="2">
+            <a:schemeClr val="accent1">
+              <a:shade val="50000"/>
+            </a:schemeClr>
+          </a:lnRef>
+          <a:fillRef idx="1">
+            <a:schemeClr val="accent1"/>
+          </a:fillRef>
+          <a:effectRef idx="0">
+            <a:schemeClr val="accent1"/>
+          </a:effectRef>
+          <a:fontRef idx="minor">
+            <a:schemeClr val="lt1"/>
+          </a:fontRef>
+        </p:style>
+        <p:txBody>
+          <a:bodyPr rtlCol="0" anchor="ctr"/>
+          <a:lstStyle/>
+          <a:p>
+            <a:pPr algn="ctr"/>
+            <a:endParaRPr lang="en-US"/>
+          </a:p>
+        </p:txBody>
+      </p:sp>
+      <p:grpSp>
+        <p:nvGrpSpPr>
+          <p:cNvPr id="42" name="Group 29">
+            <a:extLst>
+              <a:ext uri="{FF2B5EF4-FFF2-40B4-BE49-F238E27FC236}">
+                <a16:creationId xmlns:a16="http://schemas.microsoft.com/office/drawing/2014/main" id="{BC659EEB-C3AE-4544-8263-417009DCDF41}"/>
+              </a:ext>
+              <a:ext uri="{C183D7F6-B498-43B3-948B-1728B52AA6E4}">
+                <adec:decorative xmlns:adec="http://schemas.microsoft.com/office/drawing/2017/decorative" val="1"/>
+              </a:ext>
+            </a:extLst>
+          </p:cNvPr>
+          <p:cNvGrpSpPr>
+            <a:grpSpLocks noGrp="1" noUngrp="1" noRot="1" noChangeAspect="1" noMove="1" noResize="1"/>
+          </p:cNvGrpSpPr>
+          <p:nvPr>
+            <p:extLst>
+              <p:ext uri="{386F3935-93C4-4BCD-93E2-E3B085C9AB24}">
+                <p16:designElem xmlns:p16="http://schemas.microsoft.com/office/powerpoint/2015/main" val="1"/>
+              </p:ext>
+            </p:extLst>
+          </p:nvPr>
+        </p:nvGrpSpPr>
+        <p:grpSpPr>
+          <a:xfrm>
+            <a:off x="0" y="-8467"/>
+            <a:ext cx="12192000" cy="6866467"/>
+            <a:chOff x="0" y="-8467"/>
+            <a:chExt cx="12192000" cy="6866467"/>
+          </a:xfrm>
+        </p:grpSpPr>
+        <p:cxnSp>
+          <p:nvCxnSpPr>
+            <p:cNvPr id="31" name="Straight Connector 30">
+              <a:extLst>
+                <a:ext uri="{FF2B5EF4-FFF2-40B4-BE49-F238E27FC236}">
+                  <a16:creationId xmlns:a16="http://schemas.microsoft.com/office/drawing/2014/main" id="{D99DB6C6-36F9-4576-A558-95153EADBE41}"/>
+                </a:ext>
+                <a:ext uri="{C183D7F6-B498-43B3-948B-1728B52AA6E4}">
+                  <adec:decorative xmlns:adec="http://schemas.microsoft.com/office/drawing/2017/decorative" val="1"/>
+                </a:ext>
+              </a:extLst>
+            </p:cNvPr>
+            <p:cNvCxnSpPr/>
+            <p:nvPr>
+              <p:extLst>
+                <p:ext uri="{386F3935-93C4-4BCD-93E2-E3B085C9AB24}">
+                  <p16:designElem xmlns:p16="http://schemas.microsoft.com/office/powerpoint/2015/main" val="1"/>
+                </p:ext>
+              </p:extLst>
+            </p:nvPr>
+          </p:nvCxnSpPr>
+          <p:spPr>
+            <a:xfrm flipH="1">
+              <a:off x="7425267" y="3681413"/>
+              <a:ext cx="4763558" cy="3176587"/>
+            </a:xfrm>
+            <a:prstGeom prst="line">
+              <a:avLst/>
+            </a:prstGeom>
+            <a:ln w="9525">
+              <a:solidFill>
+                <a:schemeClr val="bg1">
+                  <a:lumMod val="85000"/>
+                </a:schemeClr>
+              </a:solidFill>
+            </a:ln>
+          </p:spPr>
+          <p:style>
+            <a:lnRef idx="2">
+              <a:schemeClr val="accent1"/>
+            </a:lnRef>
+            <a:fillRef idx="0">
+              <a:schemeClr val="accent1"/>
+            </a:fillRef>
+            <a:effectRef idx="1">
+              <a:schemeClr val="accent1"/>
+            </a:effectRef>
+            <a:fontRef idx="minor">
+              <a:schemeClr val="tx1"/>
+            </a:fontRef>
+          </p:style>
+        </p:cxnSp>
+        <p:sp>
+          <p:nvSpPr>
+            <p:cNvPr id="32" name="Rectangle 23">
+              <a:extLst>
+                <a:ext uri="{FF2B5EF4-FFF2-40B4-BE49-F238E27FC236}">
+                  <a16:creationId xmlns:a16="http://schemas.microsoft.com/office/drawing/2014/main" id="{694E7916-EDE4-4B50-A4A1-6B28FDD4D9B9}"/>
+                </a:ext>
+                <a:ext uri="{C183D7F6-B498-43B3-948B-1728B52AA6E4}">
+                  <adec:decorative xmlns:adec="http://schemas.microsoft.com/office/drawing/2017/decorative" val="1"/>
+                </a:ext>
+              </a:extLst>
+            </p:cNvPr>
+            <p:cNvSpPr/>
+            <p:nvPr>
+              <p:extLst>
+                <p:ext uri="{386F3935-93C4-4BCD-93E2-E3B085C9AB24}">
+                  <p16:designElem xmlns:p16="http://schemas.microsoft.com/office/powerpoint/2015/main" val="1"/>
+                </p:ext>
+              </p:extLst>
+            </p:nvPr>
+          </p:nvSpPr>
+          <p:spPr>
+            <a:xfrm>
+              <a:off x="9181476" y="-8467"/>
+              <a:ext cx="3007349" cy="6866467"/>
+            </a:xfrm>
+            <a:custGeom>
+              <a:avLst/>
+              <a:gdLst/>
+              <a:ahLst/>
+              <a:cxnLst/>
+              <a:rect l="l" t="t" r="r" b="b"/>
+              <a:pathLst>
+                <a:path w="3007349" h="6866467">
+                  <a:moveTo>
+                    <a:pt x="2045532" y="0"/>
+                  </a:moveTo>
+                  <a:lnTo>
+                    <a:pt x="3007349" y="0"/>
+                  </a:lnTo>
+                  <a:lnTo>
+                    <a:pt x="3007349" y="6866467"/>
+                  </a:lnTo>
+                  <a:lnTo>
+                    <a:pt x="0" y="6866467"/>
+                  </a:lnTo>
+                  <a:lnTo>
+                    <a:pt x="2045532" y="0"/>
+                  </a:lnTo>
+                  <a:close/>
+                </a:path>
+              </a:pathLst>
+            </a:custGeom>
+            <a:solidFill>
+              <a:schemeClr val="accent1">
+                <a:alpha val="30000"/>
+              </a:schemeClr>
+            </a:solidFill>
+            <a:ln>
+              <a:noFill/>
+            </a:ln>
+            <a:effectLst/>
+          </p:spPr>
+          <p:style>
+            <a:lnRef idx="1">
+              <a:schemeClr val="accent1"/>
+            </a:lnRef>
+            <a:fillRef idx="3">
+              <a:schemeClr val="accent1"/>
+            </a:fillRef>
+            <a:effectRef idx="2">
+              <a:schemeClr val="accent1"/>
+            </a:effectRef>
+            <a:fontRef idx="minor">
+              <a:schemeClr val="lt1"/>
+            </a:fontRef>
+          </p:style>
+        </p:sp>
+        <p:sp>
+          <p:nvSpPr>
+            <p:cNvPr id="33" name="Rectangle 25">
+              <a:extLst>
+                <a:ext uri="{FF2B5EF4-FFF2-40B4-BE49-F238E27FC236}">
+                  <a16:creationId xmlns:a16="http://schemas.microsoft.com/office/drawing/2014/main" id="{6F6CB7BB-4370-4173-97F8-F636C0F149F1}"/>
+                </a:ext>
+                <a:ext uri="{C183D7F6-B498-43B3-948B-1728B52AA6E4}">
+                  <adec:decorative xmlns:adec="http://schemas.microsoft.com/office/drawing/2017/decorative" val="1"/>
+                </a:ext>
+              </a:extLst>
+            </p:cNvPr>
+            <p:cNvSpPr/>
+            <p:nvPr>
+              <p:extLst>
+                <p:ext uri="{386F3935-93C4-4BCD-93E2-E3B085C9AB24}">
+                  <p16:designElem xmlns:p16="http://schemas.microsoft.com/office/powerpoint/2015/main" val="1"/>
+                </p:ext>
+              </p:extLst>
+            </p:nvPr>
+          </p:nvSpPr>
+          <p:spPr>
+            <a:xfrm>
+              <a:off x="9603442" y="-8467"/>
+              <a:ext cx="2588558" cy="6866467"/>
+            </a:xfrm>
+            <a:custGeom>
+              <a:avLst/>
+              <a:gdLst/>
+              <a:ahLst/>
+              <a:cxnLst/>
+              <a:rect l="l" t="t" r="r" b="b"/>
+              <a:pathLst>
+                <a:path w="2573311" h="6866467">
+                  <a:moveTo>
+                    <a:pt x="0" y="0"/>
+                  </a:moveTo>
+                  <a:lnTo>
+                    <a:pt x="2573311" y="0"/>
+                  </a:lnTo>
+                  <a:lnTo>
+                    <a:pt x="2573311" y="6866467"/>
+                  </a:lnTo>
+                  <a:lnTo>
+                    <a:pt x="1202336" y="6866467"/>
+                  </a:lnTo>
+                  <a:lnTo>
+                    <a:pt x="0" y="0"/>
+                  </a:lnTo>
+                  <a:close/>
+                </a:path>
+              </a:pathLst>
+            </a:custGeom>
+            <a:solidFill>
+              <a:schemeClr val="accent1">
+                <a:alpha val="20000"/>
+              </a:schemeClr>
+            </a:solidFill>
+            <a:ln>
+              <a:noFill/>
+            </a:ln>
+            <a:effectLst/>
+          </p:spPr>
+          <p:style>
+            <a:lnRef idx="1">
+              <a:schemeClr val="accent1"/>
+            </a:lnRef>
+            <a:fillRef idx="3">
+              <a:schemeClr val="accent1"/>
+            </a:fillRef>
+            <a:effectRef idx="2">
+              <a:schemeClr val="accent1"/>
+            </a:effectRef>
+            <a:fontRef idx="minor">
+              <a:schemeClr val="lt1"/>
+            </a:fontRef>
+          </p:style>
+        </p:sp>
+        <p:sp>
+          <p:nvSpPr>
+            <p:cNvPr id="34" name="Isosceles Triangle 33">
+              <a:extLst>
+                <a:ext uri="{FF2B5EF4-FFF2-40B4-BE49-F238E27FC236}">
+                  <a16:creationId xmlns:a16="http://schemas.microsoft.com/office/drawing/2014/main" id="{B0F590BB-1F51-4138-A2D4-2E483C84FB07}"/>
+                </a:ext>
+                <a:ext uri="{C183D7F6-B498-43B3-948B-1728B52AA6E4}">
+                  <adec:decorative xmlns:adec="http://schemas.microsoft.com/office/drawing/2017/decorative" val="1"/>
+                </a:ext>
+              </a:extLst>
+            </p:cNvPr>
+            <p:cNvSpPr/>
+            <p:nvPr>
+              <p:extLst>
+                <p:ext uri="{386F3935-93C4-4BCD-93E2-E3B085C9AB24}">
+                  <p16:designElem xmlns:p16="http://schemas.microsoft.com/office/powerpoint/2015/main" val="1"/>
+                </p:ext>
+              </p:extLst>
+            </p:nvPr>
+          </p:nvSpPr>
+          <p:spPr>
+            <a:xfrm>
+              <a:off x="8932333" y="3048000"/>
+              <a:ext cx="3259667" cy="3810000"/>
+            </a:xfrm>
+            <a:prstGeom prst="triangle">
+              <a:avLst>
+                <a:gd name="adj" fmla="val 100000"/>
+              </a:avLst>
+            </a:prstGeom>
+            <a:solidFill>
+              <a:schemeClr val="accent2">
+                <a:alpha val="72000"/>
+              </a:schemeClr>
+            </a:solidFill>
+            <a:ln>
+              <a:noFill/>
+            </a:ln>
+            <a:effectLst/>
+          </p:spPr>
+          <p:style>
+            <a:lnRef idx="1">
+              <a:schemeClr val="accent1"/>
+            </a:lnRef>
+            <a:fillRef idx="3">
+              <a:schemeClr val="accent1"/>
+            </a:fillRef>
+            <a:effectRef idx="2">
+              <a:schemeClr val="accent1"/>
+            </a:effectRef>
+            <a:fontRef idx="minor">
+              <a:schemeClr val="lt1"/>
+            </a:fontRef>
+          </p:style>
+        </p:sp>
+        <p:sp>
+          <p:nvSpPr>
+            <p:cNvPr id="35" name="Rectangle 27">
+              <a:extLst>
+                <a:ext uri="{FF2B5EF4-FFF2-40B4-BE49-F238E27FC236}">
+                  <a16:creationId xmlns:a16="http://schemas.microsoft.com/office/drawing/2014/main" id="{4A492863-9797-45A2-BAB3-514F10C5F254}"/>
+                </a:ext>
+                <a:ext uri="{C183D7F6-B498-43B3-948B-1728B52AA6E4}">
+                  <adec:decorative xmlns:adec="http://schemas.microsoft.com/office/drawing/2017/decorative" val="1"/>
+                </a:ext>
+              </a:extLst>
+            </p:cNvPr>
+            <p:cNvSpPr/>
+            <p:nvPr>
+              <p:extLst>
+                <p:ext uri="{386F3935-93C4-4BCD-93E2-E3B085C9AB24}">
+                  <p16:designElem xmlns:p16="http://schemas.microsoft.com/office/powerpoint/2015/main" val="1"/>
+                </p:ext>
+              </p:extLst>
+            </p:nvPr>
+          </p:nvSpPr>
+          <p:spPr>
+            <a:xfrm>
+              <a:off x="9334500" y="-8467"/>
+              <a:ext cx="2854326" cy="6866467"/>
+            </a:xfrm>
+            <a:custGeom>
+              <a:avLst/>
+              <a:gdLst/>
+              <a:ahLst/>
+              <a:cxnLst/>
+              <a:rect l="l" t="t" r="r" b="b"/>
+              <a:pathLst>
+                <a:path w="2858013" h="6866467">
+                  <a:moveTo>
+                    <a:pt x="0" y="0"/>
+                  </a:moveTo>
+                  <a:lnTo>
+                    <a:pt x="2858013" y="0"/>
+                  </a:lnTo>
+                  <a:lnTo>
+                    <a:pt x="2858013" y="6866467"/>
+                  </a:lnTo>
+                  <a:lnTo>
+                    <a:pt x="2473942" y="6866467"/>
+                  </a:lnTo>
+                  <a:lnTo>
+                    <a:pt x="0" y="0"/>
+                  </a:lnTo>
+                  <a:close/>
+                </a:path>
+              </a:pathLst>
+            </a:custGeom>
+            <a:solidFill>
+              <a:schemeClr val="accent2">
+                <a:lumMod val="75000"/>
+                <a:alpha val="70000"/>
+              </a:schemeClr>
+            </a:solidFill>
+            <a:ln>
+              <a:noFill/>
+            </a:ln>
+            <a:effectLst/>
+          </p:spPr>
+          <p:style>
+            <a:lnRef idx="1">
+              <a:schemeClr val="accent1"/>
+            </a:lnRef>
+            <a:fillRef idx="3">
+              <a:schemeClr val="accent1"/>
+            </a:fillRef>
+            <a:effectRef idx="2">
+              <a:schemeClr val="accent1"/>
+            </a:effectRef>
+            <a:fontRef idx="minor">
+              <a:schemeClr val="lt1"/>
+            </a:fontRef>
+          </p:style>
+        </p:sp>
+        <p:sp>
+          <p:nvSpPr>
+            <p:cNvPr id="36" name="Rectangle 28">
+              <a:extLst>
+                <a:ext uri="{FF2B5EF4-FFF2-40B4-BE49-F238E27FC236}">
+                  <a16:creationId xmlns:a16="http://schemas.microsoft.com/office/drawing/2014/main" id="{7C1E33F6-6D0F-4ECF-92F4-6F71D8BAF3D9}"/>
+                </a:ext>
+                <a:ext uri="{C183D7F6-B498-43B3-948B-1728B52AA6E4}">
+                  <adec:decorative xmlns:adec="http://schemas.microsoft.com/office/drawing/2017/decorative" val="1"/>
+                </a:ext>
+              </a:extLst>
+            </p:cNvPr>
+            <p:cNvSpPr/>
+            <p:nvPr>
+              <p:extLst>
+                <p:ext uri="{386F3935-93C4-4BCD-93E2-E3B085C9AB24}">
+                  <p16:designElem xmlns:p16="http://schemas.microsoft.com/office/powerpoint/2015/main" val="1"/>
+                </p:ext>
+              </p:extLst>
+            </p:nvPr>
+          </p:nvSpPr>
+          <p:spPr>
+            <a:xfrm>
+              <a:off x="10898730" y="-8467"/>
+              <a:ext cx="1290094" cy="6866467"/>
+            </a:xfrm>
+            <a:custGeom>
+              <a:avLst/>
+              <a:gdLst/>
+              <a:ahLst/>
+              <a:cxnLst/>
+              <a:rect l="l" t="t" r="r" b="b"/>
+              <a:pathLst>
+                <a:path w="1290094" h="6858000">
+                  <a:moveTo>
+                    <a:pt x="1019735" y="0"/>
+                  </a:moveTo>
+                  <a:lnTo>
+                    <a:pt x="1290094" y="0"/>
+                  </a:lnTo>
+                  <a:lnTo>
+                    <a:pt x="1290094" y="6858000"/>
+                  </a:lnTo>
+                  <a:lnTo>
+                    <a:pt x="0" y="6858000"/>
+                  </a:lnTo>
+                  <a:lnTo>
+                    <a:pt x="1019735" y="0"/>
+                  </a:lnTo>
+                  <a:close/>
+                </a:path>
+              </a:pathLst>
+            </a:custGeom>
+            <a:solidFill>
+              <a:schemeClr val="accent1">
+                <a:lumMod val="60000"/>
+                <a:lumOff val="40000"/>
+                <a:alpha val="70000"/>
+              </a:schemeClr>
+            </a:solidFill>
+            <a:ln>
+              <a:noFill/>
+            </a:ln>
+            <a:effectLst/>
+          </p:spPr>
+          <p:style>
+            <a:lnRef idx="1">
+              <a:schemeClr val="accent1"/>
+            </a:lnRef>
+            <a:fillRef idx="3">
+              <a:schemeClr val="accent1"/>
+            </a:fillRef>
+            <a:effectRef idx="2">
+              <a:schemeClr val="accent1"/>
+            </a:effectRef>
+            <a:fontRef idx="minor">
+              <a:schemeClr val="lt1"/>
+            </a:fontRef>
+          </p:style>
+        </p:sp>
+        <p:sp>
+          <p:nvSpPr>
+            <p:cNvPr id="37" name="Rectangle 29">
+              <a:extLst>
+                <a:ext uri="{FF2B5EF4-FFF2-40B4-BE49-F238E27FC236}">
+                  <a16:creationId xmlns:a16="http://schemas.microsoft.com/office/drawing/2014/main" id="{73EEEA64-7411-474B-BD0E-60C24B3F4E56}"/>
+                </a:ext>
+                <a:ext uri="{C183D7F6-B498-43B3-948B-1728B52AA6E4}">
+                  <adec:decorative xmlns:adec="http://schemas.microsoft.com/office/drawing/2017/decorative" val="1"/>
+                </a:ext>
+              </a:extLst>
+            </p:cNvPr>
+            <p:cNvSpPr/>
+            <p:nvPr>
+              <p:extLst>
+                <p:ext uri="{386F3935-93C4-4BCD-93E2-E3B085C9AB24}">
+                  <p16:designElem xmlns:p16="http://schemas.microsoft.com/office/powerpoint/2015/main" val="1"/>
+                </p:ext>
+              </p:extLst>
+            </p:nvPr>
+          </p:nvSpPr>
+          <p:spPr>
+            <a:xfrm>
+              <a:off x="10938999" y="-8467"/>
+              <a:ext cx="1249825" cy="6866467"/>
+            </a:xfrm>
+            <a:custGeom>
+              <a:avLst/>
+              <a:gdLst/>
+              <a:ahLst/>
+              <a:cxnLst/>
+              <a:rect l="l" t="t" r="r" b="b"/>
+              <a:pathLst>
+                <a:path w="1249825" h="6858000">
+                  <a:moveTo>
+                    <a:pt x="0" y="0"/>
+                  </a:moveTo>
+                  <a:lnTo>
+                    <a:pt x="1249825" y="0"/>
+                  </a:lnTo>
+                  <a:lnTo>
+                    <a:pt x="1249825" y="6858000"/>
+                  </a:lnTo>
+                  <a:lnTo>
+                    <a:pt x="1109382" y="6858000"/>
+                  </a:lnTo>
+                  <a:lnTo>
+                    <a:pt x="0" y="0"/>
+                  </a:lnTo>
+                  <a:close/>
+                </a:path>
+              </a:pathLst>
+            </a:custGeom>
+            <a:solidFill>
+              <a:schemeClr val="accent1">
+                <a:alpha val="65000"/>
+              </a:schemeClr>
+            </a:solidFill>
+            <a:ln>
+              <a:noFill/>
+            </a:ln>
+            <a:effectLst/>
+          </p:spPr>
+          <p:style>
+            <a:lnRef idx="1">
+              <a:schemeClr val="accent1"/>
+            </a:lnRef>
+            <a:fillRef idx="3">
+              <a:schemeClr val="accent1"/>
+            </a:fillRef>
+            <a:effectRef idx="2">
+              <a:schemeClr val="accent1"/>
+            </a:effectRef>
+            <a:fontRef idx="minor">
+              <a:schemeClr val="lt1"/>
+            </a:fontRef>
+          </p:style>
+        </p:sp>
+        <p:sp>
+          <p:nvSpPr>
+            <p:cNvPr id="38" name="Isosceles Triangle 37">
+              <a:extLst>
+                <a:ext uri="{FF2B5EF4-FFF2-40B4-BE49-F238E27FC236}">
+                  <a16:creationId xmlns:a16="http://schemas.microsoft.com/office/drawing/2014/main" id="{4F82A6DD-92BB-4443-B5A5-05240DD5580E}"/>
+                </a:ext>
+                <a:ext uri="{C183D7F6-B498-43B3-948B-1728B52AA6E4}">
+                  <adec:decorative xmlns:adec="http://schemas.microsoft.com/office/drawing/2017/decorative" val="1"/>
+                </a:ext>
+              </a:extLst>
+            </p:cNvPr>
+            <p:cNvSpPr/>
+            <p:nvPr>
+              <p:extLst>
+                <p:ext uri="{386F3935-93C4-4BCD-93E2-E3B085C9AB24}">
+                  <p16:designElem xmlns:p16="http://schemas.microsoft.com/office/powerpoint/2015/main" val="1"/>
+                </p:ext>
+              </p:extLst>
+            </p:nvPr>
+          </p:nvSpPr>
+          <p:spPr>
+            <a:xfrm>
+              <a:off x="10371666" y="3589867"/>
+              <a:ext cx="1817159" cy="3268133"/>
+            </a:xfrm>
+            <a:prstGeom prst="triangle">
+              <a:avLst>
+                <a:gd name="adj" fmla="val 100000"/>
+              </a:avLst>
+            </a:prstGeom>
+            <a:solidFill>
+              <a:schemeClr val="accent1">
+                <a:alpha val="80000"/>
+              </a:schemeClr>
+            </a:solidFill>
+            <a:ln>
+              <a:noFill/>
+            </a:ln>
+            <a:effectLst/>
+          </p:spPr>
+          <p:style>
+            <a:lnRef idx="1">
+              <a:schemeClr val="accent1"/>
+            </a:lnRef>
+            <a:fillRef idx="3">
+              <a:schemeClr val="accent1"/>
+            </a:fillRef>
+            <a:effectRef idx="2">
+              <a:schemeClr val="accent1"/>
+            </a:effectRef>
+            <a:fontRef idx="minor">
+              <a:schemeClr val="lt1"/>
+            </a:fontRef>
+          </p:style>
+        </p:sp>
+        <p:sp>
+          <p:nvSpPr>
+            <p:cNvPr id="39" name="Isosceles Triangle 38">
+              <a:extLst>
+                <a:ext uri="{FF2B5EF4-FFF2-40B4-BE49-F238E27FC236}">
+                  <a16:creationId xmlns:a16="http://schemas.microsoft.com/office/drawing/2014/main" id="{79832BCB-1DCF-46AC-9FFA-170791668D8C}"/>
+                </a:ext>
+                <a:ext uri="{C183D7F6-B498-43B3-948B-1728B52AA6E4}">
+                  <adec:decorative xmlns:adec="http://schemas.microsoft.com/office/drawing/2017/decorative" val="1"/>
+                </a:ext>
+              </a:extLst>
+            </p:cNvPr>
+            <p:cNvSpPr/>
+            <p:nvPr>
+              <p:extLst>
+                <p:ext uri="{386F3935-93C4-4BCD-93E2-E3B085C9AB24}">
+                  <p16:designElem xmlns:p16="http://schemas.microsoft.com/office/powerpoint/2015/main" val="1"/>
+                </p:ext>
+              </p:extLst>
+            </p:nvPr>
+          </p:nvSpPr>
+          <p:spPr>
+            <a:xfrm>
+              <a:off x="0" y="4013200"/>
+              <a:ext cx="448733" cy="2844800"/>
+            </a:xfrm>
+            <a:prstGeom prst="triangle">
+              <a:avLst>
+                <a:gd name="adj" fmla="val 0"/>
+              </a:avLst>
+            </a:prstGeom>
+            <a:solidFill>
+              <a:schemeClr val="accent1">
+                <a:alpha val="85000"/>
+              </a:schemeClr>
+            </a:solidFill>
+            <a:ln>
+              <a:noFill/>
+            </a:ln>
+            <a:effectLst/>
+          </p:spPr>
+          <p:style>
+            <a:lnRef idx="1">
+              <a:schemeClr val="accent1"/>
+            </a:lnRef>
+            <a:fillRef idx="3">
+              <a:schemeClr val="accent1"/>
+            </a:fillRef>
+            <a:effectRef idx="2">
+              <a:schemeClr val="accent1"/>
+            </a:effectRef>
+            <a:fontRef idx="minor">
+              <a:schemeClr val="lt1"/>
+            </a:fontRef>
+          </p:style>
+        </p:sp>
+      </p:grpSp>
+      <p:sp useBgFill="1">
+        <p:nvSpPr>
+          <p:cNvPr id="41" name="Rectangle 40">
+            <a:extLst>
+              <a:ext uri="{FF2B5EF4-FFF2-40B4-BE49-F238E27FC236}">
+                <a16:creationId xmlns:a16="http://schemas.microsoft.com/office/drawing/2014/main" id="{4E74DA95-CD7A-4D5E-9D27-67A759CE708D}"/>
+              </a:ext>
+              <a:ext uri="{C183D7F6-B498-43B3-948B-1728B52AA6E4}">
+                <adec:decorative xmlns:adec="http://schemas.microsoft.com/office/drawing/2017/decorative" val="1"/>
+              </a:ext>
+            </a:extLst>
+          </p:cNvPr>
+          <p:cNvSpPr>
+            <a:spLocks noGrp="1" noRot="1" noChangeAspect="1" noMove="1" noResize="1" noEditPoints="1" noAdjustHandles="1" noChangeArrowheads="1" noChangeShapeType="1" noTextEdit="1"/>
+          </p:cNvSpPr>
+          <p:nvPr>
+            <p:extLst>
+              <p:ext uri="{386F3935-93C4-4BCD-93E2-E3B085C9AB24}">
+                <p16:designElem xmlns:p16="http://schemas.microsoft.com/office/powerpoint/2015/main" val="1"/>
+              </p:ext>
+            </p:extLst>
+          </p:nvPr>
+        </p:nvSpPr>
+        <p:spPr>
+          <a:xfrm>
+            <a:off x="477012" y="480060"/>
+            <a:ext cx="11237976" cy="5897880"/>
+          </a:xfrm>
+          <a:prstGeom prst="rect">
+            <a:avLst/>
+          </a:prstGeom>
+          <a:ln w="22225">
+            <a:solidFill>
+              <a:srgbClr val="FFFFFF"/>
+            </a:solidFill>
+          </a:ln>
+        </p:spPr>
+        <p:style>
+          <a:lnRef idx="2">
+            <a:schemeClr val="accent1">
+              <a:shade val="50000"/>
+            </a:schemeClr>
+          </a:lnRef>
+          <a:fillRef idx="1">
+            <a:schemeClr val="accent1"/>
+          </a:fillRef>
+          <a:effectRef idx="0">
+            <a:schemeClr val="accent1"/>
+          </a:effectRef>
+          <a:fontRef idx="minor">
+            <a:schemeClr val="lt1"/>
+          </a:fontRef>
+        </p:style>
+        <p:txBody>
+          <a:bodyPr rtlCol="0" anchor="ctr"/>
+          <a:lstStyle/>
+          <a:p>
+            <a:pPr algn="ctr"/>
+            <a:endParaRPr lang="en-US"/>
+          </a:p>
+        </p:txBody>
+      </p:sp>
+      <p:pic>
+        <p:nvPicPr>
+          <p:cNvPr id="7" name="Picture 6">
+            <a:extLst>
+              <a:ext uri="{FF2B5EF4-FFF2-40B4-BE49-F238E27FC236}">
+                <a16:creationId xmlns:a16="http://schemas.microsoft.com/office/drawing/2014/main" id="{D3722104-42D4-43B2-B1E9-CC01A9A30E81}"/>
+              </a:ext>
+            </a:extLst>
+          </p:cNvPr>
+          <p:cNvPicPr>
+            <a:picLocks noChangeAspect="1"/>
+          </p:cNvPicPr>
+          <p:nvPr/>
+        </p:nvPicPr>
+        <p:blipFill>
+          <a:blip r:embed="rId2"/>
+          <a:stretch>
+            <a:fillRect/>
+          </a:stretch>
+        </p:blipFill>
+        <p:spPr>
+          <a:xfrm>
+            <a:off x="1293724" y="1575746"/>
+            <a:ext cx="4257292" cy="4602479"/>
+          </a:xfrm>
+          <a:prstGeom prst="rect">
+            <a:avLst/>
+          </a:prstGeom>
+        </p:spPr>
+      </p:pic>
+      <p:cxnSp>
+        <p:nvCxnSpPr>
+          <p:cNvPr id="43" name="Straight Connector 42">
+            <a:extLst>
+              <a:ext uri="{FF2B5EF4-FFF2-40B4-BE49-F238E27FC236}">
+                <a16:creationId xmlns:a16="http://schemas.microsoft.com/office/drawing/2014/main" id="{14AA3B5C-0C55-4FFF-9C45-8F9F7C074A4E}"/>
+              </a:ext>
+              <a:ext uri="{C183D7F6-B498-43B3-948B-1728B52AA6E4}">
+                <adec:decorative xmlns:adec="http://schemas.microsoft.com/office/drawing/2017/decorative" val="1"/>
+              </a:ext>
+            </a:extLst>
+          </p:cNvPr>
+          <p:cNvCxnSpPr>
+            <a:cxnSpLocks noGrp="1" noRot="1" noChangeAspect="1" noMove="1" noResize="1" noEditPoints="1" noAdjustHandles="1" noChangeArrowheads="1" noChangeShapeType="1"/>
+          </p:cNvCxnSpPr>
+          <p:nvPr>
+            <p:extLst>
+              <p:ext uri="{386F3935-93C4-4BCD-93E2-E3B085C9AB24}">
+                <p16:designElem xmlns:p16="http://schemas.microsoft.com/office/powerpoint/2015/main" val="1"/>
+              </p:ext>
+            </p:extLst>
+          </p:nvPr>
+        </p:nvCxnSpPr>
+        <p:spPr>
+          <a:xfrm>
+            <a:off x="6081305" y="1650669"/>
+            <a:ext cx="0" cy="3431969"/>
+          </a:xfrm>
+          <a:prstGeom prst="line">
+            <a:avLst/>
+          </a:prstGeom>
+        </p:spPr>
+        <p:style>
+          <a:lnRef idx="1">
+            <a:schemeClr val="accent1"/>
+          </a:lnRef>
+          <a:fillRef idx="0">
+            <a:schemeClr val="accent1"/>
+          </a:fillRef>
+          <a:effectRef idx="0">
+            <a:schemeClr val="accent1"/>
+          </a:effectRef>
+          <a:fontRef idx="minor">
+            <a:schemeClr val="tx1"/>
+          </a:fontRef>
+        </p:style>
+      </p:cxnSp>
+      <p:pic>
+        <p:nvPicPr>
+          <p:cNvPr id="5" name="Picture 4">
+            <a:extLst>
+              <a:ext uri="{FF2B5EF4-FFF2-40B4-BE49-F238E27FC236}">
+                <a16:creationId xmlns:a16="http://schemas.microsoft.com/office/drawing/2014/main" id="{164AAD12-D665-4931-9F51-38A66B27CBE6}"/>
+              </a:ext>
+            </a:extLst>
+          </p:cNvPr>
+          <p:cNvPicPr>
+            <a:picLocks noChangeAspect="1"/>
+          </p:cNvPicPr>
+          <p:nvPr/>
+        </p:nvPicPr>
+        <p:blipFill>
+          <a:blip r:embed="rId3"/>
+          <a:stretch>
+            <a:fillRect/>
+          </a:stretch>
+        </p:blipFill>
+        <p:spPr>
+          <a:xfrm>
+            <a:off x="6578076" y="1575745"/>
+            <a:ext cx="4268798" cy="4602479"/>
+          </a:xfrm>
+          <a:prstGeom prst="rect">
+            <a:avLst/>
+          </a:prstGeom>
+        </p:spPr>
+      </p:pic>
+      <p:sp>
+        <p:nvSpPr>
+          <p:cNvPr id="8" name="TextBox 7">
+            <a:extLst>
+              <a:ext uri="{FF2B5EF4-FFF2-40B4-BE49-F238E27FC236}">
+                <a16:creationId xmlns:a16="http://schemas.microsoft.com/office/drawing/2014/main" id="{FB8A400A-4242-49B4-A2B0-E44F61DF18EF}"/>
+              </a:ext>
+            </a:extLst>
+          </p:cNvPr>
+          <p:cNvSpPr txBox="1"/>
+          <p:nvPr/>
+        </p:nvSpPr>
+        <p:spPr>
+          <a:xfrm>
+            <a:off x="2875288" y="591594"/>
+            <a:ext cx="6290505" cy="553998"/>
+          </a:xfrm>
+          <a:prstGeom prst="rect">
+            <a:avLst/>
+          </a:prstGeom>
+          <a:noFill/>
+        </p:spPr>
+        <p:txBody>
+          <a:bodyPr wrap="none" rtlCol="0">
+            <a:spAutoFit/>
+          </a:bodyPr>
+          <a:lstStyle/>
+          <a:p>
+            <a:pPr algn="ctr"/>
+            <a:r>
+              <a:rPr lang="en-US" dirty="0"/>
+              <a:t>HiveMQ Quickstart at https://github.com/dmh2000/iot.git</a:t>
+            </a:r>
+          </a:p>
+          <a:p>
+            <a:pPr algn="ctr"/>
+            <a:r>
+              <a:rPr lang="en-US" sz="1200" dirty="0"/>
+              <a:t>https://www.hivemq.com/docs/hivemq/4.7/user-guide/getting-started.html</a:t>
+            </a:r>
+          </a:p>
+        </p:txBody>
+      </p:sp>
+      <p:sp>
+        <p:nvSpPr>
+          <p:cNvPr id="9" name="TextBox 8">
+            <a:extLst>
+              <a:ext uri="{FF2B5EF4-FFF2-40B4-BE49-F238E27FC236}">
+                <a16:creationId xmlns:a16="http://schemas.microsoft.com/office/drawing/2014/main" id="{F40D1D99-1578-424A-B2F1-5A93C92D3DD5}"/>
+              </a:ext>
+            </a:extLst>
+          </p:cNvPr>
+          <p:cNvSpPr txBox="1"/>
+          <p:nvPr/>
+        </p:nvSpPr>
+        <p:spPr>
+          <a:xfrm>
+            <a:off x="2456330" y="1191365"/>
+            <a:ext cx="1239442" cy="369332"/>
+          </a:xfrm>
+          <a:prstGeom prst="rect">
+            <a:avLst/>
+          </a:prstGeom>
+          <a:noFill/>
+        </p:spPr>
+        <p:txBody>
+          <a:bodyPr wrap="none" rtlCol="0">
+            <a:spAutoFit/>
+          </a:bodyPr>
+          <a:lstStyle/>
+          <a:p>
+            <a:r>
+              <a:rPr lang="en-US" dirty="0"/>
+              <a:t>subscriber</a:t>
+            </a:r>
+          </a:p>
+        </p:txBody>
+      </p:sp>
+      <p:sp>
+        <p:nvSpPr>
+          <p:cNvPr id="44" name="TextBox 43">
+            <a:extLst>
+              <a:ext uri="{FF2B5EF4-FFF2-40B4-BE49-F238E27FC236}">
+                <a16:creationId xmlns:a16="http://schemas.microsoft.com/office/drawing/2014/main" id="{32E74E61-3A4C-4955-9EB4-16021E8C96D3}"/>
+              </a:ext>
+            </a:extLst>
+          </p:cNvPr>
+          <p:cNvSpPr txBox="1"/>
+          <p:nvPr/>
+        </p:nvSpPr>
+        <p:spPr>
+          <a:xfrm>
+            <a:off x="8043202" y="1209404"/>
+            <a:ext cx="1136850" cy="369332"/>
+          </a:xfrm>
+          <a:prstGeom prst="rect">
+            <a:avLst/>
+          </a:prstGeom>
+          <a:noFill/>
+        </p:spPr>
+        <p:txBody>
+          <a:bodyPr wrap="none" rtlCol="0">
+            <a:spAutoFit/>
+          </a:bodyPr>
+          <a:lstStyle/>
+          <a:p>
+            <a:r>
+              <a:rPr lang="en-US" dirty="0"/>
+              <a:t>publisher</a:t>
+            </a:r>
+          </a:p>
+        </p:txBody>
+      </p:sp>
+      <p:sp>
+        <p:nvSpPr>
+          <p:cNvPr id="11" name="TextBox 10">
+            <a:extLst>
+              <a:ext uri="{FF2B5EF4-FFF2-40B4-BE49-F238E27FC236}">
+                <a16:creationId xmlns:a16="http://schemas.microsoft.com/office/drawing/2014/main" id="{F6C6BFBB-4075-4AC0-82A5-795CE0F35013}"/>
+              </a:ext>
+            </a:extLst>
+          </p:cNvPr>
+          <p:cNvSpPr txBox="1"/>
+          <p:nvPr/>
+        </p:nvSpPr>
+        <p:spPr>
+          <a:xfrm>
+            <a:off x="4672916" y="1160641"/>
+            <a:ext cx="2289409" cy="276999"/>
+          </a:xfrm>
+          <a:prstGeom prst="rect">
+            <a:avLst/>
+          </a:prstGeom>
+          <a:noFill/>
+        </p:spPr>
+        <p:txBody>
+          <a:bodyPr wrap="none" rtlCol="0">
+            <a:spAutoFit/>
+          </a:bodyPr>
+          <a:lstStyle/>
+          <a:p>
+            <a:r>
+              <a:rPr lang="en-US" sz="1200" dirty="0"/>
+              <a:t>You get these when you signup</a:t>
+            </a:r>
+          </a:p>
+        </p:txBody>
+      </p:sp>
+      <p:cxnSp>
+        <p:nvCxnSpPr>
+          <p:cNvPr id="24" name="Straight Arrow Connector 23">
+            <a:extLst>
+              <a:ext uri="{FF2B5EF4-FFF2-40B4-BE49-F238E27FC236}">
+                <a16:creationId xmlns:a16="http://schemas.microsoft.com/office/drawing/2014/main" id="{722DEA12-DC57-43C2-B619-A7F3D3DD7360}"/>
+              </a:ext>
+            </a:extLst>
+          </p:cNvPr>
+          <p:cNvCxnSpPr>
+            <a:cxnSpLocks/>
+            <a:stCxn id="11" idx="1"/>
+          </p:cNvCxnSpPr>
+          <p:nvPr/>
+        </p:nvCxnSpPr>
+        <p:spPr>
+          <a:xfrm flipH="1">
+            <a:off x="3645858" y="1299141"/>
+            <a:ext cx="1027058" cy="910659"/>
+          </a:xfrm>
+          <a:prstGeom prst="straightConnector1">
+            <a:avLst/>
+          </a:prstGeom>
+          <a:ln>
+            <a:tailEnd type="triangle"/>
+          </a:ln>
+        </p:spPr>
+        <p:style>
+          <a:lnRef idx="1">
+            <a:schemeClr val="accent1"/>
+          </a:lnRef>
+          <a:fillRef idx="0">
+            <a:schemeClr val="accent1"/>
+          </a:fillRef>
+          <a:effectRef idx="0">
+            <a:schemeClr val="accent1"/>
+          </a:effectRef>
+          <a:fontRef idx="minor">
+            <a:schemeClr val="tx1"/>
+          </a:fontRef>
+        </p:style>
+      </p:cxnSp>
+      <p:cxnSp>
+        <p:nvCxnSpPr>
+          <p:cNvPr id="27" name="Straight Arrow Connector 26">
+            <a:extLst>
+              <a:ext uri="{FF2B5EF4-FFF2-40B4-BE49-F238E27FC236}">
+                <a16:creationId xmlns:a16="http://schemas.microsoft.com/office/drawing/2014/main" id="{B192B70E-C0AF-439C-ADA1-12205033D8E7}"/>
+              </a:ext>
+            </a:extLst>
+          </p:cNvPr>
+          <p:cNvCxnSpPr>
+            <a:stCxn id="11" idx="3"/>
+          </p:cNvCxnSpPr>
+          <p:nvPr/>
+        </p:nvCxnSpPr>
+        <p:spPr>
+          <a:xfrm>
+            <a:off x="6962325" y="1299141"/>
+            <a:ext cx="1455770" cy="766280"/>
+          </a:xfrm>
+          <a:prstGeom prst="straightConnector1">
+            <a:avLst/>
+          </a:prstGeom>
+          <a:ln>
+            <a:tailEnd type="triangle"/>
+          </a:ln>
+        </p:spPr>
+        <p:style>
+          <a:lnRef idx="1">
+            <a:schemeClr val="accent1"/>
+          </a:lnRef>
+          <a:fillRef idx="0">
+            <a:schemeClr val="accent1"/>
+          </a:fillRef>
+          <a:effectRef idx="0">
+            <a:schemeClr val="accent1"/>
+          </a:effectRef>
+          <a:fontRef idx="minor">
+            <a:schemeClr val="tx1"/>
+          </a:fontRef>
+        </p:style>
+      </p:cxnSp>
+    </p:spTree>
+    <p:extLst>
+      <p:ext uri="{BB962C8B-B14F-4D97-AF65-F5344CB8AC3E}">
+        <p14:creationId xmlns:p14="http://schemas.microsoft.com/office/powerpoint/2010/main" val="2071779530"/>
+      </p:ext>
+    </p:extLst>
+  </p:cSld>
+  <p:clrMapOvr>
+    <a:masterClrMapping/>
+  </p:clrMapOvr>
+</p:sld>
+</file>
+
 <file path=ppt/slides/slide2.xml><?xml version="1.0" encoding="utf-8"?>
 <p:sld xmlns:a="http://schemas.openxmlformats.org/drawingml/2006/main" xmlns:r="http://schemas.openxmlformats.org/officeDocument/2006/relationships" xmlns:p="http://schemas.openxmlformats.org/presentationml/2006/main">
   <p:cSld>
@@ -6000,7 +8290,15 @@
             <a:pPr lvl="1"/>
             <a:r>
               <a:rPr lang="en-US" sz="1600" dirty="0"/>
-              <a:t>Deploying smart devices (one to a million or more)</a:t>
+              <a:t>Deploying </a:t>
+            </a:r>
+            <a:r>
+              <a:rPr lang="en-US" dirty="0"/>
+              <a:t>a system of </a:t>
+            </a:r>
+            <a:r>
+              <a:rPr lang="en-US" sz="1600" dirty="0"/>
+              <a:t>smart devices (one to a million or more)</a:t>
             </a:r>
           </a:p>
           <a:p>
@@ -6034,14 +8332,7 @@
           <a:p>
             <a:r>
               <a:rPr lang="en-US" dirty="0"/>
-              <a:t>IOT is not really about programming embedded systems</a:t>
-            </a:r>
-          </a:p>
-          <a:p>
-            <a:pPr lvl="1"/>
-            <a:r>
-              <a:rPr lang="en-US" dirty="0"/>
-              <a:t>That’s just a part of it</a:t>
+              <a:t>IOT is not just about programming embedded systems</a:t>
             </a:r>
           </a:p>
           <a:p>
@@ -6049,6 +8340,13 @@
             <a:r>
               <a:rPr lang="en-US" dirty="0"/>
               <a:t>It’s a system and an infrastructure</a:t>
+            </a:r>
+          </a:p>
+          <a:p>
+            <a:pPr lvl="1"/>
+            <a:r>
+              <a:rPr lang="en-US" dirty="0"/>
+              <a:t>That’s where the opportunities are</a:t>
             </a:r>
           </a:p>
         </p:txBody>
@@ -6152,40 +8450,15 @@
         </p:nvSpPr>
         <p:spPr>
           <a:xfrm>
-            <a:off x="637227" y="2160589"/>
-            <a:ext cx="3957349" cy="3749323"/>
+            <a:off x="637228" y="2160589"/>
+            <a:ext cx="3184804" cy="3749323"/>
           </a:xfrm>
         </p:spPr>
         <p:txBody>
           <a:bodyPr>
-            <a:normAutofit fontScale="62500" lnSpcReduction="20000"/>
+            <a:normAutofit fontScale="92500" lnSpcReduction="20000"/>
           </a:bodyPr>
           <a:lstStyle/>
-          <a:p>
-            <a:r>
-              <a:rPr lang="en-US" sz="2800" dirty="0"/>
-              <a:t>Nodes</a:t>
-            </a:r>
-          </a:p>
-          <a:p>
-            <a:pPr lvl="1"/>
-            <a:r>
-              <a:rPr lang="en-US" sz="2400" dirty="0"/>
-              <a:t>Device</a:t>
-            </a:r>
-          </a:p>
-          <a:p>
-            <a:pPr lvl="1"/>
-            <a:r>
-              <a:rPr lang="en-US" sz="2400" dirty="0"/>
-              <a:t>Millions/</a:t>
-            </a:r>
-            <a:r>
-              <a:rPr lang="en-US" sz="2400" dirty="0" err="1"/>
-              <a:t>billlions</a:t>
-            </a:r>
-            <a:endParaRPr lang="en-US" sz="2400" dirty="0"/>
-          </a:p>
           <a:p>
             <a:r>
               <a:rPr lang="en-US" sz="2800" dirty="0"/>
@@ -6196,14 +8469,28 @@
             <a:pPr lvl="1"/>
             <a:r>
               <a:rPr lang="en-US" sz="2400" dirty="0"/>
-              <a:t>servers</a:t>
+              <a:t>Devices</a:t>
+            </a:r>
+          </a:p>
+          <a:p>
+            <a:pPr lvl="2"/>
+            <a:r>
+              <a:rPr lang="en-US" sz="2200" dirty="0"/>
+              <a:t>Millions/billions</a:t>
             </a:r>
           </a:p>
           <a:p>
             <a:pPr lvl="1"/>
             <a:r>
               <a:rPr lang="en-US" sz="2400" dirty="0"/>
-              <a:t>workstations</a:t>
+              <a:t>Servers</a:t>
+            </a:r>
+          </a:p>
+          <a:p>
+            <a:pPr lvl="1"/>
+            <a:r>
+              <a:rPr lang="en-US" sz="2400" dirty="0"/>
+              <a:t>Workstations</a:t>
             </a:r>
           </a:p>
           <a:p>
@@ -6215,8 +8502,8 @@
           <a:p>
             <a:pPr lvl="1"/>
             <a:r>
-              <a:rPr lang="en-US" sz="2400" dirty="0"/>
-              <a:t>cloud</a:t>
+              <a:rPr lang="en-US" sz="2600" dirty="0"/>
+              <a:t>The middleman</a:t>
             </a:r>
           </a:p>
           <a:p>
@@ -6234,23 +8521,16 @@
           </a:p>
           <a:p>
             <a:pPr lvl="1"/>
-            <a:r>
-              <a:rPr lang="en-US" sz="2400" dirty="0"/>
-              <a:t>others</a:t>
-            </a:r>
-          </a:p>
-          <a:p>
-            <a:pPr lvl="1"/>
             <a:endParaRPr lang="en-US" sz="2400" dirty="0"/>
           </a:p>
         </p:txBody>
       </p:sp>
       <p:pic>
         <p:nvPicPr>
-          <p:cNvPr id="14" name="Picture 13" descr="Diagram&#10;&#10;Description automatically generated">
+          <p:cNvPr id="4" name="Picture 3" descr="Diagram&#10;&#10;Description automatically generated">
             <a:extLst>
               <a:ext uri="{FF2B5EF4-FFF2-40B4-BE49-F238E27FC236}">
-                <a16:creationId xmlns:a16="http://schemas.microsoft.com/office/drawing/2014/main" id="{B2C40C46-BFCD-4386-B333-406A5C97E39E}"/>
+                <a16:creationId xmlns:a16="http://schemas.microsoft.com/office/drawing/2014/main" id="{DEE45035-6A39-4FDA-9119-501125291D55}"/>
               </a:ext>
             </a:extLst>
           </p:cNvPr>
@@ -6260,15 +8540,15 @@
           <p:nvPr/>
         </p:nvPicPr>
         <p:blipFill>
-          <a:blip r:embed="rId2"/>
+          <a:blip r:embed="rId3"/>
           <a:stretch>
             <a:fillRect/>
           </a:stretch>
         </p:blipFill>
         <p:spPr>
           <a:xfrm>
-            <a:off x="3715871" y="1930400"/>
-            <a:ext cx="5346267" cy="4156721"/>
+            <a:off x="3954630" y="1877325"/>
+            <a:ext cx="5028006" cy="4404914"/>
           </a:xfrm>
           <a:prstGeom prst="rect">
             <a:avLst/>
@@ -6310,7 +8590,7 @@
           <p:cNvPr id="2" name="Title 1">
             <a:extLst>
               <a:ext uri="{FF2B5EF4-FFF2-40B4-BE49-F238E27FC236}">
-                <a16:creationId xmlns:a16="http://schemas.microsoft.com/office/drawing/2014/main" id="{74F413C6-90E3-4927-AED3-207DC6F8B0B6}"/>
+                <a16:creationId xmlns:a16="http://schemas.microsoft.com/office/drawing/2014/main" id="{5DF1E2C7-5A6F-442D-8690-DBB29A551876}"/>
               </a:ext>
             </a:extLst>
           </p:cNvPr>
@@ -6321,7 +8601,12 @@
             <p:ph type="title"/>
           </p:nvPr>
         </p:nvSpPr>
-        <p:spPr/>
+        <p:spPr>
+          <a:xfrm>
+            <a:off x="677334" y="609600"/>
+            <a:ext cx="8596668" cy="737937"/>
+          </a:xfrm>
+        </p:spPr>
         <p:txBody>
           <a:bodyPr/>
           <a:lstStyle/>
@@ -6329,7 +8614,7 @@
             <a:pPr algn="ctr"/>
             <a:r>
               <a:rPr lang="en-US" dirty="0"/>
-              <a:t>The Broker</a:t>
+              <a:t>Clients</a:t>
             </a:r>
           </a:p>
         </p:txBody>
@@ -6339,7 +8624,7 @@
           <p:cNvPr id="3" name="Content Placeholder 2">
             <a:extLst>
               <a:ext uri="{FF2B5EF4-FFF2-40B4-BE49-F238E27FC236}">
-                <a16:creationId xmlns:a16="http://schemas.microsoft.com/office/drawing/2014/main" id="{E1366B92-376C-435E-B9D4-D60E5DF712FF}"/>
+                <a16:creationId xmlns:a16="http://schemas.microsoft.com/office/drawing/2014/main" id="{529FBC79-CFA8-4741-A700-BCC7636C13CC}"/>
               </a:ext>
             </a:extLst>
           </p:cNvPr>
@@ -6352,132 +8637,137 @@
         </p:nvSpPr>
         <p:spPr>
           <a:xfrm>
-            <a:off x="2303929" y="3989391"/>
-            <a:ext cx="6530788" cy="2456233"/>
+            <a:off x="677334" y="1586753"/>
+            <a:ext cx="8596668" cy="4454609"/>
           </a:xfrm>
         </p:spPr>
         <p:txBody>
           <a:bodyPr>
-            <a:normAutofit fontScale="40000" lnSpcReduction="20000"/>
+            <a:normAutofit fontScale="77500" lnSpcReduction="20000"/>
           </a:bodyPr>
           <a:lstStyle/>
           <a:p>
             <a:r>
-              <a:rPr lang="en-US" sz="2800" dirty="0"/>
-              <a:t>An IOT Broker is:</a:t>
+              <a:rPr lang="en-US" dirty="0"/>
+              <a:t>IOT calls all the devices and computers ‘Clients’ of the Broker</a:t>
             </a:r>
           </a:p>
           <a:p>
             <a:pPr lvl="1"/>
             <a:r>
-              <a:rPr lang="en-US" sz="2400" dirty="0"/>
-              <a:t>Software, usually running in the cloud</a:t>
+              <a:rPr lang="en-US" dirty="0"/>
+              <a:t>Typically, don’t expose a static address and port on the internet (at least not the port)</a:t>
             </a:r>
           </a:p>
           <a:p>
             <a:pPr lvl="1"/>
             <a:r>
-              <a:rPr lang="en-US" sz="2400" dirty="0"/>
-              <a:t>A middleman to decouple Nodes from Clients</a:t>
+              <a:rPr lang="en-US" dirty="0"/>
+              <a:t>Devices</a:t>
+            </a:r>
+          </a:p>
+          <a:p>
+            <a:pPr lvl="2"/>
+            <a:r>
+              <a:rPr lang="en-US" dirty="0"/>
+              <a:t>remote</a:t>
+            </a:r>
+          </a:p>
+          <a:p>
+            <a:pPr lvl="2"/>
+            <a:r>
+              <a:rPr lang="en-US" dirty="0"/>
+              <a:t>They could be behind a firewall or accessed via cell network.</a:t>
             </a:r>
           </a:p>
           <a:p>
             <a:pPr lvl="1"/>
             <a:r>
-              <a:rPr lang="en-US" sz="2400" dirty="0"/>
-              <a:t>Sort of Like a Post Office</a:t>
+              <a:rPr lang="en-US" dirty="0"/>
+              <a:t>Workstations, Mobile, Back-end</a:t>
             </a:r>
           </a:p>
           <a:p>
             <a:pPr lvl="2"/>
             <a:r>
-              <a:rPr lang="en-US" sz="2200" dirty="0"/>
-              <a:t> Nodes Publish Data to the Broker : </a:t>
-            </a:r>
-            <a:r>
-              <a:rPr lang="en-US" sz="2000" dirty="0"/>
-              <a:t>Sending Mail</a:t>
+              <a:rPr lang="en-US" dirty="0"/>
+              <a:t>Behind a firewall </a:t>
+            </a:r>
+          </a:p>
+          <a:p>
+            <a:r>
+              <a:rPr lang="en-US" dirty="0"/>
+              <a:t>Clients contact the Broker</a:t>
+            </a:r>
+          </a:p>
+          <a:p>
+            <a:pPr lvl="1"/>
+            <a:r>
+              <a:rPr lang="en-US" dirty="0"/>
+              <a:t>Clients reach out to the broker</a:t>
+            </a:r>
+          </a:p>
+          <a:p>
+            <a:pPr lvl="1"/>
+            <a:r>
+              <a:rPr lang="en-US" dirty="0"/>
+              <a:t>The Broker doesn’t go out to the Clients</a:t>
+            </a:r>
+          </a:p>
+          <a:p>
+            <a:pPr lvl="1"/>
+            <a:r>
+              <a:rPr lang="en-US" dirty="0"/>
+              <a:t>Publish and Subscribe their data as ‘Topics’ (in MQTT)</a:t>
+            </a:r>
+          </a:p>
+          <a:p>
+            <a:r>
+              <a:rPr lang="en-US" dirty="0"/>
+              <a:t>Software</a:t>
+            </a:r>
+          </a:p>
+          <a:p>
+            <a:pPr lvl="1"/>
+            <a:r>
+              <a:rPr lang="en-US" dirty="0"/>
+              <a:t>Broker Software usually has associated Device SDKs</a:t>
+            </a:r>
+          </a:p>
+          <a:p>
+            <a:pPr lvl="1"/>
+            <a:r>
+              <a:rPr lang="en-US" dirty="0"/>
+              <a:t>For most languages and runtimes</a:t>
+            </a:r>
+          </a:p>
+          <a:p>
+            <a:pPr lvl="1"/>
+            <a:r>
+              <a:rPr lang="en-US" b="1" dirty="0"/>
+              <a:t>Generally Linux or RTOS, not so much Windows</a:t>
             </a:r>
           </a:p>
           <a:p>
             <a:pPr lvl="2"/>
             <a:r>
-              <a:rPr lang="en-US" sz="2200" dirty="0"/>
-              <a:t> Clients Subscribe to Data from the Broker : </a:t>
-            </a:r>
-            <a:r>
-              <a:rPr lang="en-US" sz="2000" dirty="0"/>
-              <a:t>Receiving Mail</a:t>
-            </a:r>
-          </a:p>
-          <a:p>
-            <a:pPr lvl="2"/>
-            <a:r>
-              <a:rPr lang="en-US" sz="2200" dirty="0"/>
-              <a:t>The Broker Routes The Mail</a:t>
+              <a:rPr lang="en-US" b="1" dirty="0"/>
+              <a:t>You need basic Linux skills</a:t>
             </a:r>
           </a:p>
           <a:p>
             <a:pPr lvl="1"/>
-            <a:r>
-              <a:rPr lang="en-US" sz="2400" dirty="0"/>
-              <a:t>MQTT</a:t>
-            </a:r>
-          </a:p>
-          <a:p>
-            <a:pPr lvl="2"/>
-            <a:r>
-              <a:rPr lang="en-US" sz="2200" dirty="0"/>
-              <a:t>MQ Telemetry Transport (not ‘message queue’)</a:t>
-            </a:r>
-          </a:p>
-          <a:p>
-            <a:pPr lvl="2"/>
-            <a:r>
-              <a:rPr lang="en-US" sz="2200" dirty="0"/>
-              <a:t>Lightweight protocol over TCP</a:t>
-            </a:r>
-          </a:p>
-          <a:p>
-            <a:pPr lvl="1"/>
-            <a:endParaRPr lang="en-US" sz="2400" dirty="0"/>
-          </a:p>
-        </p:txBody>
-      </p:sp>
-      <p:pic>
-        <p:nvPicPr>
-          <p:cNvPr id="5" name="Picture 4">
-            <a:extLst>
-              <a:ext uri="{FF2B5EF4-FFF2-40B4-BE49-F238E27FC236}">
-                <a16:creationId xmlns:a16="http://schemas.microsoft.com/office/drawing/2014/main" id="{EC51CCA6-66CC-48AF-A54D-268C0D46A44D}"/>
-              </a:ext>
-            </a:extLst>
-          </p:cNvPr>
-          <p:cNvPicPr>
-            <a:picLocks noChangeAspect="1"/>
-          </p:cNvPicPr>
-          <p:nvPr/>
-        </p:nvPicPr>
-        <p:blipFill>
-          <a:blip r:embed="rId2"/>
-          <a:stretch>
-            <a:fillRect/>
-          </a:stretch>
-        </p:blipFill>
-        <p:spPr>
-          <a:xfrm>
-            <a:off x="1907449" y="1311134"/>
-            <a:ext cx="7755514" cy="2619889"/>
-          </a:xfrm>
-          <a:prstGeom prst="rect">
-            <a:avLst/>
-          </a:prstGeom>
-        </p:spPr>
-      </p:pic>
+            <a:endParaRPr lang="en-US" dirty="0"/>
+          </a:p>
+          <a:p>
+            <a:endParaRPr lang="en-US" dirty="0"/>
+          </a:p>
+        </p:txBody>
+      </p:sp>
     </p:spTree>
     <p:extLst>
       <p:ext uri="{BB962C8B-B14F-4D97-AF65-F5344CB8AC3E}">
-        <p14:creationId xmlns:p14="http://schemas.microsoft.com/office/powerpoint/2010/main" val="1140637942"/>
+        <p14:creationId xmlns:p14="http://schemas.microsoft.com/office/powerpoint/2010/main" val="3572501306"/>
       </p:ext>
     </p:extLst>
   </p:cSld>
@@ -6509,7 +8799,7 @@
           <p:cNvPr id="2" name="Title 1">
             <a:extLst>
               <a:ext uri="{FF2B5EF4-FFF2-40B4-BE49-F238E27FC236}">
-                <a16:creationId xmlns:a16="http://schemas.microsoft.com/office/drawing/2014/main" id="{5DF1E2C7-5A6F-442D-8690-DBB29A551876}"/>
+                <a16:creationId xmlns:a16="http://schemas.microsoft.com/office/drawing/2014/main" id="{74F413C6-90E3-4927-AED3-207DC6F8B0B6}"/>
               </a:ext>
             </a:extLst>
           </p:cNvPr>
@@ -6528,17 +8818,47 @@
             <a:pPr algn="ctr"/>
             <a:r>
               <a:rPr lang="en-US" dirty="0"/>
-              <a:t>Nodes</a:t>
-            </a:r>
-          </a:p>
-        </p:txBody>
-      </p:sp>
+              <a:t>The Broker</a:t>
+            </a:r>
+          </a:p>
+        </p:txBody>
+      </p:sp>
+      <p:pic>
+        <p:nvPicPr>
+          <p:cNvPr id="5" name="Picture 4">
+            <a:extLst>
+              <a:ext uri="{FF2B5EF4-FFF2-40B4-BE49-F238E27FC236}">
+                <a16:creationId xmlns:a16="http://schemas.microsoft.com/office/drawing/2014/main" id="{EC51CCA6-66CC-48AF-A54D-268C0D46A44D}"/>
+              </a:ext>
+            </a:extLst>
+          </p:cNvPr>
+          <p:cNvPicPr>
+            <a:picLocks noChangeAspect="1"/>
+          </p:cNvPicPr>
+          <p:nvPr/>
+        </p:nvPicPr>
+        <p:blipFill>
+          <a:blip r:embed="rId3"/>
+          <a:stretch>
+            <a:fillRect/>
+          </a:stretch>
+        </p:blipFill>
+        <p:spPr>
+          <a:xfrm>
+            <a:off x="2284438" y="1222903"/>
+            <a:ext cx="6919719" cy="2337549"/>
+          </a:xfrm>
+          <a:prstGeom prst="rect">
+            <a:avLst/>
+          </a:prstGeom>
+        </p:spPr>
+      </p:pic>
       <p:sp>
         <p:nvSpPr>
           <p:cNvPr id="3" name="Content Placeholder 2">
             <a:extLst>
               <a:ext uri="{FF2B5EF4-FFF2-40B4-BE49-F238E27FC236}">
-                <a16:creationId xmlns:a16="http://schemas.microsoft.com/office/drawing/2014/main" id="{529FBC79-CFA8-4741-A700-BCC7636C13CC}"/>
+                <a16:creationId xmlns:a16="http://schemas.microsoft.com/office/drawing/2014/main" id="{E1366B92-376C-435E-B9D4-D60E5DF712FF}"/>
               </a:ext>
             </a:extLst>
           </p:cNvPr>
@@ -6551,122 +8871,73 @@
         </p:nvSpPr>
         <p:spPr>
           <a:xfrm>
-            <a:off x="677334" y="1586753"/>
-            <a:ext cx="8596668" cy="4454609"/>
+            <a:off x="1620252" y="3228474"/>
+            <a:ext cx="5354053" cy="3280610"/>
           </a:xfrm>
         </p:spPr>
         <p:txBody>
           <a:bodyPr>
-            <a:normAutofit fontScale="85000" lnSpcReduction="20000"/>
+            <a:normAutofit fontScale="92500"/>
           </a:bodyPr>
           <a:lstStyle/>
           <a:p>
             <a:r>
-              <a:rPr lang="en-US" dirty="0"/>
-              <a:t>Aka Clients</a:t>
-            </a:r>
-          </a:p>
-          <a:p>
-            <a:r>
-              <a:rPr lang="en-US" dirty="0"/>
-              <a:t>Devices</a:t>
+              <a:rPr lang="en-US" sz="2800" dirty="0"/>
+              <a:t>An IOT Broker is:</a:t>
             </a:r>
           </a:p>
           <a:p>
             <a:pPr lvl="1"/>
             <a:r>
-              <a:rPr lang="en-US" dirty="0"/>
-              <a:t>Typically, remote</a:t>
+              <a:rPr lang="en-US" sz="2400" dirty="0"/>
+              <a:t>Software, visible on the interwebs</a:t>
             </a:r>
           </a:p>
           <a:p>
             <a:pPr lvl="1"/>
             <a:r>
-              <a:rPr lang="en-US" dirty="0"/>
-              <a:t>Embedded system or regular computer</a:t>
+              <a:rPr lang="en-US" sz="2400" dirty="0"/>
+              <a:t>A middleman to decouple Clients</a:t>
             </a:r>
           </a:p>
           <a:p>
             <a:pPr lvl="1"/>
             <a:r>
-              <a:rPr lang="en-US" dirty="0"/>
-              <a:t>Think of them as being behind a NAT firewall</a:t>
+              <a:rPr lang="en-US" sz="2400" dirty="0"/>
+              <a:t>MQTT</a:t>
             </a:r>
           </a:p>
           <a:p>
             <a:pPr lvl="2"/>
             <a:r>
-              <a:rPr lang="en-US" dirty="0"/>
-              <a:t>Not directly on the internet with a static IP</a:t>
-            </a:r>
-          </a:p>
-          <a:p>
-            <a:r>
-              <a:rPr lang="en-US" dirty="0"/>
-              <a:t>Nodes publish to the Broker</a:t>
+              <a:rPr lang="en-US" sz="2200" dirty="0"/>
+              <a:t>Publish/Subscribe</a:t>
+            </a:r>
+          </a:p>
+          <a:p>
+            <a:pPr lvl="2"/>
+            <a:r>
+              <a:rPr lang="en-US" sz="2200" dirty="0"/>
+              <a:t>MQ Telemetry Transport</a:t>
+            </a:r>
+          </a:p>
+          <a:p>
+            <a:pPr lvl="2"/>
+            <a:r>
+              <a:rPr lang="en-US" sz="2200" dirty="0"/>
+              <a:t>Lightweight protocol over TCP</a:t>
             </a:r>
           </a:p>
           <a:p>
             <a:pPr lvl="1"/>
-            <a:r>
-              <a:rPr lang="en-US" dirty="0"/>
-              <a:t>Nodes reach out to the broker</a:t>
-            </a:r>
-          </a:p>
-          <a:p>
-            <a:pPr lvl="1"/>
-            <a:r>
-              <a:rPr lang="en-US" dirty="0"/>
-              <a:t>The Broker doesn’t go out to the Nodes </a:t>
-            </a:r>
-          </a:p>
-          <a:p>
-            <a:pPr lvl="1"/>
-            <a:r>
-              <a:rPr lang="en-US" dirty="0"/>
-              <a:t>Publish their data as ‘Topics’</a:t>
-            </a:r>
-          </a:p>
-          <a:p>
-            <a:r>
-              <a:rPr lang="en-US" dirty="0"/>
-              <a:t>Software</a:t>
-            </a:r>
-          </a:p>
-          <a:p>
-            <a:pPr lvl="1"/>
-            <a:r>
-              <a:rPr lang="en-US" dirty="0"/>
-              <a:t>Broker Software usually has associated Device SDKs</a:t>
-            </a:r>
-          </a:p>
-          <a:p>
-            <a:pPr lvl="1"/>
-            <a:r>
-              <a:rPr lang="en-US" dirty="0"/>
-              <a:t>For most languages and runtimes</a:t>
-            </a:r>
-          </a:p>
-          <a:p>
-            <a:pPr lvl="1"/>
-            <a:r>
-              <a:rPr lang="en-US" dirty="0"/>
-              <a:t>Assume Linux or RTOS, not so much Windows</a:t>
-            </a:r>
-          </a:p>
-          <a:p>
-            <a:pPr lvl="1"/>
-            <a:endParaRPr lang="en-US" dirty="0"/>
-          </a:p>
-          <a:p>
-            <a:endParaRPr lang="en-US" dirty="0"/>
+            <a:endParaRPr lang="en-US" sz="2400" dirty="0"/>
           </a:p>
         </p:txBody>
       </p:sp>
     </p:spTree>
     <p:extLst>
       <p:ext uri="{BB962C8B-B14F-4D97-AF65-F5344CB8AC3E}">
-        <p14:creationId xmlns:p14="http://schemas.microsoft.com/office/powerpoint/2010/main" val="3572501306"/>
+        <p14:creationId xmlns:p14="http://schemas.microsoft.com/office/powerpoint/2010/main" val="1140637942"/>
       </p:ext>
     </p:extLst>
   </p:cSld>
@@ -6698,7 +8969,7 @@
           <p:cNvPr id="2" name="Title 1">
             <a:extLst>
               <a:ext uri="{FF2B5EF4-FFF2-40B4-BE49-F238E27FC236}">
-                <a16:creationId xmlns:a16="http://schemas.microsoft.com/office/drawing/2014/main" id="{D85F8CA7-6C58-4546-AA67-E578D9AA50A8}"/>
+                <a16:creationId xmlns:a16="http://schemas.microsoft.com/office/drawing/2014/main" id="{19805CE6-09FC-40A0-BDEE-2EBD6126A4D6}"/>
               </a:ext>
             </a:extLst>
           </p:cNvPr>
@@ -6717,7 +8988,7 @@
             <a:pPr algn="ctr"/>
             <a:r>
               <a:rPr lang="en-US" dirty="0"/>
-              <a:t>Clients</a:t>
+              <a:t>MQTT</a:t>
             </a:r>
           </a:p>
         </p:txBody>
@@ -6727,7 +8998,7 @@
           <p:cNvPr id="3" name="Content Placeholder 2">
             <a:extLst>
               <a:ext uri="{FF2B5EF4-FFF2-40B4-BE49-F238E27FC236}">
-                <a16:creationId xmlns:a16="http://schemas.microsoft.com/office/drawing/2014/main" id="{411B09F3-DEA4-4708-8517-BA14EEA845A2}"/>
+                <a16:creationId xmlns:a16="http://schemas.microsoft.com/office/drawing/2014/main" id="{DB747DDB-E62F-4DAB-9477-DA95B4F7F793}"/>
               </a:ext>
             </a:extLst>
           </p:cNvPr>
@@ -6738,76 +9009,118 @@
             <p:ph idx="1"/>
           </p:nvPr>
         </p:nvSpPr>
-        <p:spPr/>
-        <p:txBody>
-          <a:bodyPr/>
+        <p:spPr>
+          <a:xfrm>
+            <a:off x="677334" y="1613647"/>
+            <a:ext cx="8596668" cy="4427715"/>
+          </a:xfrm>
+        </p:spPr>
+        <p:txBody>
+          <a:bodyPr>
+            <a:normAutofit lnSpcReduction="10000"/>
+          </a:bodyPr>
           <a:lstStyle/>
           <a:p>
             <a:r>
               <a:rPr lang="en-US" dirty="0"/>
-              <a:t>Workstations, Servers whatever</a:t>
-            </a:r>
-          </a:p>
-          <a:p>
+              <a:t>MQ Telemetry Transport – not a message queue </a:t>
+            </a:r>
+            <a:r>
+              <a:rPr lang="en-US" dirty="0">
+                <a:sym typeface="Wingdings" panose="05000000000000000000" pitchFamily="2" charset="2"/>
+              </a:rPr>
+              <a:t></a:t>
+            </a:r>
+            <a:endParaRPr lang="en-US" dirty="0"/>
+          </a:p>
+          <a:p>
+            <a:pPr lvl="1"/>
             <a:r>
               <a:rPr lang="en-US" dirty="0"/>
-              <a:t>Software</a:t>
+              <a:t>Machine-to-machine communication </a:t>
             </a:r>
           </a:p>
           <a:p>
             <a:pPr lvl="1"/>
             <a:r>
+              <a:rPr lang="en-US" b="0" i="0" dirty="0">
+                <a:solidFill>
+                  <a:srgbClr val="333333"/>
+                </a:solidFill>
+                <a:effectLst/>
+                <a:latin typeface="roboto" panose="020B0604020202020204" pitchFamily="2" charset="0"/>
+              </a:rPr>
+              <a:t>invented at IBM in 1999 by Andy Stanford-Clark and Arlen Nipper</a:t>
+            </a:r>
+          </a:p>
+          <a:p>
+            <a:pPr lvl="2"/>
+            <a:r>
+              <a:rPr lang="en-US" dirty="0">
+                <a:solidFill>
+                  <a:srgbClr val="333333"/>
+                </a:solidFill>
+                <a:latin typeface="roboto" panose="020B0604020202020204" pitchFamily="2" charset="0"/>
+              </a:rPr>
+              <a:t>Open-source spec released 2010</a:t>
+            </a:r>
+            <a:endParaRPr lang="en-US" dirty="0"/>
+          </a:p>
+          <a:p>
+            <a:pPr lvl="1"/>
+            <a:r>
               <a:rPr lang="en-US" dirty="0"/>
-              <a:t>Depends on the Broker</a:t>
+              <a:t>Simple</a:t>
             </a:r>
           </a:p>
           <a:p>
             <a:pPr lvl="1"/>
             <a:r>
               <a:rPr lang="en-US" dirty="0"/>
-              <a:t>Broker software usually comes with Client-side SDKs</a:t>
-            </a:r>
-          </a:p>
-          <a:p>
-            <a:pPr lvl="2"/>
+              <a:t>TCP/IP  (clients initiate the connections)</a:t>
+            </a:r>
+          </a:p>
+          <a:p>
+            <a:pPr lvl="1"/>
             <a:r>
               <a:rPr lang="en-US" dirty="0"/>
-              <a:t>Most ‘popular’ languages</a:t>
-            </a:r>
-          </a:p>
-          <a:p>
-            <a:pPr lvl="2"/>
+              <a:t>QOS</a:t>
+            </a:r>
+          </a:p>
+          <a:p>
+            <a:pPr lvl="1"/>
             <a:r>
               <a:rPr lang="en-US" dirty="0"/>
-              <a:t>Oriented towards web-</a:t>
-            </a:r>
-            <a:r>
-              <a:rPr lang="en-US" dirty="0" err="1"/>
-              <a:t>ish</a:t>
-            </a:r>
+              <a:t>Lightweight</a:t>
+            </a:r>
+          </a:p>
+          <a:p>
+            <a:pPr lvl="1"/>
             <a:r>
               <a:rPr lang="en-US" dirty="0"/>
-              <a:t> back-end</a:t>
-            </a:r>
-          </a:p>
-          <a:p>
-            <a:pPr lvl="2"/>
+              <a:t>Data agnostic (binary) </a:t>
+            </a:r>
+          </a:p>
+          <a:p>
             <a:r>
               <a:rPr lang="en-US" dirty="0"/>
-              <a:t>Supports the various subscribe modes</a:t>
+              <a:t>Publish/Subscribe vs Client Server</a:t>
+            </a:r>
+          </a:p>
+          <a:p>
+            <a:r>
+              <a:rPr lang="en-US" dirty="0"/>
+              <a:t>Version 3.x, Version 5 coming soon</a:t>
+            </a:r>
+          </a:p>
+          <a:p>
+            <a:r>
+              <a:rPr lang="en-US" dirty="0"/>
+              <a:t>Standards based SDK’s are available for mainstream programming languages</a:t>
             </a:r>
           </a:p>
           <a:p>
             <a:pPr lvl="1"/>
-            <a:r>
-              <a:rPr lang="en-US" dirty="0"/>
-              <a:t>Client can request data or have it sent automatically</a:t>
-            </a:r>
-          </a:p>
-          <a:p>
-            <a:pPr marL="457200" lvl="1" indent="0">
-              <a:buNone/>
-            </a:pPr>
             <a:endParaRPr lang="en-US" dirty="0"/>
           </a:p>
         </p:txBody>
@@ -6815,7 +9128,7 @@
     </p:spTree>
     <p:extLst>
       <p:ext uri="{BB962C8B-B14F-4D97-AF65-F5344CB8AC3E}">
-        <p14:creationId xmlns:p14="http://schemas.microsoft.com/office/powerpoint/2010/main" val="2019365628"/>
+        <p14:creationId xmlns:p14="http://schemas.microsoft.com/office/powerpoint/2010/main" val="169809182"/>
       </p:ext>
     </p:extLst>
   </p:cSld>
@@ -6858,7 +9171,12 @@
             <p:ph type="title"/>
           </p:nvPr>
         </p:nvSpPr>
-        <p:spPr/>
+        <p:spPr>
+          <a:xfrm>
+            <a:off x="677334" y="609600"/>
+            <a:ext cx="8596668" cy="793376"/>
+          </a:xfrm>
+        </p:spPr>
         <p:txBody>
           <a:bodyPr/>
           <a:lstStyle/>
@@ -6866,7 +9184,7 @@
             <a:pPr algn="ctr"/>
             <a:r>
               <a:rPr lang="en-US" dirty="0"/>
-              <a:t>How To Get Started</a:t>
+              <a:t>Some Solutions</a:t>
             </a:r>
           </a:p>
         </p:txBody>
@@ -6895,104 +9213,130 @@
         </p:spPr>
         <p:txBody>
           <a:bodyPr>
-            <a:normAutofit lnSpcReduction="10000"/>
+            <a:normAutofit fontScale="92500" lnSpcReduction="20000"/>
           </a:bodyPr>
           <a:lstStyle/>
           <a:p>
             <a:r>
               <a:rPr lang="en-US" dirty="0"/>
-              <a:t>Cloud Providers</a:t>
+              <a:t>Major Cloud Providers</a:t>
             </a:r>
           </a:p>
           <a:p>
             <a:pPr lvl="1"/>
             <a:r>
               <a:rPr lang="en-US" dirty="0"/>
-              <a:t>Google, Azure, AWS</a:t>
-            </a:r>
-          </a:p>
-          <a:p>
-            <a:pPr lvl="1"/>
+              <a:t>Google, Azure, AWS, IBM</a:t>
+            </a:r>
+          </a:p>
+          <a:p>
+            <a:pPr lvl="2"/>
             <a:r>
               <a:rPr lang="en-US" dirty="0"/>
               <a:t>All provide an end-to-end IOT infrastructure including broker, node and client support</a:t>
             </a:r>
           </a:p>
           <a:p>
+            <a:pPr lvl="2"/>
             <a:r>
               <a:rPr lang="en-US" dirty="0"/>
-              <a:t>MQTT Packages (not from cloud provider)</a:t>
+              <a:t>Tie into all their other cloud services such as storage, database, analytics</a:t>
+            </a:r>
+          </a:p>
+          <a:p>
+            <a:pPr lvl="2"/>
+            <a:r>
+              <a:rPr lang="en-US" dirty="0"/>
+              <a:t>Of course, large distributed data center infrastructure</a:t>
+            </a:r>
+          </a:p>
+          <a:p>
+            <a:r>
+              <a:rPr lang="en-US" dirty="0"/>
+              <a:t>Hosted MQTT Brokers </a:t>
+            </a:r>
+          </a:p>
+          <a:p>
+            <a:pPr lvl="2"/>
+            <a:r>
+              <a:rPr lang="en-US" dirty="0"/>
+              <a:t>These focus more on the core Client </a:t>
+            </a:r>
+            <a:r>
+              <a:rPr lang="en-US" dirty="0">
+                <a:sym typeface="Wingdings" panose="05000000000000000000" pitchFamily="2" charset="2"/>
+              </a:rPr>
+              <a:t> Broker infrastructure</a:t>
             </a:r>
           </a:p>
           <a:p>
             <a:pPr lvl="1"/>
             <a:r>
-              <a:rPr lang="en-US" dirty="0">
-                <a:hlinkClick r:id="rId2"/>
-              </a:rPr>
-              <a:t>https://mqtt.org/software/</a:t>
-            </a:r>
-            <a:r>
               <a:rPr lang="en-US" dirty="0"/>
-              <a:t> </a:t>
-            </a:r>
-          </a:p>
-          <a:p>
+              <a:t>hivemq.com *</a:t>
+            </a:r>
+          </a:p>
+          <a:p>
+            <a:pPr lvl="1"/>
             <a:r>
               <a:rPr lang="en-US" dirty="0"/>
-              <a:t>I found the Azure package easiest to get going</a:t>
+              <a:t>cloudmqtt.com</a:t>
             </a:r>
           </a:p>
           <a:p>
             <a:pPr lvl="1"/>
             <a:r>
-              <a:rPr lang="en-US" dirty="0">
-                <a:hlinkClick r:id="rId3"/>
-              </a:rPr>
-              <a:t>https://docs.microsoft.com/en-us/azure/iot-develop/quickstart-send-telemetry-central</a:t>
-            </a:r>
-            <a:r>
               <a:rPr lang="en-US" dirty="0"/>
-              <a:t> </a:t>
-            </a:r>
-          </a:p>
-          <a:p>
-            <a:pPr lvl="2"/>
+              <a:t>emqx.io *</a:t>
+            </a:r>
+          </a:p>
+          <a:p>
             <a:r>
               <a:rPr lang="en-US" dirty="0"/>
-              <a:t>You can get a client-broker-node example going with a workstation only</a:t>
-            </a:r>
-          </a:p>
-          <a:p>
-            <a:pPr lvl="2"/>
+              <a:t>Open Source</a:t>
+            </a:r>
+          </a:p>
+          <a:p>
+            <a:pPr lvl="1"/>
             <a:r>
               <a:rPr lang="en-US" dirty="0"/>
-              <a:t>Navigating their dashboards and such can be confusing</a:t>
+              <a:t>mosquitto.org</a:t>
             </a:r>
           </a:p>
           <a:p>
             <a:pPr lvl="1"/>
             <a:r>
-              <a:rPr lang="en-US" dirty="0">
-                <a:hlinkClick r:id="rId4"/>
-              </a:rPr>
-              <a:t>https://docs.aws.amazon.com/iot/latest/developerguide</a:t>
+              <a:rPr lang="en-US" dirty="0"/>
+              <a:t>eclispse.org/</a:t>
+            </a:r>
+            <a:r>
+              <a:rPr lang="en-US" dirty="0" err="1"/>
+              <a:t>paho</a:t>
             </a:r>
             <a:endParaRPr lang="en-US" dirty="0"/>
           </a:p>
           <a:p>
-            <a:pPr lvl="2"/>
+            <a:pPr lvl="1"/>
             <a:r>
               <a:rPr lang="en-US" dirty="0"/>
-              <a:t>As expected, AWS is very full featured</a:t>
-            </a:r>
-          </a:p>
-          <a:p>
-            <a:pPr lvl="2"/>
-            <a:r>
-              <a:rPr lang="en-US" dirty="0"/>
-              <a:t>Its Complicated and can be confusing</a:t>
-            </a:r>
+              <a:t>* has open source edition	</a:t>
+            </a:r>
+          </a:p>
+          <a:p>
+            <a:pPr lvl="1"/>
+            <a:endParaRPr lang="en-US" dirty="0"/>
+          </a:p>
+          <a:p>
+            <a:pPr lvl="1"/>
+            <a:endParaRPr lang="en-US" dirty="0"/>
+          </a:p>
+          <a:p>
+            <a:pPr lvl="1"/>
+            <a:endParaRPr lang="en-US" dirty="0"/>
+          </a:p>
+          <a:p>
+            <a:pPr lvl="1"/>
+            <a:endParaRPr lang="en-US" dirty="0"/>
           </a:p>
         </p:txBody>
       </p:sp>
@@ -7000,6 +9344,347 @@
     <p:extLst>
       <p:ext uri="{BB962C8B-B14F-4D97-AF65-F5344CB8AC3E}">
         <p14:creationId xmlns:p14="http://schemas.microsoft.com/office/powerpoint/2010/main" val="2200038957"/>
+      </p:ext>
+    </p:extLst>
+  </p:cSld>
+  <p:clrMapOvr>
+    <a:masterClrMapping/>
+  </p:clrMapOvr>
+</p:sld>
+</file>
+
+<file path=ppt/slides/slide8.xml><?xml version="1.0" encoding="utf-8"?>
+<p:sld xmlns:a="http://schemas.openxmlformats.org/drawingml/2006/main" xmlns:r="http://schemas.openxmlformats.org/officeDocument/2006/relationships" xmlns:p="http://schemas.openxmlformats.org/presentationml/2006/main">
+  <p:cSld>
+    <p:spTree>
+      <p:nvGrpSpPr>
+        <p:cNvPr id="1" name=""/>
+        <p:cNvGrpSpPr/>
+        <p:nvPr/>
+      </p:nvGrpSpPr>
+      <p:grpSpPr>
+        <a:xfrm>
+          <a:off x="0" y="0"/>
+          <a:ext cx="0" cy="0"/>
+          <a:chOff x="0" y="0"/>
+          <a:chExt cx="0" cy="0"/>
+        </a:xfrm>
+      </p:grpSpPr>
+      <p:sp>
+        <p:nvSpPr>
+          <p:cNvPr id="2" name="Title 1">
+            <a:extLst>
+              <a:ext uri="{FF2B5EF4-FFF2-40B4-BE49-F238E27FC236}">
+                <a16:creationId xmlns:a16="http://schemas.microsoft.com/office/drawing/2014/main" id="{101CA3D3-C465-438D-8323-DC2BC0EE8B6B}"/>
+              </a:ext>
+            </a:extLst>
+          </p:cNvPr>
+          <p:cNvSpPr>
+            <a:spLocks noGrp="1"/>
+          </p:cNvSpPr>
+          <p:nvPr>
+            <p:ph type="title"/>
+          </p:nvPr>
+        </p:nvSpPr>
+        <p:spPr/>
+        <p:txBody>
+          <a:bodyPr/>
+          <a:lstStyle/>
+          <a:p>
+            <a:pPr algn="ctr"/>
+            <a:r>
+              <a:rPr lang="en-US" dirty="0"/>
+              <a:t>Developer Opportunities In IOT</a:t>
+            </a:r>
+          </a:p>
+        </p:txBody>
+      </p:sp>
+      <p:sp>
+        <p:nvSpPr>
+          <p:cNvPr id="3" name="Content Placeholder 2">
+            <a:extLst>
+              <a:ext uri="{FF2B5EF4-FFF2-40B4-BE49-F238E27FC236}">
+                <a16:creationId xmlns:a16="http://schemas.microsoft.com/office/drawing/2014/main" id="{191ACBC0-9BC8-4817-BC90-56C6046D219F}"/>
+              </a:ext>
+            </a:extLst>
+          </p:cNvPr>
+          <p:cNvSpPr>
+            <a:spLocks noGrp="1"/>
+          </p:cNvSpPr>
+          <p:nvPr>
+            <p:ph idx="1"/>
+          </p:nvPr>
+        </p:nvSpPr>
+        <p:spPr/>
+        <p:txBody>
+          <a:bodyPr>
+            <a:normAutofit/>
+          </a:bodyPr>
+          <a:lstStyle/>
+          <a:p>
+            <a:r>
+              <a:rPr lang="en-US" sz="2400" dirty="0"/>
+              <a:t>Cloud Expertise</a:t>
+            </a:r>
+          </a:p>
+          <a:p>
+            <a:pPr lvl="1"/>
+            <a:r>
+              <a:rPr lang="en-US" sz="2000" dirty="0"/>
+              <a:t>The most important for a system designer and administrator</a:t>
+            </a:r>
+          </a:p>
+          <a:p>
+            <a:r>
+              <a:rPr lang="en-US" sz="2400" dirty="0"/>
+              <a:t>Back End Devs : API’s, Databases, Analytics, Servers</a:t>
+            </a:r>
+          </a:p>
+          <a:p>
+            <a:pPr lvl="1"/>
+            <a:r>
+              <a:rPr lang="en-US" sz="2000" dirty="0"/>
+              <a:t>Subscribe to data</a:t>
+            </a:r>
+          </a:p>
+          <a:p>
+            <a:pPr lvl="1"/>
+            <a:r>
+              <a:rPr lang="en-US" sz="2000" dirty="0"/>
+              <a:t>Publish commands</a:t>
+            </a:r>
+          </a:p>
+          <a:p>
+            <a:r>
+              <a:rPr lang="en-US" sz="2400" dirty="0"/>
+              <a:t>Front End Devs : Web, Mobile, Dashboards, Analytics, Apps</a:t>
+            </a:r>
+          </a:p>
+          <a:p>
+            <a:r>
+              <a:rPr lang="en-US" sz="2400" dirty="0"/>
+              <a:t>Embedded Systems : Linux, RTOS, Devices</a:t>
+            </a:r>
+          </a:p>
+        </p:txBody>
+      </p:sp>
+    </p:spTree>
+    <p:extLst>
+      <p:ext uri="{BB962C8B-B14F-4D97-AF65-F5344CB8AC3E}">
+        <p14:creationId xmlns:p14="http://schemas.microsoft.com/office/powerpoint/2010/main" val="2289985274"/>
+      </p:ext>
+    </p:extLst>
+  </p:cSld>
+  <p:clrMapOvr>
+    <a:masterClrMapping/>
+  </p:clrMapOvr>
+</p:sld>
+</file>
+
+<file path=ppt/slides/slide9.xml><?xml version="1.0" encoding="utf-8"?>
+<p:sld xmlns:a="http://schemas.openxmlformats.org/drawingml/2006/main" xmlns:r="http://schemas.openxmlformats.org/officeDocument/2006/relationships" xmlns:p="http://schemas.openxmlformats.org/presentationml/2006/main">
+  <p:cSld>
+    <p:spTree>
+      <p:nvGrpSpPr>
+        <p:cNvPr id="1" name=""/>
+        <p:cNvGrpSpPr/>
+        <p:nvPr/>
+      </p:nvGrpSpPr>
+      <p:grpSpPr>
+        <a:xfrm>
+          <a:off x="0" y="0"/>
+          <a:ext cx="0" cy="0"/>
+          <a:chOff x="0" y="0"/>
+          <a:chExt cx="0" cy="0"/>
+        </a:xfrm>
+      </p:grpSpPr>
+      <p:sp>
+        <p:nvSpPr>
+          <p:cNvPr id="2" name="Title 1">
+            <a:extLst>
+              <a:ext uri="{FF2B5EF4-FFF2-40B4-BE49-F238E27FC236}">
+                <a16:creationId xmlns:a16="http://schemas.microsoft.com/office/drawing/2014/main" id="{548D9D37-AA87-485F-8810-61FBC9E93FDC}"/>
+              </a:ext>
+            </a:extLst>
+          </p:cNvPr>
+          <p:cNvSpPr>
+            <a:spLocks noGrp="1"/>
+          </p:cNvSpPr>
+          <p:nvPr>
+            <p:ph type="title"/>
+          </p:nvPr>
+        </p:nvSpPr>
+        <p:spPr/>
+        <p:txBody>
+          <a:bodyPr/>
+          <a:lstStyle/>
+          <a:p>
+            <a:pPr algn="ctr"/>
+            <a:r>
+              <a:rPr lang="en-US" dirty="0"/>
+              <a:t>References</a:t>
+            </a:r>
+          </a:p>
+        </p:txBody>
+      </p:sp>
+      <p:sp>
+        <p:nvSpPr>
+          <p:cNvPr id="3" name="Content Placeholder 2">
+            <a:extLst>
+              <a:ext uri="{FF2B5EF4-FFF2-40B4-BE49-F238E27FC236}">
+                <a16:creationId xmlns:a16="http://schemas.microsoft.com/office/drawing/2014/main" id="{5334C175-53FB-4DEB-A624-80A11BF5E9A0}"/>
+              </a:ext>
+            </a:extLst>
+          </p:cNvPr>
+          <p:cNvSpPr>
+            <a:spLocks noGrp="1"/>
+          </p:cNvSpPr>
+          <p:nvPr>
+            <p:ph idx="1"/>
+          </p:nvPr>
+        </p:nvSpPr>
+        <p:spPr>
+          <a:xfrm>
+            <a:off x="677334" y="1519989"/>
+            <a:ext cx="8596668" cy="4521373"/>
+          </a:xfrm>
+        </p:spPr>
+        <p:txBody>
+          <a:bodyPr>
+            <a:normAutofit fontScale="92500" lnSpcReduction="20000"/>
+          </a:bodyPr>
+          <a:lstStyle/>
+          <a:p>
+            <a:r>
+              <a:rPr lang="en-US" dirty="0"/>
+              <a:t>mqtt.org/ </a:t>
+            </a:r>
+          </a:p>
+          <a:p>
+            <a:pPr lvl="1"/>
+            <a:r>
+              <a:rPr lang="en-US" dirty="0"/>
+              <a:t>standards</a:t>
+            </a:r>
+          </a:p>
+          <a:p>
+            <a:r>
+              <a:rPr lang="en-US" dirty="0"/>
+              <a:t>www.hivemq.com/mqtt-essentials/</a:t>
+            </a:r>
+          </a:p>
+          <a:p>
+            <a:pPr lvl="1"/>
+            <a:r>
+              <a:rPr lang="en-US" dirty="0"/>
+              <a:t>https://youtu.be/jTeJxQFD8Ak   (their mqtt-essentials YouTube series)</a:t>
+            </a:r>
+          </a:p>
+          <a:p>
+            <a:pPr lvl="1"/>
+            <a:r>
+              <a:rPr lang="en-US" dirty="0">
+                <a:hlinkClick r:id="rId3"/>
+              </a:rPr>
+              <a:t>https://www.hivemq.com/mqtt-client-library-encyclopedia/</a:t>
+            </a:r>
+            <a:endParaRPr lang="en-US" dirty="0"/>
+          </a:p>
+          <a:p>
+            <a:r>
+              <a:rPr lang="en-US" dirty="0"/>
+              <a:t>www.steves-internet-guide.com/</a:t>
+            </a:r>
+          </a:p>
+          <a:p>
+            <a:r>
+              <a:rPr lang="en-US" dirty="0"/>
+              <a:t>azure.microsoft.com/</a:t>
+            </a:r>
+            <a:r>
+              <a:rPr lang="en-US" dirty="0" err="1"/>
+              <a:t>en</a:t>
+            </a:r>
+            <a:r>
+              <a:rPr lang="en-US" dirty="0"/>
+              <a:t>-us/overview/</a:t>
+            </a:r>
+            <a:r>
+              <a:rPr lang="en-US" dirty="0" err="1"/>
+              <a:t>iot</a:t>
+            </a:r>
+            <a:r>
+              <a:rPr lang="en-US" dirty="0"/>
+              <a:t>/</a:t>
+            </a:r>
+          </a:p>
+          <a:p>
+            <a:r>
+              <a:rPr lang="en-US" dirty="0"/>
+              <a:t>amazon.com/</a:t>
+            </a:r>
+            <a:r>
+              <a:rPr lang="en-US" dirty="0" err="1"/>
+              <a:t>iot</a:t>
+            </a:r>
+            <a:r>
+              <a:rPr lang="en-US" dirty="0"/>
+              <a:t>/</a:t>
+            </a:r>
+          </a:p>
+          <a:p>
+            <a:r>
+              <a:rPr lang="en-US" sz="2400" dirty="0"/>
+              <a:t>My IOT REPO</a:t>
+            </a:r>
+          </a:p>
+          <a:p>
+            <a:pPr lvl="1"/>
+            <a:r>
+              <a:rPr lang="en-US" sz="2000" dirty="0">
+                <a:hlinkClick r:id="rId4"/>
+              </a:rPr>
+              <a:t>https://github.com/dmh2000/iot.git</a:t>
+            </a:r>
+            <a:r>
+              <a:rPr lang="en-US" sz="2000" dirty="0"/>
+              <a:t> </a:t>
+            </a:r>
+          </a:p>
+          <a:p>
+            <a:pPr lvl="1"/>
+            <a:r>
+              <a:rPr lang="en-US" sz="2000" dirty="0"/>
+              <a:t>Includes the Azure and HiveMQ quickstarts </a:t>
+            </a:r>
+          </a:p>
+          <a:p>
+            <a:pPr lvl="1"/>
+            <a:r>
+              <a:rPr lang="en-US" sz="2000" dirty="0"/>
+              <a:t>Slides from this presentation</a:t>
+            </a:r>
+          </a:p>
+          <a:p>
+            <a:pPr lvl="2"/>
+            <a:r>
+              <a:rPr lang="en-US" sz="1800" dirty="0"/>
+              <a:t>But you don’t really need those </a:t>
+            </a:r>
+            <a:r>
+              <a:rPr lang="en-US" sz="1800" dirty="0">
+                <a:sym typeface="Wingdings" panose="05000000000000000000" pitchFamily="2" charset="2"/>
+              </a:rPr>
+              <a:t></a:t>
+            </a:r>
+            <a:endParaRPr lang="en-US" sz="1800" dirty="0"/>
+          </a:p>
+        </p:txBody>
+      </p:sp>
+    </p:spTree>
+    <p:extLst>
+      <p:ext uri="{BB962C8B-B14F-4D97-AF65-F5344CB8AC3E}">
+        <p14:creationId xmlns:p14="http://schemas.microsoft.com/office/powerpoint/2010/main" val="4174137422"/>
       </p:ext>
     </p:extLst>
   </p:cSld>
@@ -7264,4 +9949,299 @@
     </a:ext>
   </a:extLst>
 </a:theme>
+</file>
+
+<file path=ppt/theme/theme2.xml><?xml version="1.0" encoding="utf-8"?>
+<a:theme xmlns:a="http://schemas.openxmlformats.org/drawingml/2006/main" name="Office Theme">
+  <a:themeElements>
+    <a:clrScheme name="Office">
+      <a:dk1>
+        <a:sysClr val="windowText" lastClr="000000"/>
+      </a:dk1>
+      <a:lt1>
+        <a:sysClr val="window" lastClr="FFFFFF"/>
+      </a:lt1>
+      <a:dk2>
+        <a:srgbClr val="44546A"/>
+      </a:dk2>
+      <a:lt2>
+        <a:srgbClr val="E7E6E6"/>
+      </a:lt2>
+      <a:accent1>
+        <a:srgbClr val="4472C4"/>
+      </a:accent1>
+      <a:accent2>
+        <a:srgbClr val="ED7D31"/>
+      </a:accent2>
+      <a:accent3>
+        <a:srgbClr val="A5A5A5"/>
+      </a:accent3>
+      <a:accent4>
+        <a:srgbClr val="FFC000"/>
+      </a:accent4>
+      <a:accent5>
+        <a:srgbClr val="5B9BD5"/>
+      </a:accent5>
+      <a:accent6>
+        <a:srgbClr val="70AD47"/>
+      </a:accent6>
+      <a:hlink>
+        <a:srgbClr val="0563C1"/>
+      </a:hlink>
+      <a:folHlink>
+        <a:srgbClr val="954F72"/>
+      </a:folHlink>
+    </a:clrScheme>
+    <a:fontScheme name="Office">
+      <a:majorFont>
+        <a:latin typeface="Calibri Light" panose="020F0302020204030204"/>
+        <a:ea typeface=""/>
+        <a:cs typeface=""/>
+        <a:font script="Jpan" typeface="游ゴシック Light"/>
+        <a:font script="Hang" typeface="맑은 고딕"/>
+        <a:font script="Hans" typeface="等线 Light"/>
+        <a:font script="Hant" typeface="新細明體"/>
+        <a:font script="Arab" typeface="Times New Roman"/>
+        <a:font script="Hebr" typeface="Times New Roman"/>
+        <a:font script="Thai" typeface="Angsana New"/>
+        <a:font script="Ethi" typeface="Nyala"/>
+        <a:font script="Beng" typeface="Vrinda"/>
+        <a:font script="Gujr" typeface="Shruti"/>
+        <a:font script="Khmr" typeface="MoolBoran"/>
+        <a:font script="Knda" typeface="Tunga"/>
+        <a:font script="Guru" typeface="Raavi"/>
+        <a:font script="Cans" typeface="Euphemia"/>
+        <a:font script="Cher" typeface="Plantagenet Cherokee"/>
+        <a:font script="Yiii" typeface="Microsoft Yi Baiti"/>
+        <a:font script="Tibt" typeface="Microsoft Himalaya"/>
+        <a:font script="Thaa" typeface="MV Boli"/>
+        <a:font script="Deva" typeface="Mangal"/>
+        <a:font script="Telu" typeface="Gautami"/>
+        <a:font script="Taml" typeface="Latha"/>
+        <a:font script="Syrc" typeface="Estrangelo Edessa"/>
+        <a:font script="Orya" typeface="Kalinga"/>
+        <a:font script="Mlym" typeface="Kartika"/>
+        <a:font script="Laoo" typeface="DokChampa"/>
+        <a:font script="Sinh" typeface="Iskoola Pota"/>
+        <a:font script="Mong" typeface="Mongolian Baiti"/>
+        <a:font script="Viet" typeface="Times New Roman"/>
+        <a:font script="Uigh" typeface="Microsoft Uighur"/>
+        <a:font script="Geor" typeface="Sylfaen"/>
+        <a:font script="Armn" typeface="Arial"/>
+        <a:font script="Bugi" typeface="Leelawadee UI"/>
+        <a:font script="Bopo" typeface="Microsoft JhengHei"/>
+        <a:font script="Java" typeface="Javanese Text"/>
+        <a:font script="Lisu" typeface="Segoe UI"/>
+        <a:font script="Mymr" typeface="Myanmar Text"/>
+        <a:font script="Nkoo" typeface="Ebrima"/>
+        <a:font script="Olck" typeface="Nirmala UI"/>
+        <a:font script="Osma" typeface="Ebrima"/>
+        <a:font script="Phag" typeface="Phagspa"/>
+        <a:font script="Syrn" typeface="Estrangelo Edessa"/>
+        <a:font script="Syrj" typeface="Estrangelo Edessa"/>
+        <a:font script="Syre" typeface="Estrangelo Edessa"/>
+        <a:font script="Sora" typeface="Nirmala UI"/>
+        <a:font script="Tale" typeface="Microsoft Tai Le"/>
+        <a:font script="Talu" typeface="Microsoft New Tai Lue"/>
+        <a:font script="Tfng" typeface="Ebrima"/>
+      </a:majorFont>
+      <a:minorFont>
+        <a:latin typeface="Calibri" panose="020F0502020204030204"/>
+        <a:ea typeface=""/>
+        <a:cs typeface=""/>
+        <a:font script="Jpan" typeface="游ゴシック"/>
+        <a:font script="Hang" typeface="맑은 고딕"/>
+        <a:font script="Hans" typeface="等线"/>
+        <a:font script="Hant" typeface="新細明體"/>
+        <a:font script="Arab" typeface="Arial"/>
+        <a:font script="Hebr" typeface="Arial"/>
+        <a:font script="Thai" typeface="Cordia New"/>
+        <a:font script="Ethi" typeface="Nyala"/>
+        <a:font script="Beng" typeface="Vrinda"/>
+        <a:font script="Gujr" typeface="Shruti"/>
+        <a:font script="Khmr" typeface="DaunPenh"/>
+        <a:font script="Knda" typeface="Tunga"/>
+        <a:font script="Guru" typeface="Raavi"/>
+        <a:font script="Cans" typeface="Euphemia"/>
+        <a:font script="Cher" typeface="Plantagenet Cherokee"/>
+        <a:font script="Yiii" typeface="Microsoft Yi Baiti"/>
+        <a:font script="Tibt" typeface="Microsoft Himalaya"/>
+        <a:font script="Thaa" typeface="MV Boli"/>
+        <a:font script="Deva" typeface="Mangal"/>
+        <a:font script="Telu" typeface="Gautami"/>
+        <a:font script="Taml" typeface="Latha"/>
+        <a:font script="Syrc" typeface="Estrangelo Edessa"/>
+        <a:font script="Orya" typeface="Kalinga"/>
+        <a:font script="Mlym" typeface="Kartika"/>
+        <a:font script="Laoo" typeface="DokChampa"/>
+        <a:font script="Sinh" typeface="Iskoola Pota"/>
+        <a:font script="Mong" typeface="Mongolian Baiti"/>
+        <a:font script="Viet" typeface="Arial"/>
+        <a:font script="Uigh" typeface="Microsoft Uighur"/>
+        <a:font script="Geor" typeface="Sylfaen"/>
+        <a:font script="Armn" typeface="Arial"/>
+        <a:font script="Bugi" typeface="Leelawadee UI"/>
+        <a:font script="Bopo" typeface="Microsoft JhengHei"/>
+        <a:font script="Java" typeface="Javanese Text"/>
+        <a:font script="Lisu" typeface="Segoe UI"/>
+        <a:font script="Mymr" typeface="Myanmar Text"/>
+        <a:font script="Nkoo" typeface="Ebrima"/>
+        <a:font script="Olck" typeface="Nirmala UI"/>
+        <a:font script="Osma" typeface="Ebrima"/>
+        <a:font script="Phag" typeface="Phagspa"/>
+        <a:font script="Syrn" typeface="Estrangelo Edessa"/>
+        <a:font script="Syrj" typeface="Estrangelo Edessa"/>
+        <a:font script="Syre" typeface="Estrangelo Edessa"/>
+        <a:font script="Sora" typeface="Nirmala UI"/>
+        <a:font script="Tale" typeface="Microsoft Tai Le"/>
+        <a:font script="Talu" typeface="Microsoft New Tai Lue"/>
+        <a:font script="Tfng" typeface="Ebrima"/>
+      </a:minorFont>
+    </a:fontScheme>
+    <a:fmtScheme name="Office">
+      <a:fillStyleLst>
+        <a:solidFill>
+          <a:schemeClr val="phClr"/>
+        </a:solidFill>
+        <a:gradFill rotWithShape="1">
+          <a:gsLst>
+            <a:gs pos="0">
+              <a:schemeClr val="phClr">
+                <a:lumMod val="110000"/>
+                <a:satMod val="105000"/>
+                <a:tint val="67000"/>
+              </a:schemeClr>
+            </a:gs>
+            <a:gs pos="50000">
+              <a:schemeClr val="phClr">
+                <a:lumMod val="105000"/>
+                <a:satMod val="103000"/>
+                <a:tint val="73000"/>
+              </a:schemeClr>
+            </a:gs>
+            <a:gs pos="100000">
+              <a:schemeClr val="phClr">
+                <a:lumMod val="105000"/>
+                <a:satMod val="109000"/>
+                <a:tint val="81000"/>
+              </a:schemeClr>
+            </a:gs>
+          </a:gsLst>
+          <a:lin ang="5400000" scaled="0"/>
+        </a:gradFill>
+        <a:gradFill rotWithShape="1">
+          <a:gsLst>
+            <a:gs pos="0">
+              <a:schemeClr val="phClr">
+                <a:satMod val="103000"/>
+                <a:lumMod val="102000"/>
+                <a:tint val="94000"/>
+              </a:schemeClr>
+            </a:gs>
+            <a:gs pos="50000">
+              <a:schemeClr val="phClr">
+                <a:satMod val="110000"/>
+                <a:lumMod val="100000"/>
+                <a:shade val="100000"/>
+              </a:schemeClr>
+            </a:gs>
+            <a:gs pos="100000">
+              <a:schemeClr val="phClr">
+                <a:lumMod val="99000"/>
+                <a:satMod val="120000"/>
+                <a:shade val="78000"/>
+              </a:schemeClr>
+            </a:gs>
+          </a:gsLst>
+          <a:lin ang="5400000" scaled="0"/>
+        </a:gradFill>
+      </a:fillStyleLst>
+      <a:lnStyleLst>
+        <a:ln w="6350" cap="flat" cmpd="sng" algn="ctr">
+          <a:solidFill>
+            <a:schemeClr val="phClr"/>
+          </a:solidFill>
+          <a:prstDash val="solid"/>
+          <a:miter lim="800000"/>
+        </a:ln>
+        <a:ln w="12700" cap="flat" cmpd="sng" algn="ctr">
+          <a:solidFill>
+            <a:schemeClr val="phClr"/>
+          </a:solidFill>
+          <a:prstDash val="solid"/>
+          <a:miter lim="800000"/>
+        </a:ln>
+        <a:ln w="19050" cap="flat" cmpd="sng" algn="ctr">
+          <a:solidFill>
+            <a:schemeClr val="phClr"/>
+          </a:solidFill>
+          <a:prstDash val="solid"/>
+          <a:miter lim="800000"/>
+        </a:ln>
+      </a:lnStyleLst>
+      <a:effectStyleLst>
+        <a:effectStyle>
+          <a:effectLst/>
+        </a:effectStyle>
+        <a:effectStyle>
+          <a:effectLst/>
+        </a:effectStyle>
+        <a:effectStyle>
+          <a:effectLst>
+            <a:outerShdw blurRad="57150" dist="19050" dir="5400000" algn="ctr" rotWithShape="0">
+              <a:srgbClr val="000000">
+                <a:alpha val="63000"/>
+              </a:srgbClr>
+            </a:outerShdw>
+          </a:effectLst>
+        </a:effectStyle>
+      </a:effectStyleLst>
+      <a:bgFillStyleLst>
+        <a:solidFill>
+          <a:schemeClr val="phClr"/>
+        </a:solidFill>
+        <a:solidFill>
+          <a:schemeClr val="phClr">
+            <a:tint val="95000"/>
+            <a:satMod val="170000"/>
+          </a:schemeClr>
+        </a:solidFill>
+        <a:gradFill rotWithShape="1">
+          <a:gsLst>
+            <a:gs pos="0">
+              <a:schemeClr val="phClr">
+                <a:tint val="93000"/>
+                <a:satMod val="150000"/>
+                <a:shade val="98000"/>
+                <a:lumMod val="102000"/>
+              </a:schemeClr>
+            </a:gs>
+            <a:gs pos="50000">
+              <a:schemeClr val="phClr">
+                <a:tint val="98000"/>
+                <a:satMod val="130000"/>
+                <a:shade val="90000"/>
+                <a:lumMod val="103000"/>
+              </a:schemeClr>
+            </a:gs>
+            <a:gs pos="100000">
+              <a:schemeClr val="phClr">
+                <a:shade val="63000"/>
+                <a:satMod val="120000"/>
+              </a:schemeClr>
+            </a:gs>
+          </a:gsLst>
+          <a:lin ang="5400000" scaled="0"/>
+        </a:gradFill>
+      </a:bgFillStyleLst>
+    </a:fmtScheme>
+  </a:themeElements>
+  <a:objectDefaults/>
+  <a:extraClrSchemeLst/>
+  <a:extLst>
+    <a:ext uri="{05A4C25C-085E-4340-85A3-A5531E510DB2}">
+      <thm15:themeFamily xmlns:thm15="http://schemas.microsoft.com/office/thememl/2012/main" name="Office Theme" id="{62F939B6-93AF-4DB8-9C6B-D6C7DFDC589F}" vid="{4A3C46E8-61CC-4603-A589-7422A47A8E4A}"/>
+    </a:ext>
+  </a:extLst>
+</a:theme>
 </file>
--- a/IOT.pptx
+++ b/IOT.pptx
@@ -5,19 +5,18 @@
     <p:sldMasterId id="2147483710" r:id="rId1"/>
   </p:sldMasterIdLst>
   <p:notesMasterIdLst>
-    <p:notesMasterId r:id="rId12"/>
+    <p:notesMasterId r:id="rId11"/>
   </p:notesMasterIdLst>
   <p:sldIdLst>
-    <p:sldId id="256" r:id="rId2"/>
-    <p:sldId id="257" r:id="rId3"/>
-    <p:sldId id="258" r:id="rId4"/>
+    <p:sldId id="257" r:id="rId2"/>
+    <p:sldId id="260" r:id="rId3"/>
+    <p:sldId id="270" r:id="rId4"/>
     <p:sldId id="259" r:id="rId5"/>
-    <p:sldId id="260" r:id="rId6"/>
-    <p:sldId id="266" r:id="rId7"/>
-    <p:sldId id="261" r:id="rId8"/>
-    <p:sldId id="269" r:id="rId9"/>
-    <p:sldId id="264" r:id="rId10"/>
-    <p:sldId id="268" r:id="rId11"/>
+    <p:sldId id="266" r:id="rId6"/>
+    <p:sldId id="261" r:id="rId7"/>
+    <p:sldId id="269" r:id="rId8"/>
+    <p:sldId id="264" r:id="rId9"/>
+    <p:sldId id="268" r:id="rId10"/>
   </p:sldIdLst>
   <p:sldSz cx="12192000" cy="6858000"/>
   <p:notesSz cx="6858000" cy="9144000"/>
@@ -522,7 +521,7 @@
           <a:p>
             <a:r>
               <a:rPr lang="en-US" dirty="0"/>
-              <a:t>Introduce self</a:t>
+              <a:t>Just what it says</a:t>
             </a:r>
           </a:p>
           <a:p>
@@ -531,7 +530,7 @@
           <a:p>
             <a:r>
               <a:rPr lang="en-US" dirty="0"/>
-              <a:t>I’m going to take a shot at telling you about IOT from a software developer’s perspective. </a:t>
+              <a:t>At first IOT might look to a developer as requiring embedded systems programming skills. Maybe, but that’s just a small part of it. Its about a system where the embedded devices are just one part. </a:t>
             </a:r>
           </a:p>
           <a:p>
@@ -540,16 +539,16 @@
           <a:p>
             <a:r>
               <a:rPr lang="en-US" dirty="0"/>
-              <a:t>A lot of information on the net is for enterprise and marketing or is high level. </a:t>
-            </a:r>
-          </a:p>
-          <a:p>
-            <a:endParaRPr lang="en-US" dirty="0"/>
-          </a:p>
-          <a:p>
-            <a:r>
+              <a:t>I expect that a company developing an IOT solution would need a couple of embedded system nerds (I was one for 35 years). Maybe an EE or two. But these days many embedded boards run Linux and that increases all the time.  Some use an RTOS but that’s just software too. </a:t>
+            </a:r>
+          </a:p>
+          <a:p>
+            <a:br>
               <a:rPr lang="en-US" dirty="0"/>
-              <a:t>The last slide has links a couple of options that you can use to get some IOT working.</a:t>
+            </a:br>
+            <a:r>
+              <a:rPr lang="en-US" dirty="0"/>
+              <a:t>That’s not the focus here. Assume you have an embedded device with the right hardware hookups that’s running Linux.</a:t>
             </a:r>
           </a:p>
         </p:txBody>
@@ -580,7 +579,7 @@
     </p:spTree>
     <p:extLst>
       <p:ext uri="{BB962C8B-B14F-4D97-AF65-F5344CB8AC3E}">
-        <p14:creationId xmlns:p14="http://schemas.microsoft.com/office/powerpoint/2010/main" val="1821148915"/>
+        <p14:creationId xmlns:p14="http://schemas.microsoft.com/office/powerpoint/2010/main" val="1022092128"/>
       </p:ext>
     </p:extLst>
   </p:cSld>
@@ -636,7 +635,7 @@
           <a:p>
             <a:r>
               <a:rPr lang="en-US" dirty="0"/>
-              <a:t>Just what it says</a:t>
+              <a:t>An IOT system has just 2 components</a:t>
             </a:r>
           </a:p>
           <a:p>
@@ -645,7 +644,13 @@
           <a:p>
             <a:r>
               <a:rPr lang="en-US" dirty="0"/>
-              <a:t>At first IOT might look to a developer as requiring embedded systems programming skills. Maybe, but that’s really just a small part of it. Its about a system where the embedded devices are just one part. </a:t>
+              <a:t>A Broker</a:t>
+            </a:r>
+          </a:p>
+          <a:p>
+            <a:r>
+              <a:rPr lang="en-US" dirty="0"/>
+              <a:t>A set of clients</a:t>
             </a:r>
           </a:p>
           <a:p>
@@ -654,16 +659,70 @@
           <a:p>
             <a:r>
               <a:rPr lang="en-US" dirty="0"/>
-              <a:t>I expect that a company developing an IOT solution would need a couple of embedded system nerds (I was one for 35 years). Maybe an EE or two. But these days many embedded boards run Linux and that increases all the time.  Some use an RTOS but that’s just software too. </a:t>
-            </a:r>
-          </a:p>
-          <a:p>
-            <a:br>
+              <a:t>All clients work the same way and use the same interface to the broker. </a:t>
+            </a:r>
+          </a:p>
+          <a:p>
+            <a:endParaRPr lang="en-US" dirty="0"/>
+          </a:p>
+          <a:p>
+            <a:r>
               <a:rPr lang="en-US" dirty="0"/>
-            </a:br>
+              <a:t>Some clients are the remote nodes that everyone things of as IOT. </a:t>
+            </a:r>
+          </a:p>
+          <a:p>
             <a:r>
               <a:rPr lang="en-US" dirty="0"/>
-              <a:t>Anyway that’s not the focus here. Assume you have an embedded device with the right hardware hookups that’s running Linux.</a:t>
+              <a:t>The ‘front end’</a:t>
+            </a:r>
+          </a:p>
+          <a:p>
+            <a:endParaRPr lang="en-US" dirty="0"/>
+          </a:p>
+          <a:p>
+            <a:r>
+              <a:rPr lang="en-US" dirty="0"/>
+              <a:t>Other clients are workstations, servers, mobile</a:t>
+            </a:r>
+          </a:p>
+          <a:p>
+            <a:r>
+              <a:rPr lang="en-US" dirty="0"/>
+              <a:t>The ‘back end’</a:t>
+            </a:r>
+          </a:p>
+          <a:p>
+            <a:endParaRPr lang="en-US" dirty="0"/>
+          </a:p>
+          <a:p>
+            <a:r>
+              <a:rPr lang="en-US" dirty="0"/>
+              <a:t>But to the system and broker they are all the same</a:t>
+            </a:r>
+          </a:p>
+          <a:p>
+            <a:r>
+              <a:rPr lang="en-US" dirty="0"/>
+              <a:t>Clients can do two things:</a:t>
+            </a:r>
+          </a:p>
+          <a:p>
+            <a:r>
+              <a:rPr lang="en-US" dirty="0"/>
+              <a:t>	publish data to the Broker</a:t>
+            </a:r>
+          </a:p>
+          <a:p>
+            <a:r>
+              <a:rPr lang="en-US" dirty="0"/>
+              <a:t>	subscribe to data from the Broker</a:t>
+            </a:r>
+          </a:p>
+          <a:p>
+            <a:r>
+              <a:rPr lang="en-US" dirty="0"/>
+              <a:t>There is no direct interface between clients, such as workstation to remote node</a:t>
             </a:r>
           </a:p>
         </p:txBody>
@@ -694,7 +753,7 @@
     </p:spTree>
     <p:extLst>
       <p:ext uri="{BB962C8B-B14F-4D97-AF65-F5344CB8AC3E}">
-        <p14:creationId xmlns:p14="http://schemas.microsoft.com/office/powerpoint/2010/main" val="1022092128"/>
+        <p14:creationId xmlns:p14="http://schemas.microsoft.com/office/powerpoint/2010/main" val="3843900154"/>
       </p:ext>
     </p:extLst>
   </p:cSld>
@@ -750,34 +809,7 @@
           <a:p>
             <a:r>
               <a:rPr lang="en-US" dirty="0"/>
-              <a:t>Think Big. Millions</a:t>
-            </a:r>
-          </a:p>
-          <a:p>
-            <a:endParaRPr lang="en-US" dirty="0"/>
-          </a:p>
-          <a:p>
-            <a:r>
-              <a:rPr lang="en-US" dirty="0"/>
-              <a:t>An IOT system is composed of 3 types of things, my terminology</a:t>
-            </a:r>
-          </a:p>
-          <a:p>
-            <a:endParaRPr lang="en-US" dirty="0"/>
-          </a:p>
-          <a:p>
-            <a:r>
-              <a:rPr lang="en-US" dirty="0"/>
-              <a:t>Node : the embedded devices that are monitoring or controlling something directly. </a:t>
-            </a:r>
-          </a:p>
-          <a:p>
-            <a:endParaRPr lang="en-US" dirty="0"/>
-          </a:p>
-          <a:p>
-            <a:r>
-              <a:rPr lang="en-US" dirty="0"/>
-              <a:t>Clients : workstations and servers </a:t>
+              <a:t>There are many implementations of Broker’s available, open source</a:t>
             </a:r>
           </a:p>
         </p:txBody>
@@ -808,7 +840,7 @@
     </p:spTree>
     <p:extLst>
       <p:ext uri="{BB962C8B-B14F-4D97-AF65-F5344CB8AC3E}">
-        <p14:creationId xmlns:p14="http://schemas.microsoft.com/office/powerpoint/2010/main" val="1432757339"/>
+        <p14:creationId xmlns:p14="http://schemas.microsoft.com/office/powerpoint/2010/main" val="1750520678"/>
       </p:ext>
     </p:extLst>
   </p:cSld>
@@ -862,7 +894,7 @@
           <a:bodyPr/>
           <a:lstStyle/>
           <a:p>
-            <a:endParaRPr lang="en-US"/>
+            <a:endParaRPr lang="en-US" dirty="0"/>
           </a:p>
         </p:txBody>
       </p:sp>
@@ -946,7 +978,61 @@
           <a:bodyPr/>
           <a:lstStyle/>
           <a:p>
-            <a:endParaRPr lang="en-US"/>
+            <a:r>
+              <a:rPr lang="en-US" dirty="0"/>
+              <a:t>The communication protocol, MQTT is simple enough that you could write your own, but there are MQTT </a:t>
+            </a:r>
+            <a:r>
+              <a:rPr lang="en-US" dirty="0" err="1"/>
+              <a:t>sdk’s</a:t>
+            </a:r>
+            <a:r>
+              <a:rPr lang="en-US" dirty="0"/>
+              <a:t> available for most languages and platforms.</a:t>
+            </a:r>
+          </a:p>
+          <a:p>
+            <a:endParaRPr lang="en-US" dirty="0"/>
+          </a:p>
+          <a:p>
+            <a:r>
+              <a:rPr lang="en-US" dirty="0"/>
+              <a:t>Some SDKs support embedded systems , others anything with Linux, Windows on the back end side. </a:t>
+            </a:r>
+          </a:p>
+          <a:p>
+            <a:endParaRPr lang="en-US" dirty="0"/>
+          </a:p>
+          <a:p>
+            <a:r>
+              <a:rPr lang="en-US" dirty="0"/>
+              <a:t>There is a </a:t>
+            </a:r>
+            <a:r>
+              <a:rPr lang="en-US" dirty="0" err="1"/>
+              <a:t>javascript</a:t>
+            </a:r>
+            <a:r>
+              <a:rPr lang="en-US" dirty="0"/>
+              <a:t> package that works in browsers (MQTT over </a:t>
+            </a:r>
+            <a:r>
+              <a:rPr lang="en-US" dirty="0" err="1"/>
+              <a:t>Websocket</a:t>
+            </a:r>
+            <a:r>
+              <a:rPr lang="en-US" dirty="0"/>
+              <a:t>) or node back-ends. That’s what I’m using right now.</a:t>
+            </a:r>
+          </a:p>
+          <a:p>
+            <a:endParaRPr lang="en-US" dirty="0"/>
+          </a:p>
+          <a:p>
+            <a:endParaRPr lang="en-US" dirty="0"/>
+          </a:p>
+          <a:p>
+            <a:endParaRPr lang="en-US" dirty="0"/>
           </a:p>
         </p:txBody>
       </p:sp>
@@ -976,7 +1062,7 @@
     </p:spTree>
     <p:extLst>
       <p:ext uri="{BB962C8B-B14F-4D97-AF65-F5344CB8AC3E}">
-        <p14:creationId xmlns:p14="http://schemas.microsoft.com/office/powerpoint/2010/main" val="3843900154"/>
+        <p14:creationId xmlns:p14="http://schemas.microsoft.com/office/powerpoint/2010/main" val="916455881"/>
       </p:ext>
     </p:extLst>
   </p:cSld>
@@ -1030,7 +1116,34 @@
           <a:bodyPr/>
           <a:lstStyle/>
           <a:p>
-            <a:endParaRPr lang="en-US"/>
+            <a:r>
+              <a:rPr lang="en-US" dirty="0"/>
+              <a:t>The big cloud providers tie you into their entire offerings. In the long run they are probably the way to go even if you host the basic MQTT broker in their cloud. </a:t>
+            </a:r>
+          </a:p>
+          <a:p>
+            <a:r>
+              <a:rPr lang="en-US" dirty="0"/>
+              <a:t>Their IOT support is very vendor specific. </a:t>
+            </a:r>
+          </a:p>
+          <a:p>
+            <a:endParaRPr lang="en-US" dirty="0"/>
+          </a:p>
+          <a:p>
+            <a:r>
+              <a:rPr lang="en-US" dirty="0"/>
+              <a:t>The hosted MQTT brokers focus on MQTT itself and seem much more standards based. You can use their hosting or a cloud of your choice. As competition grows, they are adding more features similar to the big cloud providers, or just tie their offering into one or the other of big providers.</a:t>
+            </a:r>
+          </a:p>
+          <a:p>
+            <a:endParaRPr lang="en-US" dirty="0"/>
+          </a:p>
+          <a:p>
+            <a:r>
+              <a:rPr lang="en-US" dirty="0"/>
+              <a:t>You can do it all yourself with one of the open source solutions.</a:t>
+            </a:r>
           </a:p>
         </p:txBody>
       </p:sp>
@@ -1060,7 +1173,7 @@
     </p:spTree>
     <p:extLst>
       <p:ext uri="{BB962C8B-B14F-4D97-AF65-F5344CB8AC3E}">
-        <p14:creationId xmlns:p14="http://schemas.microsoft.com/office/powerpoint/2010/main" val="916455881"/>
+        <p14:creationId xmlns:p14="http://schemas.microsoft.com/office/powerpoint/2010/main" val="3580416580"/>
       </p:ext>
     </p:extLst>
   </p:cSld>
@@ -1114,34 +1227,7 @@
           <a:bodyPr/>
           <a:lstStyle/>
           <a:p>
-            <a:r>
-              <a:rPr lang="en-US" dirty="0"/>
-              <a:t>The big cloud providers tie you into their entire offerings. In the long run they are probably the way to go even if you host the basic MQTT broker in their cloud. </a:t>
-            </a:r>
-          </a:p>
-          <a:p>
-            <a:r>
-              <a:rPr lang="en-US" dirty="0"/>
-              <a:t>Their IOT support is very vendor specific. </a:t>
-            </a:r>
-          </a:p>
-          <a:p>
-            <a:endParaRPr lang="en-US" dirty="0"/>
-          </a:p>
-          <a:p>
-            <a:r>
-              <a:rPr lang="en-US" dirty="0"/>
-              <a:t>The hosted MQTT brokers focus on MQTT itself and seem much more standards based. You can use their hosting or a cloud of your choice. As competition grows, they are adding more features similar to the big cloud providers, or just tie their offering into one or the other of big providers.</a:t>
-            </a:r>
-          </a:p>
-          <a:p>
-            <a:endParaRPr lang="en-US" dirty="0"/>
-          </a:p>
-          <a:p>
-            <a:r>
-              <a:rPr lang="en-US" dirty="0"/>
-              <a:t>You can do it all yourself with one of the open source solutions.</a:t>
-            </a:r>
+            <a:endParaRPr lang="en-US"/>
           </a:p>
         </p:txBody>
       </p:sp>
@@ -1171,7 +1257,7 @@
     </p:spTree>
     <p:extLst>
       <p:ext uri="{BB962C8B-B14F-4D97-AF65-F5344CB8AC3E}">
-        <p14:creationId xmlns:p14="http://schemas.microsoft.com/office/powerpoint/2010/main" val="3580416580"/>
+        <p14:creationId xmlns:p14="http://schemas.microsoft.com/office/powerpoint/2010/main" val="2030063936"/>
       </p:ext>
     </p:extLst>
   </p:cSld>
@@ -1246,7 +1332,7 @@
           <a:p>
             <a:fld id="{9A8CE134-1498-4627-AA2C-7CB23EE8D3D9}" type="slidenum">
               <a:rPr lang="en-US" smtClean="0"/>
-              <a:t>9</a:t>
+              <a:t>8</a:t>
             </a:fld>
             <a:endParaRPr lang="en-US"/>
           </a:p>
@@ -1256,6 +1342,90 @@
     <p:extLst>
       <p:ext uri="{BB962C8B-B14F-4D97-AF65-F5344CB8AC3E}">
         <p14:creationId xmlns:p14="http://schemas.microsoft.com/office/powerpoint/2010/main" val="2009507897"/>
+      </p:ext>
+    </p:extLst>
+  </p:cSld>
+  <p:clrMapOvr>
+    <a:masterClrMapping/>
+  </p:clrMapOvr>
+</p:notes>
+</file>
+
+<file path=ppt/notesSlides/notesSlide9.xml><?xml version="1.0" encoding="utf-8"?>
+<p:notes xmlns:a="http://schemas.openxmlformats.org/drawingml/2006/main" xmlns:r="http://schemas.openxmlformats.org/officeDocument/2006/relationships" xmlns:p="http://schemas.openxmlformats.org/presentationml/2006/main">
+  <p:cSld>
+    <p:spTree>
+      <p:nvGrpSpPr>
+        <p:cNvPr id="1" name=""/>
+        <p:cNvGrpSpPr/>
+        <p:nvPr/>
+      </p:nvGrpSpPr>
+      <p:grpSpPr>
+        <a:xfrm>
+          <a:off x="0" y="0"/>
+          <a:ext cx="0" cy="0"/>
+          <a:chOff x="0" y="0"/>
+          <a:chExt cx="0" cy="0"/>
+        </a:xfrm>
+      </p:grpSpPr>
+      <p:sp>
+        <p:nvSpPr>
+          <p:cNvPr id="2" name="Slide Image Placeholder 1"/>
+          <p:cNvSpPr>
+            <a:spLocks noGrp="1" noRot="1" noChangeAspect="1"/>
+          </p:cNvSpPr>
+          <p:nvPr>
+            <p:ph type="sldImg"/>
+          </p:nvPr>
+        </p:nvSpPr>
+        <p:spPr/>
+      </p:sp>
+      <p:sp>
+        <p:nvSpPr>
+          <p:cNvPr id="3" name="Notes Placeholder 2"/>
+          <p:cNvSpPr>
+            <a:spLocks noGrp="1"/>
+          </p:cNvSpPr>
+          <p:nvPr>
+            <p:ph type="body" idx="1"/>
+          </p:nvPr>
+        </p:nvSpPr>
+        <p:spPr/>
+        <p:txBody>
+          <a:bodyPr/>
+          <a:lstStyle/>
+          <a:p>
+            <a:endParaRPr lang="en-US"/>
+          </a:p>
+        </p:txBody>
+      </p:sp>
+      <p:sp>
+        <p:nvSpPr>
+          <p:cNvPr id="4" name="Slide Number Placeholder 3"/>
+          <p:cNvSpPr>
+            <a:spLocks noGrp="1"/>
+          </p:cNvSpPr>
+          <p:nvPr>
+            <p:ph type="sldNum" sz="quarter" idx="5"/>
+          </p:nvPr>
+        </p:nvSpPr>
+        <p:spPr/>
+        <p:txBody>
+          <a:bodyPr/>
+          <a:lstStyle/>
+          <a:p>
+            <a:fld id="{9A8CE134-1498-4627-AA2C-7CB23EE8D3D9}" type="slidenum">
+              <a:rPr lang="en-US" smtClean="0"/>
+              <a:t>9</a:t>
+            </a:fld>
+            <a:endParaRPr lang="en-US"/>
+          </a:p>
+        </p:txBody>
+      </p:sp>
+    </p:spTree>
+    <p:extLst>
+      <p:ext uri="{BB962C8B-B14F-4D97-AF65-F5344CB8AC3E}">
+        <p14:creationId xmlns:p14="http://schemas.microsoft.com/office/powerpoint/2010/main" val="3891076005"/>
       </p:ext>
     </p:extLst>
   </p:cSld>
@@ -7009,7 +7179,7 @@
           <p:cNvPr id="2" name="Title 1">
             <a:extLst>
               <a:ext uri="{FF2B5EF4-FFF2-40B4-BE49-F238E27FC236}">
-                <a16:creationId xmlns:a16="http://schemas.microsoft.com/office/drawing/2014/main" id="{5DF70AC5-87A3-4240-AC96-0CBFC8829938}"/>
+                <a16:creationId xmlns:a16="http://schemas.microsoft.com/office/drawing/2014/main" id="{00300020-12B0-4667-BDBC-6E2C9EA14900}"/>
               </a:ext>
             </a:extLst>
           </p:cNvPr>
@@ -7017,7 +7187,7 @@
             <a:spLocks noGrp="1"/>
           </p:cNvSpPr>
           <p:nvPr>
-            <p:ph type="ctrTitle"/>
+            <p:ph type="title"/>
           </p:nvPr>
         </p:nvSpPr>
         <p:spPr/>
@@ -7027,17 +7197,17 @@
           <a:p>
             <a:r>
               <a:rPr lang="en-US" dirty="0"/>
-              <a:t>IOT : Brief Overview</a:t>
-            </a:r>
-          </a:p>
-        </p:txBody>
-      </p:sp>
-      <p:sp>
-        <p:nvSpPr>
-          <p:cNvPr id="3" name="Subtitle 2">
+              <a:t>Internet of Things</a:t>
+            </a:r>
+          </a:p>
+        </p:txBody>
+      </p:sp>
+      <p:sp>
+        <p:nvSpPr>
+          <p:cNvPr id="3" name="Content Placeholder 2">
             <a:extLst>
               <a:ext uri="{FF2B5EF4-FFF2-40B4-BE49-F238E27FC236}">
-                <a16:creationId xmlns:a16="http://schemas.microsoft.com/office/drawing/2014/main" id="{445D85DE-D39B-4861-A054-6C3AF53E3A0D}"/>
+                <a16:creationId xmlns:a16="http://schemas.microsoft.com/office/drawing/2014/main" id="{D5DFFC30-9CEC-4CC5-95C3-41805C4B63DC}"/>
               </a:ext>
             </a:extLst>
           </p:cNvPr>
@@ -7045,22 +7215,90 @@
             <a:spLocks noGrp="1"/>
           </p:cNvSpPr>
           <p:nvPr>
-            <p:ph type="subTitle" idx="1"/>
+            <p:ph idx="1"/>
           </p:nvPr>
         </p:nvSpPr>
         <p:spPr/>
         <p:txBody>
-          <a:bodyPr/>
-          <a:lstStyle/>
-          <a:p>
-            <a:endParaRPr lang="en-US"/>
+          <a:bodyPr>
+            <a:normAutofit/>
+          </a:bodyPr>
+          <a:lstStyle/>
+          <a:p>
+            <a:r>
+              <a:rPr lang="en-US" sz="2000" dirty="0"/>
+              <a:t>What is IOT?</a:t>
+            </a:r>
+          </a:p>
+          <a:p>
+            <a:pPr lvl="1"/>
+            <a:r>
+              <a:rPr lang="en-US" sz="1600" dirty="0"/>
+              <a:t>Deploying </a:t>
+            </a:r>
+            <a:r>
+              <a:rPr lang="en-US" dirty="0"/>
+              <a:t>a system of </a:t>
+            </a:r>
+            <a:r>
+              <a:rPr lang="en-US" sz="1600" dirty="0"/>
+              <a:t>smart devices (one to a million or more)</a:t>
+            </a:r>
+          </a:p>
+          <a:p>
+            <a:pPr lvl="1"/>
+            <a:r>
+              <a:rPr lang="en-US" sz="1600" dirty="0"/>
+              <a:t>Connected over the internet</a:t>
+            </a:r>
+          </a:p>
+          <a:p>
+            <a:pPr lvl="1"/>
+            <a:r>
+              <a:rPr lang="en-US" sz="1600" dirty="0"/>
+              <a:t>Monitor them remotely</a:t>
+            </a:r>
+          </a:p>
+          <a:p>
+            <a:pPr lvl="1"/>
+            <a:r>
+              <a:rPr lang="en-US" sz="1600" dirty="0"/>
+              <a:t>Control them remotely</a:t>
+            </a:r>
+          </a:p>
+          <a:p>
+            <a:pPr lvl="1"/>
+            <a:r>
+              <a:rPr lang="en-US" sz="1600" dirty="0"/>
+              <a:t>Access them securely</a:t>
+            </a:r>
+          </a:p>
+          <a:p>
+            <a:r>
+              <a:rPr lang="en-US" dirty="0"/>
+              <a:t>IOT is not just about programming embedded systems</a:t>
+            </a:r>
+          </a:p>
+          <a:p>
+            <a:pPr lvl="1"/>
+            <a:r>
+              <a:rPr lang="en-US" dirty="0"/>
+              <a:t>It’s a system and an infrastructure</a:t>
+            </a:r>
+          </a:p>
+          <a:p>
+            <a:pPr lvl="1"/>
+            <a:r>
+              <a:rPr lang="en-US" dirty="0"/>
+              <a:t>That’s where the opportunities are</a:t>
+            </a:r>
           </a:p>
         </p:txBody>
       </p:sp>
     </p:spTree>
     <p:extLst>
       <p:ext uri="{BB962C8B-B14F-4D97-AF65-F5344CB8AC3E}">
-        <p14:creationId xmlns:p14="http://schemas.microsoft.com/office/powerpoint/2010/main" val="1870472778"/>
+        <p14:creationId xmlns:p14="http://schemas.microsoft.com/office/powerpoint/2010/main" val="2763706547"/>
       </p:ext>
     </p:extLst>
   </p:cSld>
@@ -7070,7 +7308,1637 @@
 </p:sld>
 </file>
 
-<file path=ppt/slides/slide10.xml><?xml version="1.0" encoding="utf-8"?>
+<file path=ppt/slides/slide2.xml><?xml version="1.0" encoding="utf-8"?>
+<p:sld xmlns:a="http://schemas.openxmlformats.org/drawingml/2006/main" xmlns:r="http://schemas.openxmlformats.org/officeDocument/2006/relationships" xmlns:p="http://schemas.openxmlformats.org/presentationml/2006/main">
+  <p:cSld>
+    <p:spTree>
+      <p:nvGrpSpPr>
+        <p:cNvPr id="1" name=""/>
+        <p:cNvGrpSpPr/>
+        <p:nvPr/>
+      </p:nvGrpSpPr>
+      <p:grpSpPr>
+        <a:xfrm>
+          <a:off x="0" y="0"/>
+          <a:ext cx="0" cy="0"/>
+          <a:chOff x="0" y="0"/>
+          <a:chExt cx="0" cy="0"/>
+        </a:xfrm>
+      </p:grpSpPr>
+      <p:sp>
+        <p:nvSpPr>
+          <p:cNvPr id="2" name="Title 1">
+            <a:extLst>
+              <a:ext uri="{FF2B5EF4-FFF2-40B4-BE49-F238E27FC236}">
+                <a16:creationId xmlns:a16="http://schemas.microsoft.com/office/drawing/2014/main" id="{74F413C6-90E3-4927-AED3-207DC6F8B0B6}"/>
+              </a:ext>
+            </a:extLst>
+          </p:cNvPr>
+          <p:cNvSpPr>
+            <a:spLocks noGrp="1"/>
+          </p:cNvSpPr>
+          <p:nvPr>
+            <p:ph type="title" idx="4294967295"/>
+          </p:nvPr>
+        </p:nvSpPr>
+        <p:spPr>
+          <a:xfrm>
+            <a:off x="0" y="609600"/>
+            <a:ext cx="8596313" cy="1320800"/>
+          </a:xfrm>
+        </p:spPr>
+        <p:txBody>
+          <a:bodyPr/>
+          <a:lstStyle/>
+          <a:p>
+            <a:pPr algn="ctr"/>
+            <a:r>
+              <a:rPr lang="en-US" dirty="0"/>
+              <a:t>IOT System</a:t>
+            </a:r>
+          </a:p>
+        </p:txBody>
+      </p:sp>
+      <p:pic>
+        <p:nvPicPr>
+          <p:cNvPr id="5" name="Picture 4">
+            <a:extLst>
+              <a:ext uri="{FF2B5EF4-FFF2-40B4-BE49-F238E27FC236}">
+                <a16:creationId xmlns:a16="http://schemas.microsoft.com/office/drawing/2014/main" id="{EC51CCA6-66CC-48AF-A54D-268C0D46A44D}"/>
+              </a:ext>
+            </a:extLst>
+          </p:cNvPr>
+          <p:cNvPicPr>
+            <a:picLocks noChangeAspect="1"/>
+          </p:cNvPicPr>
+          <p:nvPr/>
+        </p:nvPicPr>
+        <p:blipFill>
+          <a:blip r:embed="rId3"/>
+          <a:stretch>
+            <a:fillRect/>
+          </a:stretch>
+        </p:blipFill>
+        <p:spPr>
+          <a:xfrm>
+            <a:off x="439402" y="2061103"/>
+            <a:ext cx="9273055" cy="3192686"/>
+          </a:xfrm>
+          <a:prstGeom prst="rect">
+            <a:avLst/>
+          </a:prstGeom>
+        </p:spPr>
+      </p:pic>
+      <p:cxnSp>
+        <p:nvCxnSpPr>
+          <p:cNvPr id="6" name="Straight Arrow Connector 5">
+            <a:extLst>
+              <a:ext uri="{FF2B5EF4-FFF2-40B4-BE49-F238E27FC236}">
+                <a16:creationId xmlns:a16="http://schemas.microsoft.com/office/drawing/2014/main" id="{65C43000-09A2-4AE9-9E6B-D39D3138C791}"/>
+              </a:ext>
+            </a:extLst>
+          </p:cNvPr>
+          <p:cNvCxnSpPr/>
+          <p:nvPr/>
+        </p:nvCxnSpPr>
+        <p:spPr>
+          <a:xfrm flipH="1">
+            <a:off x="4731224" y="4976884"/>
+            <a:ext cx="1856095" cy="0"/>
+          </a:xfrm>
+          <a:prstGeom prst="straightConnector1">
+            <a:avLst/>
+          </a:prstGeom>
+          <a:ln w="25400">
+            <a:tailEnd type="triangle"/>
+          </a:ln>
+        </p:spPr>
+        <p:style>
+          <a:lnRef idx="1">
+            <a:schemeClr val="accent1"/>
+          </a:lnRef>
+          <a:fillRef idx="0">
+            <a:schemeClr val="accent1"/>
+          </a:fillRef>
+          <a:effectRef idx="0">
+            <a:schemeClr val="accent1"/>
+          </a:effectRef>
+          <a:fontRef idx="minor">
+            <a:schemeClr val="tx1"/>
+          </a:fontRef>
+        </p:style>
+      </p:cxnSp>
+      <p:sp>
+        <p:nvSpPr>
+          <p:cNvPr id="7" name="TextBox 6">
+            <a:extLst>
+              <a:ext uri="{FF2B5EF4-FFF2-40B4-BE49-F238E27FC236}">
+                <a16:creationId xmlns:a16="http://schemas.microsoft.com/office/drawing/2014/main" id="{0F58D2CB-F9B9-48E0-8D17-CC6F6D019163}"/>
+              </a:ext>
+            </a:extLst>
+          </p:cNvPr>
+          <p:cNvSpPr txBox="1"/>
+          <p:nvPr/>
+        </p:nvSpPr>
+        <p:spPr>
+          <a:xfrm>
+            <a:off x="1697792" y="4805781"/>
+            <a:ext cx="1452642" cy="230832"/>
+          </a:xfrm>
+          <a:prstGeom prst="rect">
+            <a:avLst/>
+          </a:prstGeom>
+          <a:noFill/>
+        </p:spPr>
+        <p:txBody>
+          <a:bodyPr wrap="none" rtlCol="0">
+            <a:spAutoFit/>
+          </a:bodyPr>
+          <a:lstStyle/>
+          <a:p>
+            <a:r>
+              <a:rPr lang="en-US" sz="900" dirty="0"/>
+              <a:t>Subscribe to a command</a:t>
+            </a:r>
+          </a:p>
+        </p:txBody>
+      </p:sp>
+      <p:cxnSp>
+        <p:nvCxnSpPr>
+          <p:cNvPr id="9" name="Straight Arrow Connector 8">
+            <a:extLst>
+              <a:ext uri="{FF2B5EF4-FFF2-40B4-BE49-F238E27FC236}">
+                <a16:creationId xmlns:a16="http://schemas.microsoft.com/office/drawing/2014/main" id="{A1B514AE-4B14-43E7-B1C7-5AB96C344703}"/>
+              </a:ext>
+            </a:extLst>
+          </p:cNvPr>
+          <p:cNvCxnSpPr/>
+          <p:nvPr/>
+        </p:nvCxnSpPr>
+        <p:spPr>
+          <a:xfrm flipH="1">
+            <a:off x="1776663" y="4752474"/>
+            <a:ext cx="1431758" cy="0"/>
+          </a:xfrm>
+          <a:prstGeom prst="straightConnector1">
+            <a:avLst/>
+          </a:prstGeom>
+          <a:ln>
+            <a:tailEnd type="triangle"/>
+          </a:ln>
+        </p:spPr>
+        <p:style>
+          <a:lnRef idx="1">
+            <a:schemeClr val="accent1"/>
+          </a:lnRef>
+          <a:fillRef idx="0">
+            <a:schemeClr val="accent1"/>
+          </a:fillRef>
+          <a:effectRef idx="0">
+            <a:schemeClr val="accent1"/>
+          </a:effectRef>
+          <a:fontRef idx="minor">
+            <a:schemeClr val="tx1"/>
+          </a:fontRef>
+        </p:style>
+      </p:cxnSp>
+      <p:sp>
+        <p:nvSpPr>
+          <p:cNvPr id="10" name="TextBox 9">
+            <a:extLst>
+              <a:ext uri="{FF2B5EF4-FFF2-40B4-BE49-F238E27FC236}">
+                <a16:creationId xmlns:a16="http://schemas.microsoft.com/office/drawing/2014/main" id="{BB31DED8-1F56-4999-8A34-8FC1A3AF60CC}"/>
+              </a:ext>
+            </a:extLst>
+          </p:cNvPr>
+          <p:cNvSpPr txBox="1"/>
+          <p:nvPr/>
+        </p:nvSpPr>
+        <p:spPr>
+          <a:xfrm>
+            <a:off x="4912663" y="4999921"/>
+            <a:ext cx="1183337" cy="230832"/>
+          </a:xfrm>
+          <a:prstGeom prst="rect">
+            <a:avLst/>
+          </a:prstGeom>
+          <a:noFill/>
+        </p:spPr>
+        <p:txBody>
+          <a:bodyPr wrap="none" rtlCol="0">
+            <a:spAutoFit/>
+          </a:bodyPr>
+          <a:lstStyle/>
+          <a:p>
+            <a:r>
+              <a:rPr lang="en-US" sz="900" dirty="0"/>
+              <a:t>Publish a command</a:t>
+            </a:r>
+          </a:p>
+        </p:txBody>
+      </p:sp>
+    </p:spTree>
+    <p:extLst>
+      <p:ext uri="{BB962C8B-B14F-4D97-AF65-F5344CB8AC3E}">
+        <p14:creationId xmlns:p14="http://schemas.microsoft.com/office/powerpoint/2010/main" val="1140637942"/>
+      </p:ext>
+    </p:extLst>
+  </p:cSld>
+  <p:clrMapOvr>
+    <a:masterClrMapping/>
+  </p:clrMapOvr>
+</p:sld>
+</file>
+
+<file path=ppt/slides/slide3.xml><?xml version="1.0" encoding="utf-8"?>
+<p:sld xmlns:a="http://schemas.openxmlformats.org/drawingml/2006/main" xmlns:r="http://schemas.openxmlformats.org/officeDocument/2006/relationships" xmlns:p="http://schemas.openxmlformats.org/presentationml/2006/main">
+  <p:cSld>
+    <p:spTree>
+      <p:nvGrpSpPr>
+        <p:cNvPr id="1" name=""/>
+        <p:cNvGrpSpPr/>
+        <p:nvPr/>
+      </p:nvGrpSpPr>
+      <p:grpSpPr>
+        <a:xfrm>
+          <a:off x="0" y="0"/>
+          <a:ext cx="0" cy="0"/>
+          <a:chOff x="0" y="0"/>
+          <a:chExt cx="0" cy="0"/>
+        </a:xfrm>
+      </p:grpSpPr>
+      <p:sp>
+        <p:nvSpPr>
+          <p:cNvPr id="2" name="Title 1">
+            <a:extLst>
+              <a:ext uri="{FF2B5EF4-FFF2-40B4-BE49-F238E27FC236}">
+                <a16:creationId xmlns:a16="http://schemas.microsoft.com/office/drawing/2014/main" id="{8F7EB336-4F9F-47CC-9E25-0B22BA230276}"/>
+              </a:ext>
+            </a:extLst>
+          </p:cNvPr>
+          <p:cNvSpPr>
+            <a:spLocks noGrp="1"/>
+          </p:cNvSpPr>
+          <p:nvPr>
+            <p:ph type="title"/>
+          </p:nvPr>
+        </p:nvSpPr>
+        <p:spPr>
+          <a:xfrm>
+            <a:off x="677334" y="609600"/>
+            <a:ext cx="8596668" cy="657726"/>
+          </a:xfrm>
+        </p:spPr>
+        <p:txBody>
+          <a:bodyPr/>
+          <a:lstStyle/>
+          <a:p>
+            <a:pPr algn="ctr"/>
+            <a:r>
+              <a:rPr lang="en-US" dirty="0"/>
+              <a:t>Broker</a:t>
+            </a:r>
+          </a:p>
+        </p:txBody>
+      </p:sp>
+      <p:sp>
+        <p:nvSpPr>
+          <p:cNvPr id="3" name="Content Placeholder 2">
+            <a:extLst>
+              <a:ext uri="{FF2B5EF4-FFF2-40B4-BE49-F238E27FC236}">
+                <a16:creationId xmlns:a16="http://schemas.microsoft.com/office/drawing/2014/main" id="{D80026D2-2B98-4A67-8214-6882CA2B7E86}"/>
+              </a:ext>
+            </a:extLst>
+          </p:cNvPr>
+          <p:cNvSpPr>
+            <a:spLocks noGrp="1"/>
+          </p:cNvSpPr>
+          <p:nvPr>
+            <p:ph idx="1"/>
+          </p:nvPr>
+        </p:nvSpPr>
+        <p:spPr>
+          <a:xfrm>
+            <a:off x="677334" y="1828801"/>
+            <a:ext cx="8596668" cy="4212562"/>
+          </a:xfrm>
+        </p:spPr>
+        <p:txBody>
+          <a:bodyPr>
+            <a:normAutofit lnSpcReduction="10000"/>
+          </a:bodyPr>
+          <a:lstStyle/>
+          <a:p>
+            <a:r>
+              <a:rPr lang="en-US" sz="2800" dirty="0"/>
+              <a:t>An IOT Broker is:</a:t>
+            </a:r>
+          </a:p>
+          <a:p>
+            <a:pPr lvl="1"/>
+            <a:r>
+              <a:rPr lang="en-US" sz="2400" dirty="0"/>
+              <a:t>Server software, visible on the interwebs</a:t>
+            </a:r>
+          </a:p>
+          <a:p>
+            <a:pPr lvl="1"/>
+            <a:r>
+              <a:rPr lang="en-US" sz="2400" dirty="0"/>
+              <a:t>A middleman to decouple Clients</a:t>
+            </a:r>
+          </a:p>
+          <a:p>
+            <a:pPr lvl="1"/>
+            <a:r>
+              <a:rPr lang="en-US" sz="2400" dirty="0"/>
+              <a:t>Receives and Sends Messages </a:t>
+            </a:r>
+          </a:p>
+          <a:p>
+            <a:pPr lvl="1"/>
+            <a:r>
+              <a:rPr lang="en-US" sz="2400" dirty="0"/>
+              <a:t>Speaks MQTT – MQ Telemetry Transport</a:t>
+            </a:r>
+          </a:p>
+          <a:p>
+            <a:pPr lvl="2"/>
+            <a:r>
+              <a:rPr lang="en-US" sz="2200" dirty="0"/>
+              <a:t>Publish/Subscribe</a:t>
+            </a:r>
+          </a:p>
+          <a:p>
+            <a:pPr lvl="2"/>
+            <a:r>
+              <a:rPr lang="en-US" sz="2200" dirty="0"/>
+              <a:t>MQ Telemetry Transport</a:t>
+            </a:r>
+          </a:p>
+          <a:p>
+            <a:pPr lvl="2"/>
+            <a:r>
+              <a:rPr lang="en-US" sz="2200" dirty="0"/>
+              <a:t>Lightweight protocol over TCP</a:t>
+            </a:r>
+          </a:p>
+          <a:p>
+            <a:pPr lvl="1"/>
+            <a:r>
+              <a:rPr lang="en-US" sz="2400" dirty="0"/>
+              <a:t>Somewhere in the cloud</a:t>
+            </a:r>
+          </a:p>
+          <a:p>
+            <a:endParaRPr lang="en-US" dirty="0"/>
+          </a:p>
+        </p:txBody>
+      </p:sp>
+      <p:pic>
+        <p:nvPicPr>
+          <p:cNvPr id="4098" name="Picture 2" descr="Guide to MQTT - Cedalo">
+            <a:extLst>
+              <a:ext uri="{FF2B5EF4-FFF2-40B4-BE49-F238E27FC236}">
+                <a16:creationId xmlns:a16="http://schemas.microsoft.com/office/drawing/2014/main" id="{C436567E-EF0D-4C27-AC43-16E981F57050}"/>
+              </a:ext>
+            </a:extLst>
+          </p:cNvPr>
+          <p:cNvPicPr>
+            <a:picLocks noChangeAspect="1" noChangeArrowheads="1"/>
+          </p:cNvPicPr>
+          <p:nvPr/>
+        </p:nvPicPr>
+        <p:blipFill>
+          <a:blip r:embed="rId3">
+            <a:extLst>
+              <a:ext uri="{28A0092B-C50C-407E-A947-70E740481C1C}">
+                <a14:useLocalDpi xmlns:a14="http://schemas.microsoft.com/office/drawing/2010/main" val="0"/>
+              </a:ext>
+            </a:extLst>
+          </a:blip>
+          <a:srcRect/>
+          <a:stretch>
+            <a:fillRect/>
+          </a:stretch>
+        </p:blipFill>
+        <p:spPr bwMode="auto">
+          <a:xfrm>
+            <a:off x="7351309" y="495299"/>
+            <a:ext cx="3973489" cy="2225154"/>
+          </a:xfrm>
+          <a:prstGeom prst="rect">
+            <a:avLst/>
+          </a:prstGeom>
+          <a:noFill/>
+          <a:extLst>
+            <a:ext uri="{909E8E84-426E-40DD-AFC4-6F175D3DCCD1}">
+              <a14:hiddenFill xmlns:a14="http://schemas.microsoft.com/office/drawing/2010/main">
+                <a:solidFill>
+                  <a:srgbClr val="FFFFFF"/>
+                </a:solidFill>
+              </a14:hiddenFill>
+            </a:ext>
+          </a:extLst>
+        </p:spPr>
+      </p:pic>
+    </p:spTree>
+    <p:extLst>
+      <p:ext uri="{BB962C8B-B14F-4D97-AF65-F5344CB8AC3E}">
+        <p14:creationId xmlns:p14="http://schemas.microsoft.com/office/powerpoint/2010/main" val="733274101"/>
+      </p:ext>
+    </p:extLst>
+  </p:cSld>
+  <p:clrMapOvr>
+    <a:masterClrMapping/>
+  </p:clrMapOvr>
+</p:sld>
+</file>
+
+<file path=ppt/slides/slide4.xml><?xml version="1.0" encoding="utf-8"?>
+<p:sld xmlns:a="http://schemas.openxmlformats.org/drawingml/2006/main" xmlns:r="http://schemas.openxmlformats.org/officeDocument/2006/relationships" xmlns:p="http://schemas.openxmlformats.org/presentationml/2006/main">
+  <p:cSld>
+    <p:spTree>
+      <p:nvGrpSpPr>
+        <p:cNvPr id="1" name=""/>
+        <p:cNvGrpSpPr/>
+        <p:nvPr/>
+      </p:nvGrpSpPr>
+      <p:grpSpPr>
+        <a:xfrm>
+          <a:off x="0" y="0"/>
+          <a:ext cx="0" cy="0"/>
+          <a:chOff x="0" y="0"/>
+          <a:chExt cx="0" cy="0"/>
+        </a:xfrm>
+      </p:grpSpPr>
+      <p:sp>
+        <p:nvSpPr>
+          <p:cNvPr id="2" name="Title 1">
+            <a:extLst>
+              <a:ext uri="{FF2B5EF4-FFF2-40B4-BE49-F238E27FC236}">
+                <a16:creationId xmlns:a16="http://schemas.microsoft.com/office/drawing/2014/main" id="{5DF1E2C7-5A6F-442D-8690-DBB29A551876}"/>
+              </a:ext>
+            </a:extLst>
+          </p:cNvPr>
+          <p:cNvSpPr>
+            <a:spLocks noGrp="1"/>
+          </p:cNvSpPr>
+          <p:nvPr>
+            <p:ph type="title"/>
+          </p:nvPr>
+        </p:nvSpPr>
+        <p:spPr>
+          <a:xfrm>
+            <a:off x="677334" y="609600"/>
+            <a:ext cx="8596668" cy="737937"/>
+          </a:xfrm>
+        </p:spPr>
+        <p:txBody>
+          <a:bodyPr/>
+          <a:lstStyle/>
+          <a:p>
+            <a:pPr algn="ctr"/>
+            <a:r>
+              <a:rPr lang="en-US" dirty="0"/>
+              <a:t>Clients</a:t>
+            </a:r>
+          </a:p>
+        </p:txBody>
+      </p:sp>
+      <p:sp>
+        <p:nvSpPr>
+          <p:cNvPr id="3" name="Content Placeholder 2">
+            <a:extLst>
+              <a:ext uri="{FF2B5EF4-FFF2-40B4-BE49-F238E27FC236}">
+                <a16:creationId xmlns:a16="http://schemas.microsoft.com/office/drawing/2014/main" id="{529FBC79-CFA8-4741-A700-BCC7636C13CC}"/>
+              </a:ext>
+            </a:extLst>
+          </p:cNvPr>
+          <p:cNvSpPr>
+            <a:spLocks noGrp="1"/>
+          </p:cNvSpPr>
+          <p:nvPr>
+            <p:ph idx="1"/>
+          </p:nvPr>
+        </p:nvSpPr>
+        <p:spPr>
+          <a:xfrm>
+            <a:off x="677334" y="1586753"/>
+            <a:ext cx="8596668" cy="4454609"/>
+          </a:xfrm>
+        </p:spPr>
+        <p:txBody>
+          <a:bodyPr>
+            <a:normAutofit fontScale="92500" lnSpcReduction="10000"/>
+          </a:bodyPr>
+          <a:lstStyle/>
+          <a:p>
+            <a:r>
+              <a:rPr lang="en-US" dirty="0"/>
+              <a:t>IOT calls all the devices and computers ‘Clients’ of the Broker</a:t>
+            </a:r>
+          </a:p>
+          <a:p>
+            <a:pPr lvl="1"/>
+            <a:r>
+              <a:rPr lang="en-US" dirty="0"/>
+              <a:t>Remote Devices</a:t>
+            </a:r>
+          </a:p>
+          <a:p>
+            <a:pPr lvl="1"/>
+            <a:r>
+              <a:rPr lang="en-US" dirty="0"/>
+              <a:t>Workstations, Mobile, Back-end</a:t>
+            </a:r>
+          </a:p>
+          <a:p>
+            <a:r>
+              <a:rPr lang="en-US" dirty="0"/>
+              <a:t>Clients contact the Broker</a:t>
+            </a:r>
+          </a:p>
+          <a:p>
+            <a:pPr lvl="1"/>
+            <a:r>
+              <a:rPr lang="en-US" dirty="0"/>
+              <a:t>Clients are usually behind a firewall of some kind</a:t>
+            </a:r>
+          </a:p>
+          <a:p>
+            <a:pPr lvl="2"/>
+            <a:r>
+              <a:rPr lang="en-US" dirty="0"/>
+              <a:t>Typically, don’t expose a static address and port on the internet (at least not the port)</a:t>
+            </a:r>
+          </a:p>
+          <a:p>
+            <a:pPr lvl="1"/>
+            <a:r>
+              <a:rPr lang="en-US" dirty="0"/>
+              <a:t>Clients reach out to the broker and establish a connection</a:t>
+            </a:r>
+          </a:p>
+          <a:p>
+            <a:pPr lvl="1"/>
+            <a:r>
+              <a:rPr lang="en-US" dirty="0"/>
+              <a:t>The Broker never goes out to the Clients</a:t>
+            </a:r>
+          </a:p>
+          <a:p>
+            <a:r>
+              <a:rPr lang="en-US" dirty="0"/>
+              <a:t>Clients Publish and Subscribe their data as ‘Topics’ (in MQTT)</a:t>
+            </a:r>
+          </a:p>
+          <a:p>
+            <a:r>
+              <a:rPr lang="en-US" dirty="0"/>
+              <a:t>Software</a:t>
+            </a:r>
+          </a:p>
+          <a:p>
+            <a:pPr lvl="1"/>
+            <a:r>
+              <a:rPr lang="en-US" dirty="0"/>
+              <a:t>Broker Software usually has associated Client SDKs for most languages and runtimes</a:t>
+            </a:r>
+          </a:p>
+          <a:p>
+            <a:pPr lvl="1"/>
+            <a:r>
+              <a:rPr lang="en-US" b="1" dirty="0"/>
+              <a:t>usually Linux or RTOS, not so much Windows</a:t>
+            </a:r>
+          </a:p>
+          <a:p>
+            <a:pPr lvl="2"/>
+            <a:r>
+              <a:rPr lang="en-US" b="1" dirty="0"/>
+              <a:t>You need basic Linux skills</a:t>
+            </a:r>
+          </a:p>
+          <a:p>
+            <a:pPr lvl="1"/>
+            <a:endParaRPr lang="en-US" dirty="0"/>
+          </a:p>
+          <a:p>
+            <a:endParaRPr lang="en-US" dirty="0"/>
+          </a:p>
+        </p:txBody>
+      </p:sp>
+      <p:pic>
+        <p:nvPicPr>
+          <p:cNvPr id="5" name="Picture 4" descr="A picture containing text, electronics, circuit&#10;&#10;Description automatically generated">
+            <a:extLst>
+              <a:ext uri="{FF2B5EF4-FFF2-40B4-BE49-F238E27FC236}">
+                <a16:creationId xmlns:a16="http://schemas.microsoft.com/office/drawing/2014/main" id="{5F71105D-7CDC-484A-9B39-04059B66A699}"/>
+              </a:ext>
+            </a:extLst>
+          </p:cNvPr>
+          <p:cNvPicPr>
+            <a:picLocks noChangeAspect="1"/>
+          </p:cNvPicPr>
+          <p:nvPr/>
+        </p:nvPicPr>
+        <p:blipFill>
+          <a:blip r:embed="rId3"/>
+          <a:stretch>
+            <a:fillRect/>
+          </a:stretch>
+        </p:blipFill>
+        <p:spPr>
+          <a:xfrm>
+            <a:off x="9442804" y="125110"/>
+            <a:ext cx="1909785" cy="2832847"/>
+          </a:xfrm>
+          <a:prstGeom prst="rect">
+            <a:avLst/>
+          </a:prstGeom>
+        </p:spPr>
+      </p:pic>
+      <p:pic>
+        <p:nvPicPr>
+          <p:cNvPr id="2054" name="Picture 6" descr="5 Best MQTT Clients for Testing on Desktop &amp;amp; Mobile - Mntolia.com">
+            <a:extLst>
+              <a:ext uri="{FF2B5EF4-FFF2-40B4-BE49-F238E27FC236}">
+                <a16:creationId xmlns:a16="http://schemas.microsoft.com/office/drawing/2014/main" id="{1E1512E8-67EB-4A33-AC2A-92E9F7C7CA1C}"/>
+              </a:ext>
+            </a:extLst>
+          </p:cNvPr>
+          <p:cNvPicPr>
+            <a:picLocks noChangeAspect="1" noChangeArrowheads="1"/>
+          </p:cNvPicPr>
+          <p:nvPr/>
+        </p:nvPicPr>
+        <p:blipFill>
+          <a:blip r:embed="rId4">
+            <a:extLst>
+              <a:ext uri="{28A0092B-C50C-407E-A947-70E740481C1C}">
+                <a14:useLocalDpi xmlns:a14="http://schemas.microsoft.com/office/drawing/2010/main" val="0"/>
+              </a:ext>
+            </a:extLst>
+          </a:blip>
+          <a:srcRect/>
+          <a:stretch>
+            <a:fillRect/>
+          </a:stretch>
+        </p:blipFill>
+        <p:spPr bwMode="auto">
+          <a:xfrm>
+            <a:off x="9442805" y="3213846"/>
+            <a:ext cx="1909784" cy="3429397"/>
+          </a:xfrm>
+          <a:prstGeom prst="rect">
+            <a:avLst/>
+          </a:prstGeom>
+          <a:noFill/>
+          <a:extLst>
+            <a:ext uri="{909E8E84-426E-40DD-AFC4-6F175D3DCCD1}">
+              <a14:hiddenFill xmlns:a14="http://schemas.microsoft.com/office/drawing/2010/main">
+                <a:solidFill>
+                  <a:srgbClr val="FFFFFF"/>
+                </a:solidFill>
+              </a14:hiddenFill>
+            </a:ext>
+          </a:extLst>
+        </p:spPr>
+      </p:pic>
+    </p:spTree>
+    <p:extLst>
+      <p:ext uri="{BB962C8B-B14F-4D97-AF65-F5344CB8AC3E}">
+        <p14:creationId xmlns:p14="http://schemas.microsoft.com/office/powerpoint/2010/main" val="3572501306"/>
+      </p:ext>
+    </p:extLst>
+  </p:cSld>
+  <p:clrMapOvr>
+    <a:masterClrMapping/>
+  </p:clrMapOvr>
+</p:sld>
+</file>
+
+<file path=ppt/slides/slide5.xml><?xml version="1.0" encoding="utf-8"?>
+<p:sld xmlns:a="http://schemas.openxmlformats.org/drawingml/2006/main" xmlns:r="http://schemas.openxmlformats.org/officeDocument/2006/relationships" xmlns:p="http://schemas.openxmlformats.org/presentationml/2006/main">
+  <p:cSld>
+    <p:spTree>
+      <p:nvGrpSpPr>
+        <p:cNvPr id="1" name=""/>
+        <p:cNvGrpSpPr/>
+        <p:nvPr/>
+      </p:nvGrpSpPr>
+      <p:grpSpPr>
+        <a:xfrm>
+          <a:off x="0" y="0"/>
+          <a:ext cx="0" cy="0"/>
+          <a:chOff x="0" y="0"/>
+          <a:chExt cx="0" cy="0"/>
+        </a:xfrm>
+      </p:grpSpPr>
+      <p:sp>
+        <p:nvSpPr>
+          <p:cNvPr id="2" name="Title 1">
+            <a:extLst>
+              <a:ext uri="{FF2B5EF4-FFF2-40B4-BE49-F238E27FC236}">
+                <a16:creationId xmlns:a16="http://schemas.microsoft.com/office/drawing/2014/main" id="{19805CE6-09FC-40A0-BDEE-2EBD6126A4D6}"/>
+              </a:ext>
+            </a:extLst>
+          </p:cNvPr>
+          <p:cNvSpPr>
+            <a:spLocks noGrp="1"/>
+          </p:cNvSpPr>
+          <p:nvPr>
+            <p:ph type="title"/>
+          </p:nvPr>
+        </p:nvSpPr>
+        <p:spPr/>
+        <p:txBody>
+          <a:bodyPr/>
+          <a:lstStyle/>
+          <a:p>
+            <a:pPr algn="ctr"/>
+            <a:r>
+              <a:rPr lang="en-US" dirty="0"/>
+              <a:t>They Talk MQTT Protocol</a:t>
+            </a:r>
+          </a:p>
+        </p:txBody>
+      </p:sp>
+      <p:sp>
+        <p:nvSpPr>
+          <p:cNvPr id="3" name="Content Placeholder 2">
+            <a:extLst>
+              <a:ext uri="{FF2B5EF4-FFF2-40B4-BE49-F238E27FC236}">
+                <a16:creationId xmlns:a16="http://schemas.microsoft.com/office/drawing/2014/main" id="{DB747DDB-E62F-4DAB-9477-DA95B4F7F793}"/>
+              </a:ext>
+            </a:extLst>
+          </p:cNvPr>
+          <p:cNvSpPr>
+            <a:spLocks noGrp="1"/>
+          </p:cNvSpPr>
+          <p:nvPr>
+            <p:ph idx="1"/>
+          </p:nvPr>
+        </p:nvSpPr>
+        <p:spPr>
+          <a:xfrm>
+            <a:off x="677334" y="1613647"/>
+            <a:ext cx="8596668" cy="4427715"/>
+          </a:xfrm>
+        </p:spPr>
+        <p:txBody>
+          <a:bodyPr>
+            <a:normAutofit lnSpcReduction="10000"/>
+          </a:bodyPr>
+          <a:lstStyle/>
+          <a:p>
+            <a:r>
+              <a:rPr lang="en-US" dirty="0"/>
+              <a:t>MQ Telemetry Transport – not a message queue </a:t>
+            </a:r>
+            <a:r>
+              <a:rPr lang="en-US" dirty="0">
+                <a:sym typeface="Wingdings" panose="05000000000000000000" pitchFamily="2" charset="2"/>
+              </a:rPr>
+              <a:t></a:t>
+            </a:r>
+            <a:endParaRPr lang="en-US" dirty="0"/>
+          </a:p>
+          <a:p>
+            <a:pPr lvl="1"/>
+            <a:r>
+              <a:rPr lang="en-US" dirty="0"/>
+              <a:t>Machine-to-machine communication </a:t>
+            </a:r>
+          </a:p>
+          <a:p>
+            <a:pPr lvl="1"/>
+            <a:r>
+              <a:rPr lang="en-US" b="0" i="0" dirty="0">
+                <a:solidFill>
+                  <a:srgbClr val="333333"/>
+                </a:solidFill>
+                <a:effectLst/>
+                <a:latin typeface="roboto" panose="020B0604020202020204" pitchFamily="2" charset="0"/>
+              </a:rPr>
+              <a:t>invented at IBM in 1999 by Andy Stanford-Clark and Arlen Nipper</a:t>
+            </a:r>
+          </a:p>
+          <a:p>
+            <a:pPr lvl="2"/>
+            <a:r>
+              <a:rPr lang="en-US" dirty="0">
+                <a:solidFill>
+                  <a:srgbClr val="333333"/>
+                </a:solidFill>
+                <a:latin typeface="roboto" panose="020B0604020202020204" pitchFamily="2" charset="0"/>
+              </a:rPr>
+              <a:t>Open-source spec released 2010</a:t>
+            </a:r>
+            <a:endParaRPr lang="en-US" dirty="0"/>
+          </a:p>
+          <a:p>
+            <a:pPr lvl="1"/>
+            <a:r>
+              <a:rPr lang="en-US" dirty="0"/>
+              <a:t>Simple</a:t>
+            </a:r>
+          </a:p>
+          <a:p>
+            <a:pPr lvl="1"/>
+            <a:r>
+              <a:rPr lang="en-US" dirty="0"/>
+              <a:t>TCP/IP  (clients initiate the connections)</a:t>
+            </a:r>
+          </a:p>
+          <a:p>
+            <a:pPr lvl="1"/>
+            <a:r>
+              <a:rPr lang="en-US" dirty="0"/>
+              <a:t>QOS</a:t>
+            </a:r>
+          </a:p>
+          <a:p>
+            <a:pPr lvl="1"/>
+            <a:r>
+              <a:rPr lang="en-US" dirty="0"/>
+              <a:t>Lightweight</a:t>
+            </a:r>
+          </a:p>
+          <a:p>
+            <a:pPr lvl="1"/>
+            <a:r>
+              <a:rPr lang="en-US" dirty="0"/>
+              <a:t>Data agnostic (binary) </a:t>
+            </a:r>
+          </a:p>
+          <a:p>
+            <a:r>
+              <a:rPr lang="en-US" dirty="0"/>
+              <a:t>Publish/Subscribe vs Client Server</a:t>
+            </a:r>
+          </a:p>
+          <a:p>
+            <a:r>
+              <a:rPr lang="en-US" dirty="0"/>
+              <a:t>Version 3.x, Version 5 coming soon</a:t>
+            </a:r>
+          </a:p>
+          <a:p>
+            <a:r>
+              <a:rPr lang="en-US" dirty="0"/>
+              <a:t>Standards based SDK’s are available for mainstream programming languages</a:t>
+            </a:r>
+          </a:p>
+          <a:p>
+            <a:pPr lvl="1"/>
+            <a:endParaRPr lang="en-US" dirty="0"/>
+          </a:p>
+        </p:txBody>
+      </p:sp>
+      <p:pic>
+        <p:nvPicPr>
+          <p:cNvPr id="1026" name="Picture 2" descr="MQTT Specification">
+            <a:extLst>
+              <a:ext uri="{FF2B5EF4-FFF2-40B4-BE49-F238E27FC236}">
+                <a16:creationId xmlns:a16="http://schemas.microsoft.com/office/drawing/2014/main" id="{ECC6E9DD-3126-41CA-9941-DF42A557C3DE}"/>
+              </a:ext>
+            </a:extLst>
+          </p:cNvPr>
+          <p:cNvPicPr>
+            <a:picLocks noChangeAspect="1" noChangeArrowheads="1"/>
+          </p:cNvPicPr>
+          <p:nvPr/>
+        </p:nvPicPr>
+        <p:blipFill>
+          <a:blip r:embed="rId3">
+            <a:extLst>
+              <a:ext uri="{28A0092B-C50C-407E-A947-70E740481C1C}">
+                <a14:useLocalDpi xmlns:a14="http://schemas.microsoft.com/office/drawing/2010/main" val="0"/>
+              </a:ext>
+            </a:extLst>
+          </a:blip>
+          <a:srcRect/>
+          <a:stretch>
+            <a:fillRect/>
+          </a:stretch>
+        </p:blipFill>
+        <p:spPr bwMode="auto">
+          <a:xfrm>
+            <a:off x="5800165" y="3148146"/>
+            <a:ext cx="3962400" cy="1152525"/>
+          </a:xfrm>
+          <a:prstGeom prst="rect">
+            <a:avLst/>
+          </a:prstGeom>
+          <a:noFill/>
+          <a:extLst>
+            <a:ext uri="{909E8E84-426E-40DD-AFC4-6F175D3DCCD1}">
+              <a14:hiddenFill xmlns:a14="http://schemas.microsoft.com/office/drawing/2010/main">
+                <a:solidFill>
+                  <a:srgbClr val="FFFFFF"/>
+                </a:solidFill>
+              </a14:hiddenFill>
+            </a:ext>
+          </a:extLst>
+        </p:spPr>
+      </p:pic>
+    </p:spTree>
+    <p:extLst>
+      <p:ext uri="{BB962C8B-B14F-4D97-AF65-F5344CB8AC3E}">
+        <p14:creationId xmlns:p14="http://schemas.microsoft.com/office/powerpoint/2010/main" val="169809182"/>
+      </p:ext>
+    </p:extLst>
+  </p:cSld>
+  <p:clrMapOvr>
+    <a:masterClrMapping/>
+  </p:clrMapOvr>
+</p:sld>
+</file>
+
+<file path=ppt/slides/slide6.xml><?xml version="1.0" encoding="utf-8"?>
+<p:sld xmlns:a="http://schemas.openxmlformats.org/drawingml/2006/main" xmlns:r="http://schemas.openxmlformats.org/officeDocument/2006/relationships" xmlns:p="http://schemas.openxmlformats.org/presentationml/2006/main">
+  <p:cSld>
+    <p:spTree>
+      <p:nvGrpSpPr>
+        <p:cNvPr id="1" name=""/>
+        <p:cNvGrpSpPr/>
+        <p:nvPr/>
+      </p:nvGrpSpPr>
+      <p:grpSpPr>
+        <a:xfrm>
+          <a:off x="0" y="0"/>
+          <a:ext cx="0" cy="0"/>
+          <a:chOff x="0" y="0"/>
+          <a:chExt cx="0" cy="0"/>
+        </a:xfrm>
+      </p:grpSpPr>
+      <p:sp>
+        <p:nvSpPr>
+          <p:cNvPr id="2" name="Title 1">
+            <a:extLst>
+              <a:ext uri="{FF2B5EF4-FFF2-40B4-BE49-F238E27FC236}">
+                <a16:creationId xmlns:a16="http://schemas.microsoft.com/office/drawing/2014/main" id="{5FEB0690-7989-4097-864D-F14D98F78379}"/>
+              </a:ext>
+            </a:extLst>
+          </p:cNvPr>
+          <p:cNvSpPr>
+            <a:spLocks noGrp="1"/>
+          </p:cNvSpPr>
+          <p:nvPr>
+            <p:ph type="title"/>
+          </p:nvPr>
+        </p:nvSpPr>
+        <p:spPr>
+          <a:xfrm>
+            <a:off x="677334" y="609600"/>
+            <a:ext cx="8596668" cy="793376"/>
+          </a:xfrm>
+        </p:spPr>
+        <p:txBody>
+          <a:bodyPr/>
+          <a:lstStyle/>
+          <a:p>
+            <a:pPr algn="ctr"/>
+            <a:r>
+              <a:rPr lang="en-US" dirty="0"/>
+              <a:t>Some Solutions</a:t>
+            </a:r>
+          </a:p>
+        </p:txBody>
+      </p:sp>
+      <p:sp>
+        <p:nvSpPr>
+          <p:cNvPr id="3" name="Content Placeholder 2">
+            <a:extLst>
+              <a:ext uri="{FF2B5EF4-FFF2-40B4-BE49-F238E27FC236}">
+                <a16:creationId xmlns:a16="http://schemas.microsoft.com/office/drawing/2014/main" id="{987E3D2E-4715-4CC7-9602-174165B6DED5}"/>
+              </a:ext>
+            </a:extLst>
+          </p:cNvPr>
+          <p:cNvSpPr>
+            <a:spLocks noGrp="1"/>
+          </p:cNvSpPr>
+          <p:nvPr>
+            <p:ph idx="1"/>
+          </p:nvPr>
+        </p:nvSpPr>
+        <p:spPr>
+          <a:xfrm>
+            <a:off x="677334" y="1507959"/>
+            <a:ext cx="8596668" cy="4533404"/>
+          </a:xfrm>
+        </p:spPr>
+        <p:txBody>
+          <a:bodyPr>
+            <a:normAutofit fontScale="92500" lnSpcReduction="20000"/>
+          </a:bodyPr>
+          <a:lstStyle/>
+          <a:p>
+            <a:r>
+              <a:rPr lang="en-US" dirty="0"/>
+              <a:t>Major Cloud Providers</a:t>
+            </a:r>
+          </a:p>
+          <a:p>
+            <a:pPr lvl="1"/>
+            <a:r>
+              <a:rPr lang="en-US" dirty="0"/>
+              <a:t>Google, Azure, AWS, IBM</a:t>
+            </a:r>
+          </a:p>
+          <a:p>
+            <a:pPr lvl="2"/>
+            <a:r>
+              <a:rPr lang="en-US" dirty="0"/>
+              <a:t>All provide an end-to-end IOT infrastructure including broker, node and client support</a:t>
+            </a:r>
+          </a:p>
+          <a:p>
+            <a:pPr lvl="2"/>
+            <a:r>
+              <a:rPr lang="en-US" dirty="0"/>
+              <a:t>Tie into all their other cloud services such as storage, database, analytics</a:t>
+            </a:r>
+          </a:p>
+          <a:p>
+            <a:pPr lvl="2"/>
+            <a:r>
+              <a:rPr lang="en-US" dirty="0"/>
+              <a:t>Of course, large distributed data center infrastructure</a:t>
+            </a:r>
+          </a:p>
+          <a:p>
+            <a:r>
+              <a:rPr lang="en-US" dirty="0"/>
+              <a:t>Hosted MQTT Brokers </a:t>
+            </a:r>
+          </a:p>
+          <a:p>
+            <a:pPr lvl="2"/>
+            <a:r>
+              <a:rPr lang="en-US" dirty="0"/>
+              <a:t>These focus more on the core Client </a:t>
+            </a:r>
+            <a:r>
+              <a:rPr lang="en-US" dirty="0">
+                <a:sym typeface="Wingdings" panose="05000000000000000000" pitchFamily="2" charset="2"/>
+              </a:rPr>
+              <a:t> Broker infrastructure</a:t>
+            </a:r>
+          </a:p>
+          <a:p>
+            <a:pPr lvl="1"/>
+            <a:r>
+              <a:rPr lang="en-US" dirty="0"/>
+              <a:t>hivemq.com *</a:t>
+            </a:r>
+          </a:p>
+          <a:p>
+            <a:pPr lvl="1"/>
+            <a:r>
+              <a:rPr lang="en-US" dirty="0"/>
+              <a:t>cloudmqtt.com</a:t>
+            </a:r>
+          </a:p>
+          <a:p>
+            <a:pPr lvl="1"/>
+            <a:r>
+              <a:rPr lang="en-US" dirty="0"/>
+              <a:t>emqx.io *</a:t>
+            </a:r>
+          </a:p>
+          <a:p>
+            <a:r>
+              <a:rPr lang="en-US" dirty="0"/>
+              <a:t>Open Source</a:t>
+            </a:r>
+          </a:p>
+          <a:p>
+            <a:pPr lvl="1"/>
+            <a:r>
+              <a:rPr lang="en-US" dirty="0"/>
+              <a:t>mosquitto.org*</a:t>
+            </a:r>
+          </a:p>
+          <a:p>
+            <a:pPr lvl="1"/>
+            <a:r>
+              <a:rPr lang="en-US" dirty="0"/>
+              <a:t>eclispse.org/</a:t>
+            </a:r>
+            <a:r>
+              <a:rPr lang="en-US" dirty="0" err="1"/>
+              <a:t>paho</a:t>
+            </a:r>
+            <a:r>
+              <a:rPr lang="en-US" dirty="0"/>
+              <a:t>*</a:t>
+            </a:r>
+          </a:p>
+          <a:p>
+            <a:r>
+              <a:rPr lang="en-US" dirty="0"/>
+              <a:t>* has open source edition	</a:t>
+            </a:r>
+          </a:p>
+          <a:p>
+            <a:pPr lvl="1"/>
+            <a:endParaRPr lang="en-US" dirty="0"/>
+          </a:p>
+          <a:p>
+            <a:pPr lvl="1"/>
+            <a:endParaRPr lang="en-US" dirty="0"/>
+          </a:p>
+          <a:p>
+            <a:pPr lvl="1"/>
+            <a:endParaRPr lang="en-US" dirty="0"/>
+          </a:p>
+          <a:p>
+            <a:pPr lvl="1"/>
+            <a:endParaRPr lang="en-US" dirty="0"/>
+          </a:p>
+        </p:txBody>
+      </p:sp>
+      <p:pic>
+        <p:nvPicPr>
+          <p:cNvPr id="5" name="Picture 4">
+            <a:extLst>
+              <a:ext uri="{FF2B5EF4-FFF2-40B4-BE49-F238E27FC236}">
+                <a16:creationId xmlns:a16="http://schemas.microsoft.com/office/drawing/2014/main" id="{3348E14B-4326-4FCF-B6FE-E5CD76F6A28D}"/>
+              </a:ext>
+            </a:extLst>
+          </p:cNvPr>
+          <p:cNvPicPr>
+            <a:picLocks noChangeAspect="1"/>
+          </p:cNvPicPr>
+          <p:nvPr/>
+        </p:nvPicPr>
+        <p:blipFill>
+          <a:blip r:embed="rId3"/>
+          <a:stretch>
+            <a:fillRect/>
+          </a:stretch>
+        </p:blipFill>
+        <p:spPr>
+          <a:xfrm>
+            <a:off x="8555150" y="425782"/>
+            <a:ext cx="2114845" cy="1514686"/>
+          </a:xfrm>
+          <a:prstGeom prst="rect">
+            <a:avLst/>
+          </a:prstGeom>
+        </p:spPr>
+      </p:pic>
+      <p:pic>
+        <p:nvPicPr>
+          <p:cNvPr id="3080" name="Picture 8" descr="MQTT Brokers : IOT Part 15">
+            <a:extLst>
+              <a:ext uri="{FF2B5EF4-FFF2-40B4-BE49-F238E27FC236}">
+                <a16:creationId xmlns:a16="http://schemas.microsoft.com/office/drawing/2014/main" id="{C45E3E3E-7A27-476E-936A-BEA51600256E}"/>
+              </a:ext>
+            </a:extLst>
+          </p:cNvPr>
+          <p:cNvPicPr>
+            <a:picLocks noChangeAspect="1" noChangeArrowheads="1"/>
+          </p:cNvPicPr>
+          <p:nvPr/>
+        </p:nvPicPr>
+        <p:blipFill>
+          <a:blip r:embed="rId4">
+            <a:extLst>
+              <a:ext uri="{28A0092B-C50C-407E-A947-70E740481C1C}">
+                <a14:useLocalDpi xmlns:a14="http://schemas.microsoft.com/office/drawing/2010/main" val="0"/>
+              </a:ext>
+            </a:extLst>
+          </a:blip>
+          <a:srcRect/>
+          <a:stretch>
+            <a:fillRect/>
+          </a:stretch>
+        </p:blipFill>
+        <p:spPr bwMode="auto">
+          <a:xfrm>
+            <a:off x="8343261" y="4266631"/>
+            <a:ext cx="2847975" cy="1600200"/>
+          </a:xfrm>
+          <a:prstGeom prst="rect">
+            <a:avLst/>
+          </a:prstGeom>
+          <a:noFill/>
+          <a:extLst>
+            <a:ext uri="{909E8E84-426E-40DD-AFC4-6F175D3DCCD1}">
+              <a14:hiddenFill xmlns:a14="http://schemas.microsoft.com/office/drawing/2010/main">
+                <a:solidFill>
+                  <a:srgbClr val="FFFFFF"/>
+                </a:solidFill>
+              </a14:hiddenFill>
+            </a:ext>
+          </a:extLst>
+        </p:spPr>
+      </p:pic>
+      <p:pic>
+        <p:nvPicPr>
+          <p:cNvPr id="7" name="Picture 6">
+            <a:extLst>
+              <a:ext uri="{FF2B5EF4-FFF2-40B4-BE49-F238E27FC236}">
+                <a16:creationId xmlns:a16="http://schemas.microsoft.com/office/drawing/2014/main" id="{DDCDB6E4-4FF4-4393-90BA-2B05671BF254}"/>
+              </a:ext>
+            </a:extLst>
+          </p:cNvPr>
+          <p:cNvPicPr>
+            <a:picLocks noChangeAspect="1"/>
+          </p:cNvPicPr>
+          <p:nvPr/>
+        </p:nvPicPr>
+        <p:blipFill>
+          <a:blip r:embed="rId5"/>
+          <a:stretch>
+            <a:fillRect/>
+          </a:stretch>
+        </p:blipFill>
+        <p:spPr>
+          <a:xfrm>
+            <a:off x="8906724" y="2223662"/>
+            <a:ext cx="1721048" cy="1476581"/>
+          </a:xfrm>
+          <a:prstGeom prst="rect">
+            <a:avLst/>
+          </a:prstGeom>
+        </p:spPr>
+      </p:pic>
+    </p:spTree>
+    <p:extLst>
+      <p:ext uri="{BB962C8B-B14F-4D97-AF65-F5344CB8AC3E}">
+        <p14:creationId xmlns:p14="http://schemas.microsoft.com/office/powerpoint/2010/main" val="2200038957"/>
+      </p:ext>
+    </p:extLst>
+  </p:cSld>
+  <p:clrMapOvr>
+    <a:masterClrMapping/>
+  </p:clrMapOvr>
+</p:sld>
+</file>
+
+<file path=ppt/slides/slide7.xml><?xml version="1.0" encoding="utf-8"?>
+<p:sld xmlns:a="http://schemas.openxmlformats.org/drawingml/2006/main" xmlns:r="http://schemas.openxmlformats.org/officeDocument/2006/relationships" xmlns:p="http://schemas.openxmlformats.org/presentationml/2006/main">
+  <p:cSld>
+    <p:spTree>
+      <p:nvGrpSpPr>
+        <p:cNvPr id="1" name=""/>
+        <p:cNvGrpSpPr/>
+        <p:nvPr/>
+      </p:nvGrpSpPr>
+      <p:grpSpPr>
+        <a:xfrm>
+          <a:off x="0" y="0"/>
+          <a:ext cx="0" cy="0"/>
+          <a:chOff x="0" y="0"/>
+          <a:chExt cx="0" cy="0"/>
+        </a:xfrm>
+      </p:grpSpPr>
+      <p:sp>
+        <p:nvSpPr>
+          <p:cNvPr id="2" name="Title 1">
+            <a:extLst>
+              <a:ext uri="{FF2B5EF4-FFF2-40B4-BE49-F238E27FC236}">
+                <a16:creationId xmlns:a16="http://schemas.microsoft.com/office/drawing/2014/main" id="{101CA3D3-C465-438D-8323-DC2BC0EE8B6B}"/>
+              </a:ext>
+            </a:extLst>
+          </p:cNvPr>
+          <p:cNvSpPr>
+            <a:spLocks noGrp="1"/>
+          </p:cNvSpPr>
+          <p:nvPr>
+            <p:ph type="title"/>
+          </p:nvPr>
+        </p:nvSpPr>
+        <p:spPr/>
+        <p:txBody>
+          <a:bodyPr/>
+          <a:lstStyle/>
+          <a:p>
+            <a:pPr algn="ctr"/>
+            <a:r>
+              <a:rPr lang="en-US" dirty="0"/>
+              <a:t>Developer Opportunities In IOT</a:t>
+            </a:r>
+          </a:p>
+        </p:txBody>
+      </p:sp>
+      <p:sp>
+        <p:nvSpPr>
+          <p:cNvPr id="3" name="Content Placeholder 2">
+            <a:extLst>
+              <a:ext uri="{FF2B5EF4-FFF2-40B4-BE49-F238E27FC236}">
+                <a16:creationId xmlns:a16="http://schemas.microsoft.com/office/drawing/2014/main" id="{191ACBC0-9BC8-4817-BC90-56C6046D219F}"/>
+              </a:ext>
+            </a:extLst>
+          </p:cNvPr>
+          <p:cNvSpPr>
+            <a:spLocks noGrp="1"/>
+          </p:cNvSpPr>
+          <p:nvPr>
+            <p:ph idx="1"/>
+          </p:nvPr>
+        </p:nvSpPr>
+        <p:spPr/>
+        <p:txBody>
+          <a:bodyPr>
+            <a:normAutofit/>
+          </a:bodyPr>
+          <a:lstStyle/>
+          <a:p>
+            <a:r>
+              <a:rPr lang="en-US" sz="2400" dirty="0"/>
+              <a:t>Cloud Experts</a:t>
+            </a:r>
+          </a:p>
+          <a:p>
+            <a:pPr lvl="1"/>
+            <a:r>
+              <a:rPr lang="en-US" sz="2000" dirty="0"/>
+              <a:t>The most important for a system designer and administrator</a:t>
+            </a:r>
+          </a:p>
+          <a:p>
+            <a:r>
+              <a:rPr lang="en-US" sz="2400" dirty="0"/>
+              <a:t>Back End Devs : API’s, Databases, Analytics, Servers</a:t>
+            </a:r>
+          </a:p>
+          <a:p>
+            <a:pPr lvl="1"/>
+            <a:r>
+              <a:rPr lang="en-US" sz="2000" dirty="0"/>
+              <a:t>Subscribe to data</a:t>
+            </a:r>
+          </a:p>
+          <a:p>
+            <a:pPr lvl="1"/>
+            <a:r>
+              <a:rPr lang="en-US" sz="2000" dirty="0"/>
+              <a:t>Publish commands</a:t>
+            </a:r>
+          </a:p>
+          <a:p>
+            <a:r>
+              <a:rPr lang="en-US" sz="2400" dirty="0"/>
+              <a:t>Front End Devs : Web, Mobile, Dashboards, Analytics, Apps</a:t>
+            </a:r>
+          </a:p>
+          <a:p>
+            <a:r>
+              <a:rPr lang="en-US" sz="2400" dirty="0"/>
+              <a:t>Embedded Systems : Linux, RTOS, Devices</a:t>
+            </a:r>
+          </a:p>
+        </p:txBody>
+      </p:sp>
+    </p:spTree>
+    <p:extLst>
+      <p:ext uri="{BB962C8B-B14F-4D97-AF65-F5344CB8AC3E}">
+        <p14:creationId xmlns:p14="http://schemas.microsoft.com/office/powerpoint/2010/main" val="2289985274"/>
+      </p:ext>
+    </p:extLst>
+  </p:cSld>
+  <p:clrMapOvr>
+    <a:masterClrMapping/>
+  </p:clrMapOvr>
+</p:sld>
+</file>
+
+<file path=ppt/slides/slide8.xml><?xml version="1.0" encoding="utf-8"?>
+<p:sld xmlns:a="http://schemas.openxmlformats.org/drawingml/2006/main" xmlns:r="http://schemas.openxmlformats.org/officeDocument/2006/relationships" xmlns:p="http://schemas.openxmlformats.org/presentationml/2006/main">
+  <p:cSld>
+    <p:spTree>
+      <p:nvGrpSpPr>
+        <p:cNvPr id="1" name=""/>
+        <p:cNvGrpSpPr/>
+        <p:nvPr/>
+      </p:nvGrpSpPr>
+      <p:grpSpPr>
+        <a:xfrm>
+          <a:off x="0" y="0"/>
+          <a:ext cx="0" cy="0"/>
+          <a:chOff x="0" y="0"/>
+          <a:chExt cx="0" cy="0"/>
+        </a:xfrm>
+      </p:grpSpPr>
+      <p:sp>
+        <p:nvSpPr>
+          <p:cNvPr id="2" name="Title 1">
+            <a:extLst>
+              <a:ext uri="{FF2B5EF4-FFF2-40B4-BE49-F238E27FC236}">
+                <a16:creationId xmlns:a16="http://schemas.microsoft.com/office/drawing/2014/main" id="{548D9D37-AA87-485F-8810-61FBC9E93FDC}"/>
+              </a:ext>
+            </a:extLst>
+          </p:cNvPr>
+          <p:cNvSpPr>
+            <a:spLocks noGrp="1"/>
+          </p:cNvSpPr>
+          <p:nvPr>
+            <p:ph type="title"/>
+          </p:nvPr>
+        </p:nvSpPr>
+        <p:spPr/>
+        <p:txBody>
+          <a:bodyPr/>
+          <a:lstStyle/>
+          <a:p>
+            <a:pPr algn="ctr"/>
+            <a:r>
+              <a:rPr lang="en-US" dirty="0"/>
+              <a:t>References</a:t>
+            </a:r>
+          </a:p>
+        </p:txBody>
+      </p:sp>
+      <p:sp>
+        <p:nvSpPr>
+          <p:cNvPr id="3" name="Content Placeholder 2">
+            <a:extLst>
+              <a:ext uri="{FF2B5EF4-FFF2-40B4-BE49-F238E27FC236}">
+                <a16:creationId xmlns:a16="http://schemas.microsoft.com/office/drawing/2014/main" id="{5334C175-53FB-4DEB-A624-80A11BF5E9A0}"/>
+              </a:ext>
+            </a:extLst>
+          </p:cNvPr>
+          <p:cNvSpPr>
+            <a:spLocks noGrp="1"/>
+          </p:cNvSpPr>
+          <p:nvPr>
+            <p:ph idx="1"/>
+          </p:nvPr>
+        </p:nvSpPr>
+        <p:spPr>
+          <a:xfrm>
+            <a:off x="677334" y="1519989"/>
+            <a:ext cx="8596668" cy="4521373"/>
+          </a:xfrm>
+        </p:spPr>
+        <p:txBody>
+          <a:bodyPr>
+            <a:normAutofit fontScale="92500" lnSpcReduction="20000"/>
+          </a:bodyPr>
+          <a:lstStyle/>
+          <a:p>
+            <a:r>
+              <a:rPr lang="en-US" dirty="0"/>
+              <a:t>mqtt.org/ </a:t>
+            </a:r>
+          </a:p>
+          <a:p>
+            <a:pPr lvl="1"/>
+            <a:r>
+              <a:rPr lang="en-US" dirty="0"/>
+              <a:t>standards</a:t>
+            </a:r>
+          </a:p>
+          <a:p>
+            <a:r>
+              <a:rPr lang="en-US" b="1" dirty="0"/>
+              <a:t>www.hivemq.com/mqtt-essentials/</a:t>
+            </a:r>
+          </a:p>
+          <a:p>
+            <a:pPr lvl="1"/>
+            <a:r>
+              <a:rPr lang="en-US" b="1" dirty="0"/>
+              <a:t>https://youtu.be/jTeJxQFD8Ak   (their mqtt-essentials YouTube series)</a:t>
+            </a:r>
+          </a:p>
+          <a:p>
+            <a:pPr lvl="1"/>
+            <a:r>
+              <a:rPr lang="en-US" b="1" dirty="0">
+                <a:hlinkClick r:id="rId3"/>
+              </a:rPr>
+              <a:t>https://www.hivemq.com/mqtt-client-library-encyclopedia/</a:t>
+            </a:r>
+            <a:endParaRPr lang="en-US" b="1" dirty="0"/>
+          </a:p>
+          <a:p>
+            <a:r>
+              <a:rPr lang="en-US" dirty="0"/>
+              <a:t>www.steves-internet-guide.com/</a:t>
+            </a:r>
+          </a:p>
+          <a:p>
+            <a:r>
+              <a:rPr lang="en-US" dirty="0"/>
+              <a:t>azure.microsoft.com/</a:t>
+            </a:r>
+            <a:r>
+              <a:rPr lang="en-US" dirty="0" err="1"/>
+              <a:t>en</a:t>
+            </a:r>
+            <a:r>
+              <a:rPr lang="en-US" dirty="0"/>
+              <a:t>-us/overview/</a:t>
+            </a:r>
+            <a:r>
+              <a:rPr lang="en-US" dirty="0" err="1"/>
+              <a:t>iot</a:t>
+            </a:r>
+            <a:r>
+              <a:rPr lang="en-US" dirty="0"/>
+              <a:t>/</a:t>
+            </a:r>
+          </a:p>
+          <a:p>
+            <a:r>
+              <a:rPr lang="en-US" dirty="0"/>
+              <a:t>amazon.com/</a:t>
+            </a:r>
+            <a:r>
+              <a:rPr lang="en-US" dirty="0" err="1"/>
+              <a:t>iot</a:t>
+            </a:r>
+            <a:r>
+              <a:rPr lang="en-US" dirty="0"/>
+              <a:t>/</a:t>
+            </a:r>
+          </a:p>
+          <a:p>
+            <a:r>
+              <a:rPr lang="en-US" sz="1700" dirty="0"/>
+              <a:t>My IOT REPO</a:t>
+            </a:r>
+          </a:p>
+          <a:p>
+            <a:pPr lvl="1"/>
+            <a:r>
+              <a:rPr lang="en-US" sz="2000" dirty="0">
+                <a:hlinkClick r:id="rId4"/>
+              </a:rPr>
+              <a:t>https://github.com/dmh2000/iot.git</a:t>
+            </a:r>
+            <a:r>
+              <a:rPr lang="en-US" sz="2000" dirty="0"/>
+              <a:t> </a:t>
+            </a:r>
+          </a:p>
+          <a:p>
+            <a:pPr lvl="1"/>
+            <a:r>
+              <a:rPr lang="en-US" sz="2000" dirty="0"/>
+              <a:t>Includes </a:t>
+            </a:r>
+            <a:r>
+              <a:rPr lang="en-US" sz="2000" dirty="0" err="1"/>
+              <a:t>quickstarts</a:t>
+            </a:r>
+            <a:r>
+              <a:rPr lang="en-US" sz="2000" dirty="0"/>
+              <a:t> for </a:t>
+            </a:r>
+            <a:r>
+              <a:rPr lang="en-US" sz="2000" dirty="0" err="1"/>
+              <a:t>HiveMQ</a:t>
+            </a:r>
+            <a:r>
+              <a:rPr lang="en-US" sz="2000" dirty="0"/>
+              <a:t> and Azure IOT</a:t>
+            </a:r>
+          </a:p>
+          <a:p>
+            <a:pPr lvl="1"/>
+            <a:r>
+              <a:rPr lang="en-US" sz="2000" dirty="0"/>
+              <a:t>Slides from this presentation</a:t>
+            </a:r>
+          </a:p>
+          <a:p>
+            <a:pPr lvl="2"/>
+            <a:r>
+              <a:rPr lang="en-US" sz="1800" dirty="0"/>
+              <a:t>But you don’t really need those </a:t>
+            </a:r>
+            <a:r>
+              <a:rPr lang="en-US" sz="1800" dirty="0">
+                <a:sym typeface="Wingdings" panose="05000000000000000000" pitchFamily="2" charset="2"/>
+              </a:rPr>
+              <a:t></a:t>
+            </a:r>
+            <a:endParaRPr lang="en-US" sz="1800" dirty="0"/>
+          </a:p>
+        </p:txBody>
+      </p:sp>
+    </p:spTree>
+    <p:extLst>
+      <p:ext uri="{BB962C8B-B14F-4D97-AF65-F5344CB8AC3E}">
+        <p14:creationId xmlns:p14="http://schemas.microsoft.com/office/powerpoint/2010/main" val="4174137422"/>
+      </p:ext>
+    </p:extLst>
+  </p:cSld>
+  <p:clrMapOvr>
+    <a:masterClrMapping/>
+  </p:clrMapOvr>
+</p:sld>
+</file>
+
+<file path=ppt/slides/slide9.xml><?xml version="1.0" encoding="utf-8"?>
 <p:sld xmlns:a="http://schemas.openxmlformats.org/drawingml/2006/main" xmlns:r="http://schemas.openxmlformats.org/officeDocument/2006/relationships" xmlns:p="http://schemas.openxmlformats.org/presentationml/2006/main">
   <p:cSld>
     <p:bg>
@@ -7877,7 +9745,7 @@
           <p:nvPr/>
         </p:nvPicPr>
         <p:blipFill>
-          <a:blip r:embed="rId2"/>
+          <a:blip r:embed="rId3"/>
           <a:stretch>
             <a:fillRect/>
           </a:stretch>
@@ -7954,7 +9822,7 @@
           <p:nvPr/>
         </p:nvPicPr>
         <p:blipFill>
-          <a:blip r:embed="rId3"/>
+          <a:blip r:embed="rId4"/>
           <a:stretch>
             <a:fillRect/>
           </a:stretch>
@@ -8204,1487 +10072,6 @@
     <p:extLst>
       <p:ext uri="{BB962C8B-B14F-4D97-AF65-F5344CB8AC3E}">
         <p14:creationId xmlns:p14="http://schemas.microsoft.com/office/powerpoint/2010/main" val="2071779530"/>
-      </p:ext>
-    </p:extLst>
-  </p:cSld>
-  <p:clrMapOvr>
-    <a:masterClrMapping/>
-  </p:clrMapOvr>
-</p:sld>
-</file>
-
-<file path=ppt/slides/slide2.xml><?xml version="1.0" encoding="utf-8"?>
-<p:sld xmlns:a="http://schemas.openxmlformats.org/drawingml/2006/main" xmlns:r="http://schemas.openxmlformats.org/officeDocument/2006/relationships" xmlns:p="http://schemas.openxmlformats.org/presentationml/2006/main">
-  <p:cSld>
-    <p:spTree>
-      <p:nvGrpSpPr>
-        <p:cNvPr id="1" name=""/>
-        <p:cNvGrpSpPr/>
-        <p:nvPr/>
-      </p:nvGrpSpPr>
-      <p:grpSpPr>
-        <a:xfrm>
-          <a:off x="0" y="0"/>
-          <a:ext cx="0" cy="0"/>
-          <a:chOff x="0" y="0"/>
-          <a:chExt cx="0" cy="0"/>
-        </a:xfrm>
-      </p:grpSpPr>
-      <p:sp>
-        <p:nvSpPr>
-          <p:cNvPr id="2" name="Title 1">
-            <a:extLst>
-              <a:ext uri="{FF2B5EF4-FFF2-40B4-BE49-F238E27FC236}">
-                <a16:creationId xmlns:a16="http://schemas.microsoft.com/office/drawing/2014/main" id="{00300020-12B0-4667-BDBC-6E2C9EA14900}"/>
-              </a:ext>
-            </a:extLst>
-          </p:cNvPr>
-          <p:cNvSpPr>
-            <a:spLocks noGrp="1"/>
-          </p:cNvSpPr>
-          <p:nvPr>
-            <p:ph type="title"/>
-          </p:nvPr>
-        </p:nvSpPr>
-        <p:spPr/>
-        <p:txBody>
-          <a:bodyPr/>
-          <a:lstStyle/>
-          <a:p>
-            <a:r>
-              <a:rPr lang="en-US" dirty="0"/>
-              <a:t>Internet of Things</a:t>
-            </a:r>
-          </a:p>
-        </p:txBody>
-      </p:sp>
-      <p:sp>
-        <p:nvSpPr>
-          <p:cNvPr id="3" name="Content Placeholder 2">
-            <a:extLst>
-              <a:ext uri="{FF2B5EF4-FFF2-40B4-BE49-F238E27FC236}">
-                <a16:creationId xmlns:a16="http://schemas.microsoft.com/office/drawing/2014/main" id="{D5DFFC30-9CEC-4CC5-95C3-41805C4B63DC}"/>
-              </a:ext>
-            </a:extLst>
-          </p:cNvPr>
-          <p:cNvSpPr>
-            <a:spLocks noGrp="1"/>
-          </p:cNvSpPr>
-          <p:nvPr>
-            <p:ph idx="1"/>
-          </p:nvPr>
-        </p:nvSpPr>
-        <p:spPr/>
-        <p:txBody>
-          <a:bodyPr>
-            <a:normAutofit/>
-          </a:bodyPr>
-          <a:lstStyle/>
-          <a:p>
-            <a:r>
-              <a:rPr lang="en-US" sz="2000" dirty="0"/>
-              <a:t>What is IOT?</a:t>
-            </a:r>
-          </a:p>
-          <a:p>
-            <a:pPr lvl="1"/>
-            <a:r>
-              <a:rPr lang="en-US" sz="1600" dirty="0"/>
-              <a:t>Deploying </a:t>
-            </a:r>
-            <a:r>
-              <a:rPr lang="en-US" dirty="0"/>
-              <a:t>a system of </a:t>
-            </a:r>
-            <a:r>
-              <a:rPr lang="en-US" sz="1600" dirty="0"/>
-              <a:t>smart devices (one to a million or more)</a:t>
-            </a:r>
-          </a:p>
-          <a:p>
-            <a:pPr lvl="1"/>
-            <a:r>
-              <a:rPr lang="en-US" sz="1600" dirty="0"/>
-              <a:t>Connected over the internet</a:t>
-            </a:r>
-          </a:p>
-          <a:p>
-            <a:pPr lvl="1"/>
-            <a:r>
-              <a:rPr lang="en-US" sz="1600" dirty="0"/>
-              <a:t>Monitor them remotely</a:t>
-            </a:r>
-          </a:p>
-          <a:p>
-            <a:pPr lvl="1"/>
-            <a:r>
-              <a:rPr lang="en-US" sz="1600" dirty="0"/>
-              <a:t>Control them remotely</a:t>
-            </a:r>
-          </a:p>
-          <a:p>
-            <a:pPr lvl="1"/>
-            <a:r>
-              <a:rPr lang="en-US" sz="1600" dirty="0"/>
-              <a:t>Access them securely</a:t>
-            </a:r>
-          </a:p>
-          <a:p>
-            <a:r>
-              <a:rPr lang="en-US" dirty="0"/>
-              <a:t>IOT is not just about programming embedded systems</a:t>
-            </a:r>
-          </a:p>
-          <a:p>
-            <a:pPr lvl="1"/>
-            <a:r>
-              <a:rPr lang="en-US" dirty="0"/>
-              <a:t>It’s a system and an infrastructure</a:t>
-            </a:r>
-          </a:p>
-          <a:p>
-            <a:pPr lvl="1"/>
-            <a:r>
-              <a:rPr lang="en-US" dirty="0"/>
-              <a:t>That’s where the opportunities are</a:t>
-            </a:r>
-          </a:p>
-        </p:txBody>
-      </p:sp>
-    </p:spTree>
-    <p:extLst>
-      <p:ext uri="{BB962C8B-B14F-4D97-AF65-F5344CB8AC3E}">
-        <p14:creationId xmlns:p14="http://schemas.microsoft.com/office/powerpoint/2010/main" val="2763706547"/>
-      </p:ext>
-    </p:extLst>
-  </p:cSld>
-  <p:clrMapOvr>
-    <a:masterClrMapping/>
-  </p:clrMapOvr>
-</p:sld>
-</file>
-
-<file path=ppt/slides/slide3.xml><?xml version="1.0" encoding="utf-8"?>
-<p:sld xmlns:a="http://schemas.openxmlformats.org/drawingml/2006/main" xmlns:r="http://schemas.openxmlformats.org/officeDocument/2006/relationships" xmlns:p="http://schemas.openxmlformats.org/presentationml/2006/main">
-  <p:cSld>
-    <p:bg>
-      <p:bgPr>
-        <a:solidFill>
-          <a:schemeClr val="bg1"/>
-        </a:solidFill>
-        <a:effectLst/>
-      </p:bgPr>
-    </p:bg>
-    <p:spTree>
-      <p:nvGrpSpPr>
-        <p:cNvPr id="1" name=""/>
-        <p:cNvGrpSpPr/>
-        <p:nvPr/>
-      </p:nvGrpSpPr>
-      <p:grpSpPr>
-        <a:xfrm>
-          <a:off x="0" y="0"/>
-          <a:ext cx="0" cy="0"/>
-          <a:chOff x="0" y="0"/>
-          <a:chExt cx="0" cy="0"/>
-        </a:xfrm>
-      </p:grpSpPr>
-      <p:sp>
-        <p:nvSpPr>
-          <p:cNvPr id="2" name="Title 1">
-            <a:extLst>
-              <a:ext uri="{FF2B5EF4-FFF2-40B4-BE49-F238E27FC236}">
-                <a16:creationId xmlns:a16="http://schemas.microsoft.com/office/drawing/2014/main" id="{1E8F8212-43FA-4559-AC6D-66D0ED1511E1}"/>
-              </a:ext>
-            </a:extLst>
-          </p:cNvPr>
-          <p:cNvSpPr>
-            <a:spLocks noGrp="1"/>
-          </p:cNvSpPr>
-          <p:nvPr>
-            <p:ph type="title"/>
-          </p:nvPr>
-        </p:nvSpPr>
-        <p:spPr>
-          <a:xfrm>
-            <a:off x="677334" y="609600"/>
-            <a:ext cx="8596668" cy="1320800"/>
-          </a:xfrm>
-        </p:spPr>
-        <p:txBody>
-          <a:bodyPr anchor="t">
-            <a:normAutofit/>
-          </a:bodyPr>
-          <a:lstStyle/>
-          <a:p>
-            <a:pPr algn="ctr"/>
-            <a:r>
-              <a:rPr lang="en-US" dirty="0"/>
-              <a:t>Components Of AN IOT SYSTEM</a:t>
-            </a:r>
-            <a:br>
-              <a:rPr lang="en-US" dirty="0"/>
-            </a:br>
-            <a:r>
-              <a:rPr lang="en-US" dirty="0"/>
-              <a:t>Think Big!</a:t>
-            </a:r>
-          </a:p>
-        </p:txBody>
-      </p:sp>
-      <p:sp>
-        <p:nvSpPr>
-          <p:cNvPr id="6" name="Content Placeholder 5">
-            <a:extLst>
-              <a:ext uri="{FF2B5EF4-FFF2-40B4-BE49-F238E27FC236}">
-                <a16:creationId xmlns:a16="http://schemas.microsoft.com/office/drawing/2014/main" id="{4B9612EB-1BD1-4552-B476-0B5EF5641D8F}"/>
-              </a:ext>
-            </a:extLst>
-          </p:cNvPr>
-          <p:cNvSpPr>
-            <a:spLocks noGrp="1"/>
-          </p:cNvSpPr>
-          <p:nvPr>
-            <p:ph idx="1"/>
-          </p:nvPr>
-        </p:nvSpPr>
-        <p:spPr>
-          <a:xfrm>
-            <a:off x="637228" y="2160589"/>
-            <a:ext cx="3184804" cy="3749323"/>
-          </a:xfrm>
-        </p:spPr>
-        <p:txBody>
-          <a:bodyPr>
-            <a:normAutofit fontScale="92500" lnSpcReduction="20000"/>
-          </a:bodyPr>
-          <a:lstStyle/>
-          <a:p>
-            <a:r>
-              <a:rPr lang="en-US" sz="2800" dirty="0"/>
-              <a:t>Clients</a:t>
-            </a:r>
-          </a:p>
-          <a:p>
-            <a:pPr lvl="1"/>
-            <a:r>
-              <a:rPr lang="en-US" sz="2400" dirty="0"/>
-              <a:t>Devices</a:t>
-            </a:r>
-          </a:p>
-          <a:p>
-            <a:pPr lvl="2"/>
-            <a:r>
-              <a:rPr lang="en-US" sz="2200" dirty="0"/>
-              <a:t>Millions/billions</a:t>
-            </a:r>
-          </a:p>
-          <a:p>
-            <a:pPr lvl="1"/>
-            <a:r>
-              <a:rPr lang="en-US" sz="2400" dirty="0"/>
-              <a:t>Servers</a:t>
-            </a:r>
-          </a:p>
-          <a:p>
-            <a:pPr lvl="1"/>
-            <a:r>
-              <a:rPr lang="en-US" sz="2400" dirty="0"/>
-              <a:t>Workstations</a:t>
-            </a:r>
-          </a:p>
-          <a:p>
-            <a:r>
-              <a:rPr lang="en-US" sz="2800" dirty="0"/>
-              <a:t>Broker</a:t>
-            </a:r>
-          </a:p>
-          <a:p>
-            <a:pPr lvl="1"/>
-            <a:r>
-              <a:rPr lang="en-US" sz="2600" dirty="0"/>
-              <a:t>The middleman</a:t>
-            </a:r>
-          </a:p>
-          <a:p>
-            <a:r>
-              <a:rPr lang="en-US" sz="2600" dirty="0"/>
-              <a:t>MQTT</a:t>
-            </a:r>
-          </a:p>
-          <a:p>
-            <a:pPr lvl="1"/>
-            <a:r>
-              <a:rPr lang="en-US" sz="2400" dirty="0"/>
-              <a:t>Transport</a:t>
-            </a:r>
-          </a:p>
-          <a:p>
-            <a:pPr lvl="1"/>
-            <a:endParaRPr lang="en-US" sz="2400" dirty="0"/>
-          </a:p>
-        </p:txBody>
-      </p:sp>
-      <p:pic>
-        <p:nvPicPr>
-          <p:cNvPr id="4" name="Picture 3" descr="Diagram&#10;&#10;Description automatically generated">
-            <a:extLst>
-              <a:ext uri="{FF2B5EF4-FFF2-40B4-BE49-F238E27FC236}">
-                <a16:creationId xmlns:a16="http://schemas.microsoft.com/office/drawing/2014/main" id="{DEE45035-6A39-4FDA-9119-501125291D55}"/>
-              </a:ext>
-            </a:extLst>
-          </p:cNvPr>
-          <p:cNvPicPr>
-            <a:picLocks noChangeAspect="1"/>
-          </p:cNvPicPr>
-          <p:nvPr/>
-        </p:nvPicPr>
-        <p:blipFill>
-          <a:blip r:embed="rId3"/>
-          <a:stretch>
-            <a:fillRect/>
-          </a:stretch>
-        </p:blipFill>
-        <p:spPr>
-          <a:xfrm>
-            <a:off x="3954630" y="1877325"/>
-            <a:ext cx="5028006" cy="4404914"/>
-          </a:xfrm>
-          <a:prstGeom prst="rect">
-            <a:avLst/>
-          </a:prstGeom>
-        </p:spPr>
-      </p:pic>
-    </p:spTree>
-    <p:extLst>
-      <p:ext uri="{BB962C8B-B14F-4D97-AF65-F5344CB8AC3E}">
-        <p14:creationId xmlns:p14="http://schemas.microsoft.com/office/powerpoint/2010/main" val="2575387735"/>
-      </p:ext>
-    </p:extLst>
-  </p:cSld>
-  <p:clrMapOvr>
-    <a:masterClrMapping/>
-  </p:clrMapOvr>
-</p:sld>
-</file>
-
-<file path=ppt/slides/slide4.xml><?xml version="1.0" encoding="utf-8"?>
-<p:sld xmlns:a="http://schemas.openxmlformats.org/drawingml/2006/main" xmlns:r="http://schemas.openxmlformats.org/officeDocument/2006/relationships" xmlns:p="http://schemas.openxmlformats.org/presentationml/2006/main">
-  <p:cSld>
-    <p:spTree>
-      <p:nvGrpSpPr>
-        <p:cNvPr id="1" name=""/>
-        <p:cNvGrpSpPr/>
-        <p:nvPr/>
-      </p:nvGrpSpPr>
-      <p:grpSpPr>
-        <a:xfrm>
-          <a:off x="0" y="0"/>
-          <a:ext cx="0" cy="0"/>
-          <a:chOff x="0" y="0"/>
-          <a:chExt cx="0" cy="0"/>
-        </a:xfrm>
-      </p:grpSpPr>
-      <p:sp>
-        <p:nvSpPr>
-          <p:cNvPr id="2" name="Title 1">
-            <a:extLst>
-              <a:ext uri="{FF2B5EF4-FFF2-40B4-BE49-F238E27FC236}">
-                <a16:creationId xmlns:a16="http://schemas.microsoft.com/office/drawing/2014/main" id="{5DF1E2C7-5A6F-442D-8690-DBB29A551876}"/>
-              </a:ext>
-            </a:extLst>
-          </p:cNvPr>
-          <p:cNvSpPr>
-            <a:spLocks noGrp="1"/>
-          </p:cNvSpPr>
-          <p:nvPr>
-            <p:ph type="title"/>
-          </p:nvPr>
-        </p:nvSpPr>
-        <p:spPr>
-          <a:xfrm>
-            <a:off x="677334" y="609600"/>
-            <a:ext cx="8596668" cy="737937"/>
-          </a:xfrm>
-        </p:spPr>
-        <p:txBody>
-          <a:bodyPr/>
-          <a:lstStyle/>
-          <a:p>
-            <a:pPr algn="ctr"/>
-            <a:r>
-              <a:rPr lang="en-US" dirty="0"/>
-              <a:t>Clients</a:t>
-            </a:r>
-          </a:p>
-        </p:txBody>
-      </p:sp>
-      <p:sp>
-        <p:nvSpPr>
-          <p:cNvPr id="3" name="Content Placeholder 2">
-            <a:extLst>
-              <a:ext uri="{FF2B5EF4-FFF2-40B4-BE49-F238E27FC236}">
-                <a16:creationId xmlns:a16="http://schemas.microsoft.com/office/drawing/2014/main" id="{529FBC79-CFA8-4741-A700-BCC7636C13CC}"/>
-              </a:ext>
-            </a:extLst>
-          </p:cNvPr>
-          <p:cNvSpPr>
-            <a:spLocks noGrp="1"/>
-          </p:cNvSpPr>
-          <p:nvPr>
-            <p:ph idx="1"/>
-          </p:nvPr>
-        </p:nvSpPr>
-        <p:spPr>
-          <a:xfrm>
-            <a:off x="677334" y="1586753"/>
-            <a:ext cx="8596668" cy="4454609"/>
-          </a:xfrm>
-        </p:spPr>
-        <p:txBody>
-          <a:bodyPr>
-            <a:normAutofit fontScale="77500" lnSpcReduction="20000"/>
-          </a:bodyPr>
-          <a:lstStyle/>
-          <a:p>
-            <a:r>
-              <a:rPr lang="en-US" dirty="0"/>
-              <a:t>IOT calls all the devices and computers ‘Clients’ of the Broker</a:t>
-            </a:r>
-          </a:p>
-          <a:p>
-            <a:pPr lvl="1"/>
-            <a:r>
-              <a:rPr lang="en-US" dirty="0"/>
-              <a:t>Typically, don’t expose a static address and port on the internet (at least not the port)</a:t>
-            </a:r>
-          </a:p>
-          <a:p>
-            <a:pPr lvl="1"/>
-            <a:r>
-              <a:rPr lang="en-US" dirty="0"/>
-              <a:t>Devices</a:t>
-            </a:r>
-          </a:p>
-          <a:p>
-            <a:pPr lvl="2"/>
-            <a:r>
-              <a:rPr lang="en-US" dirty="0"/>
-              <a:t>remote</a:t>
-            </a:r>
-          </a:p>
-          <a:p>
-            <a:pPr lvl="2"/>
-            <a:r>
-              <a:rPr lang="en-US" dirty="0"/>
-              <a:t>They could be behind a firewall or accessed via cell network.</a:t>
-            </a:r>
-          </a:p>
-          <a:p>
-            <a:pPr lvl="1"/>
-            <a:r>
-              <a:rPr lang="en-US" dirty="0"/>
-              <a:t>Workstations, Mobile, Back-end</a:t>
-            </a:r>
-          </a:p>
-          <a:p>
-            <a:pPr lvl="2"/>
-            <a:r>
-              <a:rPr lang="en-US" dirty="0"/>
-              <a:t>Behind a firewall </a:t>
-            </a:r>
-          </a:p>
-          <a:p>
-            <a:r>
-              <a:rPr lang="en-US" dirty="0"/>
-              <a:t>Clients contact the Broker</a:t>
-            </a:r>
-          </a:p>
-          <a:p>
-            <a:pPr lvl="1"/>
-            <a:r>
-              <a:rPr lang="en-US" dirty="0"/>
-              <a:t>Clients reach out to the broker</a:t>
-            </a:r>
-          </a:p>
-          <a:p>
-            <a:pPr lvl="1"/>
-            <a:r>
-              <a:rPr lang="en-US" dirty="0"/>
-              <a:t>The Broker doesn’t go out to the Clients</a:t>
-            </a:r>
-          </a:p>
-          <a:p>
-            <a:pPr lvl="1"/>
-            <a:r>
-              <a:rPr lang="en-US" dirty="0"/>
-              <a:t>Publish and Subscribe their data as ‘Topics’ (in MQTT)</a:t>
-            </a:r>
-          </a:p>
-          <a:p>
-            <a:r>
-              <a:rPr lang="en-US" dirty="0"/>
-              <a:t>Software</a:t>
-            </a:r>
-          </a:p>
-          <a:p>
-            <a:pPr lvl="1"/>
-            <a:r>
-              <a:rPr lang="en-US" dirty="0"/>
-              <a:t>Broker Software usually has associated Device SDKs</a:t>
-            </a:r>
-          </a:p>
-          <a:p>
-            <a:pPr lvl="1"/>
-            <a:r>
-              <a:rPr lang="en-US" dirty="0"/>
-              <a:t>For most languages and runtimes</a:t>
-            </a:r>
-          </a:p>
-          <a:p>
-            <a:pPr lvl="1"/>
-            <a:r>
-              <a:rPr lang="en-US" b="1" dirty="0"/>
-              <a:t>Generally Linux or RTOS, not so much Windows</a:t>
-            </a:r>
-          </a:p>
-          <a:p>
-            <a:pPr lvl="2"/>
-            <a:r>
-              <a:rPr lang="en-US" b="1" dirty="0"/>
-              <a:t>You need basic Linux skills</a:t>
-            </a:r>
-          </a:p>
-          <a:p>
-            <a:pPr lvl="1"/>
-            <a:endParaRPr lang="en-US" dirty="0"/>
-          </a:p>
-          <a:p>
-            <a:endParaRPr lang="en-US" dirty="0"/>
-          </a:p>
-        </p:txBody>
-      </p:sp>
-    </p:spTree>
-    <p:extLst>
-      <p:ext uri="{BB962C8B-B14F-4D97-AF65-F5344CB8AC3E}">
-        <p14:creationId xmlns:p14="http://schemas.microsoft.com/office/powerpoint/2010/main" val="3572501306"/>
-      </p:ext>
-    </p:extLst>
-  </p:cSld>
-  <p:clrMapOvr>
-    <a:masterClrMapping/>
-  </p:clrMapOvr>
-</p:sld>
-</file>
-
-<file path=ppt/slides/slide5.xml><?xml version="1.0" encoding="utf-8"?>
-<p:sld xmlns:a="http://schemas.openxmlformats.org/drawingml/2006/main" xmlns:r="http://schemas.openxmlformats.org/officeDocument/2006/relationships" xmlns:p="http://schemas.openxmlformats.org/presentationml/2006/main">
-  <p:cSld>
-    <p:spTree>
-      <p:nvGrpSpPr>
-        <p:cNvPr id="1" name=""/>
-        <p:cNvGrpSpPr/>
-        <p:nvPr/>
-      </p:nvGrpSpPr>
-      <p:grpSpPr>
-        <a:xfrm>
-          <a:off x="0" y="0"/>
-          <a:ext cx="0" cy="0"/>
-          <a:chOff x="0" y="0"/>
-          <a:chExt cx="0" cy="0"/>
-        </a:xfrm>
-      </p:grpSpPr>
-      <p:sp>
-        <p:nvSpPr>
-          <p:cNvPr id="2" name="Title 1">
-            <a:extLst>
-              <a:ext uri="{FF2B5EF4-FFF2-40B4-BE49-F238E27FC236}">
-                <a16:creationId xmlns:a16="http://schemas.microsoft.com/office/drawing/2014/main" id="{74F413C6-90E3-4927-AED3-207DC6F8B0B6}"/>
-              </a:ext>
-            </a:extLst>
-          </p:cNvPr>
-          <p:cNvSpPr>
-            <a:spLocks noGrp="1"/>
-          </p:cNvSpPr>
-          <p:nvPr>
-            <p:ph type="title"/>
-          </p:nvPr>
-        </p:nvSpPr>
-        <p:spPr/>
-        <p:txBody>
-          <a:bodyPr/>
-          <a:lstStyle/>
-          <a:p>
-            <a:pPr algn="ctr"/>
-            <a:r>
-              <a:rPr lang="en-US" dirty="0"/>
-              <a:t>The Broker</a:t>
-            </a:r>
-          </a:p>
-        </p:txBody>
-      </p:sp>
-      <p:pic>
-        <p:nvPicPr>
-          <p:cNvPr id="5" name="Picture 4">
-            <a:extLst>
-              <a:ext uri="{FF2B5EF4-FFF2-40B4-BE49-F238E27FC236}">
-                <a16:creationId xmlns:a16="http://schemas.microsoft.com/office/drawing/2014/main" id="{EC51CCA6-66CC-48AF-A54D-268C0D46A44D}"/>
-              </a:ext>
-            </a:extLst>
-          </p:cNvPr>
-          <p:cNvPicPr>
-            <a:picLocks noChangeAspect="1"/>
-          </p:cNvPicPr>
-          <p:nvPr/>
-        </p:nvPicPr>
-        <p:blipFill>
-          <a:blip r:embed="rId3"/>
-          <a:stretch>
-            <a:fillRect/>
-          </a:stretch>
-        </p:blipFill>
-        <p:spPr>
-          <a:xfrm>
-            <a:off x="2284438" y="1222903"/>
-            <a:ext cx="6919719" cy="2337549"/>
-          </a:xfrm>
-          <a:prstGeom prst="rect">
-            <a:avLst/>
-          </a:prstGeom>
-        </p:spPr>
-      </p:pic>
-      <p:sp>
-        <p:nvSpPr>
-          <p:cNvPr id="3" name="Content Placeholder 2">
-            <a:extLst>
-              <a:ext uri="{FF2B5EF4-FFF2-40B4-BE49-F238E27FC236}">
-                <a16:creationId xmlns:a16="http://schemas.microsoft.com/office/drawing/2014/main" id="{E1366B92-376C-435E-B9D4-D60E5DF712FF}"/>
-              </a:ext>
-            </a:extLst>
-          </p:cNvPr>
-          <p:cNvSpPr>
-            <a:spLocks noGrp="1"/>
-          </p:cNvSpPr>
-          <p:nvPr>
-            <p:ph idx="1"/>
-          </p:nvPr>
-        </p:nvSpPr>
-        <p:spPr>
-          <a:xfrm>
-            <a:off x="1620252" y="3228474"/>
-            <a:ext cx="5354053" cy="3280610"/>
-          </a:xfrm>
-        </p:spPr>
-        <p:txBody>
-          <a:bodyPr>
-            <a:normAutofit fontScale="92500"/>
-          </a:bodyPr>
-          <a:lstStyle/>
-          <a:p>
-            <a:r>
-              <a:rPr lang="en-US" sz="2800" dirty="0"/>
-              <a:t>An IOT Broker is:</a:t>
-            </a:r>
-          </a:p>
-          <a:p>
-            <a:pPr lvl="1"/>
-            <a:r>
-              <a:rPr lang="en-US" sz="2400" dirty="0"/>
-              <a:t>Software, visible on the interwebs</a:t>
-            </a:r>
-          </a:p>
-          <a:p>
-            <a:pPr lvl="1"/>
-            <a:r>
-              <a:rPr lang="en-US" sz="2400" dirty="0"/>
-              <a:t>A middleman to decouple Clients</a:t>
-            </a:r>
-          </a:p>
-          <a:p>
-            <a:pPr lvl="1"/>
-            <a:r>
-              <a:rPr lang="en-US" sz="2400" dirty="0"/>
-              <a:t>MQTT</a:t>
-            </a:r>
-          </a:p>
-          <a:p>
-            <a:pPr lvl="2"/>
-            <a:r>
-              <a:rPr lang="en-US" sz="2200" dirty="0"/>
-              <a:t>Publish/Subscribe</a:t>
-            </a:r>
-          </a:p>
-          <a:p>
-            <a:pPr lvl="2"/>
-            <a:r>
-              <a:rPr lang="en-US" sz="2200" dirty="0"/>
-              <a:t>MQ Telemetry Transport</a:t>
-            </a:r>
-          </a:p>
-          <a:p>
-            <a:pPr lvl="2"/>
-            <a:r>
-              <a:rPr lang="en-US" sz="2200" dirty="0"/>
-              <a:t>Lightweight protocol over TCP</a:t>
-            </a:r>
-          </a:p>
-          <a:p>
-            <a:pPr lvl="1"/>
-            <a:endParaRPr lang="en-US" sz="2400" dirty="0"/>
-          </a:p>
-        </p:txBody>
-      </p:sp>
-    </p:spTree>
-    <p:extLst>
-      <p:ext uri="{BB962C8B-B14F-4D97-AF65-F5344CB8AC3E}">
-        <p14:creationId xmlns:p14="http://schemas.microsoft.com/office/powerpoint/2010/main" val="1140637942"/>
-      </p:ext>
-    </p:extLst>
-  </p:cSld>
-  <p:clrMapOvr>
-    <a:masterClrMapping/>
-  </p:clrMapOvr>
-</p:sld>
-</file>
-
-<file path=ppt/slides/slide6.xml><?xml version="1.0" encoding="utf-8"?>
-<p:sld xmlns:a="http://schemas.openxmlformats.org/drawingml/2006/main" xmlns:r="http://schemas.openxmlformats.org/officeDocument/2006/relationships" xmlns:p="http://schemas.openxmlformats.org/presentationml/2006/main">
-  <p:cSld>
-    <p:spTree>
-      <p:nvGrpSpPr>
-        <p:cNvPr id="1" name=""/>
-        <p:cNvGrpSpPr/>
-        <p:nvPr/>
-      </p:nvGrpSpPr>
-      <p:grpSpPr>
-        <a:xfrm>
-          <a:off x="0" y="0"/>
-          <a:ext cx="0" cy="0"/>
-          <a:chOff x="0" y="0"/>
-          <a:chExt cx="0" cy="0"/>
-        </a:xfrm>
-      </p:grpSpPr>
-      <p:sp>
-        <p:nvSpPr>
-          <p:cNvPr id="2" name="Title 1">
-            <a:extLst>
-              <a:ext uri="{FF2B5EF4-FFF2-40B4-BE49-F238E27FC236}">
-                <a16:creationId xmlns:a16="http://schemas.microsoft.com/office/drawing/2014/main" id="{19805CE6-09FC-40A0-BDEE-2EBD6126A4D6}"/>
-              </a:ext>
-            </a:extLst>
-          </p:cNvPr>
-          <p:cNvSpPr>
-            <a:spLocks noGrp="1"/>
-          </p:cNvSpPr>
-          <p:nvPr>
-            <p:ph type="title"/>
-          </p:nvPr>
-        </p:nvSpPr>
-        <p:spPr/>
-        <p:txBody>
-          <a:bodyPr/>
-          <a:lstStyle/>
-          <a:p>
-            <a:pPr algn="ctr"/>
-            <a:r>
-              <a:rPr lang="en-US" dirty="0"/>
-              <a:t>MQTT</a:t>
-            </a:r>
-          </a:p>
-        </p:txBody>
-      </p:sp>
-      <p:sp>
-        <p:nvSpPr>
-          <p:cNvPr id="3" name="Content Placeholder 2">
-            <a:extLst>
-              <a:ext uri="{FF2B5EF4-FFF2-40B4-BE49-F238E27FC236}">
-                <a16:creationId xmlns:a16="http://schemas.microsoft.com/office/drawing/2014/main" id="{DB747DDB-E62F-4DAB-9477-DA95B4F7F793}"/>
-              </a:ext>
-            </a:extLst>
-          </p:cNvPr>
-          <p:cNvSpPr>
-            <a:spLocks noGrp="1"/>
-          </p:cNvSpPr>
-          <p:nvPr>
-            <p:ph idx="1"/>
-          </p:nvPr>
-        </p:nvSpPr>
-        <p:spPr>
-          <a:xfrm>
-            <a:off x="677334" y="1613647"/>
-            <a:ext cx="8596668" cy="4427715"/>
-          </a:xfrm>
-        </p:spPr>
-        <p:txBody>
-          <a:bodyPr>
-            <a:normAutofit lnSpcReduction="10000"/>
-          </a:bodyPr>
-          <a:lstStyle/>
-          <a:p>
-            <a:r>
-              <a:rPr lang="en-US" dirty="0"/>
-              <a:t>MQ Telemetry Transport – not a message queue </a:t>
-            </a:r>
-            <a:r>
-              <a:rPr lang="en-US" dirty="0">
-                <a:sym typeface="Wingdings" panose="05000000000000000000" pitchFamily="2" charset="2"/>
-              </a:rPr>
-              <a:t></a:t>
-            </a:r>
-            <a:endParaRPr lang="en-US" dirty="0"/>
-          </a:p>
-          <a:p>
-            <a:pPr lvl="1"/>
-            <a:r>
-              <a:rPr lang="en-US" dirty="0"/>
-              <a:t>Machine-to-machine communication </a:t>
-            </a:r>
-          </a:p>
-          <a:p>
-            <a:pPr lvl="1"/>
-            <a:r>
-              <a:rPr lang="en-US" b="0" i="0" dirty="0">
-                <a:solidFill>
-                  <a:srgbClr val="333333"/>
-                </a:solidFill>
-                <a:effectLst/>
-                <a:latin typeface="roboto" panose="020B0604020202020204" pitchFamily="2" charset="0"/>
-              </a:rPr>
-              <a:t>invented at IBM in 1999 by Andy Stanford-Clark and Arlen Nipper</a:t>
-            </a:r>
-          </a:p>
-          <a:p>
-            <a:pPr lvl="2"/>
-            <a:r>
-              <a:rPr lang="en-US" dirty="0">
-                <a:solidFill>
-                  <a:srgbClr val="333333"/>
-                </a:solidFill>
-                <a:latin typeface="roboto" panose="020B0604020202020204" pitchFamily="2" charset="0"/>
-              </a:rPr>
-              <a:t>Open-source spec released 2010</a:t>
-            </a:r>
-            <a:endParaRPr lang="en-US" dirty="0"/>
-          </a:p>
-          <a:p>
-            <a:pPr lvl="1"/>
-            <a:r>
-              <a:rPr lang="en-US" dirty="0"/>
-              <a:t>Simple</a:t>
-            </a:r>
-          </a:p>
-          <a:p>
-            <a:pPr lvl="1"/>
-            <a:r>
-              <a:rPr lang="en-US" dirty="0"/>
-              <a:t>TCP/IP  (clients initiate the connections)</a:t>
-            </a:r>
-          </a:p>
-          <a:p>
-            <a:pPr lvl="1"/>
-            <a:r>
-              <a:rPr lang="en-US" dirty="0"/>
-              <a:t>QOS</a:t>
-            </a:r>
-          </a:p>
-          <a:p>
-            <a:pPr lvl="1"/>
-            <a:r>
-              <a:rPr lang="en-US" dirty="0"/>
-              <a:t>Lightweight</a:t>
-            </a:r>
-          </a:p>
-          <a:p>
-            <a:pPr lvl="1"/>
-            <a:r>
-              <a:rPr lang="en-US" dirty="0"/>
-              <a:t>Data agnostic (binary) </a:t>
-            </a:r>
-          </a:p>
-          <a:p>
-            <a:r>
-              <a:rPr lang="en-US" dirty="0"/>
-              <a:t>Publish/Subscribe vs Client Server</a:t>
-            </a:r>
-          </a:p>
-          <a:p>
-            <a:r>
-              <a:rPr lang="en-US" dirty="0"/>
-              <a:t>Version 3.x, Version 5 coming soon</a:t>
-            </a:r>
-          </a:p>
-          <a:p>
-            <a:r>
-              <a:rPr lang="en-US" dirty="0"/>
-              <a:t>Standards based SDK’s are available for mainstream programming languages</a:t>
-            </a:r>
-          </a:p>
-          <a:p>
-            <a:pPr lvl="1"/>
-            <a:endParaRPr lang="en-US" dirty="0"/>
-          </a:p>
-        </p:txBody>
-      </p:sp>
-    </p:spTree>
-    <p:extLst>
-      <p:ext uri="{BB962C8B-B14F-4D97-AF65-F5344CB8AC3E}">
-        <p14:creationId xmlns:p14="http://schemas.microsoft.com/office/powerpoint/2010/main" val="169809182"/>
-      </p:ext>
-    </p:extLst>
-  </p:cSld>
-  <p:clrMapOvr>
-    <a:masterClrMapping/>
-  </p:clrMapOvr>
-</p:sld>
-</file>
-
-<file path=ppt/slides/slide7.xml><?xml version="1.0" encoding="utf-8"?>
-<p:sld xmlns:a="http://schemas.openxmlformats.org/drawingml/2006/main" xmlns:r="http://schemas.openxmlformats.org/officeDocument/2006/relationships" xmlns:p="http://schemas.openxmlformats.org/presentationml/2006/main">
-  <p:cSld>
-    <p:spTree>
-      <p:nvGrpSpPr>
-        <p:cNvPr id="1" name=""/>
-        <p:cNvGrpSpPr/>
-        <p:nvPr/>
-      </p:nvGrpSpPr>
-      <p:grpSpPr>
-        <a:xfrm>
-          <a:off x="0" y="0"/>
-          <a:ext cx="0" cy="0"/>
-          <a:chOff x="0" y="0"/>
-          <a:chExt cx="0" cy="0"/>
-        </a:xfrm>
-      </p:grpSpPr>
-      <p:sp>
-        <p:nvSpPr>
-          <p:cNvPr id="2" name="Title 1">
-            <a:extLst>
-              <a:ext uri="{FF2B5EF4-FFF2-40B4-BE49-F238E27FC236}">
-                <a16:creationId xmlns:a16="http://schemas.microsoft.com/office/drawing/2014/main" id="{5FEB0690-7989-4097-864D-F14D98F78379}"/>
-              </a:ext>
-            </a:extLst>
-          </p:cNvPr>
-          <p:cNvSpPr>
-            <a:spLocks noGrp="1"/>
-          </p:cNvSpPr>
-          <p:nvPr>
-            <p:ph type="title"/>
-          </p:nvPr>
-        </p:nvSpPr>
-        <p:spPr>
-          <a:xfrm>
-            <a:off x="677334" y="609600"/>
-            <a:ext cx="8596668" cy="793376"/>
-          </a:xfrm>
-        </p:spPr>
-        <p:txBody>
-          <a:bodyPr/>
-          <a:lstStyle/>
-          <a:p>
-            <a:pPr algn="ctr"/>
-            <a:r>
-              <a:rPr lang="en-US" dirty="0"/>
-              <a:t>Some Solutions</a:t>
-            </a:r>
-          </a:p>
-        </p:txBody>
-      </p:sp>
-      <p:sp>
-        <p:nvSpPr>
-          <p:cNvPr id="3" name="Content Placeholder 2">
-            <a:extLst>
-              <a:ext uri="{FF2B5EF4-FFF2-40B4-BE49-F238E27FC236}">
-                <a16:creationId xmlns:a16="http://schemas.microsoft.com/office/drawing/2014/main" id="{987E3D2E-4715-4CC7-9602-174165B6DED5}"/>
-              </a:ext>
-            </a:extLst>
-          </p:cNvPr>
-          <p:cNvSpPr>
-            <a:spLocks noGrp="1"/>
-          </p:cNvSpPr>
-          <p:nvPr>
-            <p:ph idx="1"/>
-          </p:nvPr>
-        </p:nvSpPr>
-        <p:spPr>
-          <a:xfrm>
-            <a:off x="677334" y="1507959"/>
-            <a:ext cx="8596668" cy="4533404"/>
-          </a:xfrm>
-        </p:spPr>
-        <p:txBody>
-          <a:bodyPr>
-            <a:normAutofit fontScale="92500" lnSpcReduction="20000"/>
-          </a:bodyPr>
-          <a:lstStyle/>
-          <a:p>
-            <a:r>
-              <a:rPr lang="en-US" dirty="0"/>
-              <a:t>Major Cloud Providers</a:t>
-            </a:r>
-          </a:p>
-          <a:p>
-            <a:pPr lvl="1"/>
-            <a:r>
-              <a:rPr lang="en-US" dirty="0"/>
-              <a:t>Google, Azure, AWS, IBM</a:t>
-            </a:r>
-          </a:p>
-          <a:p>
-            <a:pPr lvl="2"/>
-            <a:r>
-              <a:rPr lang="en-US" dirty="0"/>
-              <a:t>All provide an end-to-end IOT infrastructure including broker, node and client support</a:t>
-            </a:r>
-          </a:p>
-          <a:p>
-            <a:pPr lvl="2"/>
-            <a:r>
-              <a:rPr lang="en-US" dirty="0"/>
-              <a:t>Tie into all their other cloud services such as storage, database, analytics</a:t>
-            </a:r>
-          </a:p>
-          <a:p>
-            <a:pPr lvl="2"/>
-            <a:r>
-              <a:rPr lang="en-US" dirty="0"/>
-              <a:t>Of course, large distributed data center infrastructure</a:t>
-            </a:r>
-          </a:p>
-          <a:p>
-            <a:r>
-              <a:rPr lang="en-US" dirty="0"/>
-              <a:t>Hosted MQTT Brokers </a:t>
-            </a:r>
-          </a:p>
-          <a:p>
-            <a:pPr lvl="2"/>
-            <a:r>
-              <a:rPr lang="en-US" dirty="0"/>
-              <a:t>These focus more on the core Client </a:t>
-            </a:r>
-            <a:r>
-              <a:rPr lang="en-US" dirty="0">
-                <a:sym typeface="Wingdings" panose="05000000000000000000" pitchFamily="2" charset="2"/>
-              </a:rPr>
-              <a:t> Broker infrastructure</a:t>
-            </a:r>
-          </a:p>
-          <a:p>
-            <a:pPr lvl="1"/>
-            <a:r>
-              <a:rPr lang="en-US" dirty="0"/>
-              <a:t>hivemq.com *</a:t>
-            </a:r>
-          </a:p>
-          <a:p>
-            <a:pPr lvl="1"/>
-            <a:r>
-              <a:rPr lang="en-US" dirty="0"/>
-              <a:t>cloudmqtt.com</a:t>
-            </a:r>
-          </a:p>
-          <a:p>
-            <a:pPr lvl="1"/>
-            <a:r>
-              <a:rPr lang="en-US" dirty="0"/>
-              <a:t>emqx.io *</a:t>
-            </a:r>
-          </a:p>
-          <a:p>
-            <a:r>
-              <a:rPr lang="en-US" dirty="0"/>
-              <a:t>Open Source</a:t>
-            </a:r>
-          </a:p>
-          <a:p>
-            <a:pPr lvl="1"/>
-            <a:r>
-              <a:rPr lang="en-US" dirty="0"/>
-              <a:t>mosquitto.org</a:t>
-            </a:r>
-          </a:p>
-          <a:p>
-            <a:pPr lvl="1"/>
-            <a:r>
-              <a:rPr lang="en-US" dirty="0"/>
-              <a:t>eclispse.org/</a:t>
-            </a:r>
-            <a:r>
-              <a:rPr lang="en-US" dirty="0" err="1"/>
-              <a:t>paho</a:t>
-            </a:r>
-            <a:endParaRPr lang="en-US" dirty="0"/>
-          </a:p>
-          <a:p>
-            <a:pPr lvl="1"/>
-            <a:r>
-              <a:rPr lang="en-US" dirty="0"/>
-              <a:t>* has open source edition	</a:t>
-            </a:r>
-          </a:p>
-          <a:p>
-            <a:pPr lvl="1"/>
-            <a:endParaRPr lang="en-US" dirty="0"/>
-          </a:p>
-          <a:p>
-            <a:pPr lvl="1"/>
-            <a:endParaRPr lang="en-US" dirty="0"/>
-          </a:p>
-          <a:p>
-            <a:pPr lvl="1"/>
-            <a:endParaRPr lang="en-US" dirty="0"/>
-          </a:p>
-          <a:p>
-            <a:pPr lvl="1"/>
-            <a:endParaRPr lang="en-US" dirty="0"/>
-          </a:p>
-        </p:txBody>
-      </p:sp>
-    </p:spTree>
-    <p:extLst>
-      <p:ext uri="{BB962C8B-B14F-4D97-AF65-F5344CB8AC3E}">
-        <p14:creationId xmlns:p14="http://schemas.microsoft.com/office/powerpoint/2010/main" val="2200038957"/>
-      </p:ext>
-    </p:extLst>
-  </p:cSld>
-  <p:clrMapOvr>
-    <a:masterClrMapping/>
-  </p:clrMapOvr>
-</p:sld>
-</file>
-
-<file path=ppt/slides/slide8.xml><?xml version="1.0" encoding="utf-8"?>
-<p:sld xmlns:a="http://schemas.openxmlformats.org/drawingml/2006/main" xmlns:r="http://schemas.openxmlformats.org/officeDocument/2006/relationships" xmlns:p="http://schemas.openxmlformats.org/presentationml/2006/main">
-  <p:cSld>
-    <p:spTree>
-      <p:nvGrpSpPr>
-        <p:cNvPr id="1" name=""/>
-        <p:cNvGrpSpPr/>
-        <p:nvPr/>
-      </p:nvGrpSpPr>
-      <p:grpSpPr>
-        <a:xfrm>
-          <a:off x="0" y="0"/>
-          <a:ext cx="0" cy="0"/>
-          <a:chOff x="0" y="0"/>
-          <a:chExt cx="0" cy="0"/>
-        </a:xfrm>
-      </p:grpSpPr>
-      <p:sp>
-        <p:nvSpPr>
-          <p:cNvPr id="2" name="Title 1">
-            <a:extLst>
-              <a:ext uri="{FF2B5EF4-FFF2-40B4-BE49-F238E27FC236}">
-                <a16:creationId xmlns:a16="http://schemas.microsoft.com/office/drawing/2014/main" id="{101CA3D3-C465-438D-8323-DC2BC0EE8B6B}"/>
-              </a:ext>
-            </a:extLst>
-          </p:cNvPr>
-          <p:cNvSpPr>
-            <a:spLocks noGrp="1"/>
-          </p:cNvSpPr>
-          <p:nvPr>
-            <p:ph type="title"/>
-          </p:nvPr>
-        </p:nvSpPr>
-        <p:spPr/>
-        <p:txBody>
-          <a:bodyPr/>
-          <a:lstStyle/>
-          <a:p>
-            <a:pPr algn="ctr"/>
-            <a:r>
-              <a:rPr lang="en-US" dirty="0"/>
-              <a:t>Developer Opportunities In IOT</a:t>
-            </a:r>
-          </a:p>
-        </p:txBody>
-      </p:sp>
-      <p:sp>
-        <p:nvSpPr>
-          <p:cNvPr id="3" name="Content Placeholder 2">
-            <a:extLst>
-              <a:ext uri="{FF2B5EF4-FFF2-40B4-BE49-F238E27FC236}">
-                <a16:creationId xmlns:a16="http://schemas.microsoft.com/office/drawing/2014/main" id="{191ACBC0-9BC8-4817-BC90-56C6046D219F}"/>
-              </a:ext>
-            </a:extLst>
-          </p:cNvPr>
-          <p:cNvSpPr>
-            <a:spLocks noGrp="1"/>
-          </p:cNvSpPr>
-          <p:nvPr>
-            <p:ph idx="1"/>
-          </p:nvPr>
-        </p:nvSpPr>
-        <p:spPr/>
-        <p:txBody>
-          <a:bodyPr>
-            <a:normAutofit/>
-          </a:bodyPr>
-          <a:lstStyle/>
-          <a:p>
-            <a:r>
-              <a:rPr lang="en-US" sz="2400" dirty="0"/>
-              <a:t>Cloud Expertise</a:t>
-            </a:r>
-          </a:p>
-          <a:p>
-            <a:pPr lvl="1"/>
-            <a:r>
-              <a:rPr lang="en-US" sz="2000" dirty="0"/>
-              <a:t>The most important for a system designer and administrator</a:t>
-            </a:r>
-          </a:p>
-          <a:p>
-            <a:r>
-              <a:rPr lang="en-US" sz="2400" dirty="0"/>
-              <a:t>Back End Devs : API’s, Databases, Analytics, Servers</a:t>
-            </a:r>
-          </a:p>
-          <a:p>
-            <a:pPr lvl="1"/>
-            <a:r>
-              <a:rPr lang="en-US" sz="2000" dirty="0"/>
-              <a:t>Subscribe to data</a:t>
-            </a:r>
-          </a:p>
-          <a:p>
-            <a:pPr lvl="1"/>
-            <a:r>
-              <a:rPr lang="en-US" sz="2000" dirty="0"/>
-              <a:t>Publish commands</a:t>
-            </a:r>
-          </a:p>
-          <a:p>
-            <a:r>
-              <a:rPr lang="en-US" sz="2400" dirty="0"/>
-              <a:t>Front End Devs : Web, Mobile, Dashboards, Analytics, Apps</a:t>
-            </a:r>
-          </a:p>
-          <a:p>
-            <a:r>
-              <a:rPr lang="en-US" sz="2400" dirty="0"/>
-              <a:t>Embedded Systems : Linux, RTOS, Devices</a:t>
-            </a:r>
-          </a:p>
-        </p:txBody>
-      </p:sp>
-    </p:spTree>
-    <p:extLst>
-      <p:ext uri="{BB962C8B-B14F-4D97-AF65-F5344CB8AC3E}">
-        <p14:creationId xmlns:p14="http://schemas.microsoft.com/office/powerpoint/2010/main" val="2289985274"/>
-      </p:ext>
-    </p:extLst>
-  </p:cSld>
-  <p:clrMapOvr>
-    <a:masterClrMapping/>
-  </p:clrMapOvr>
-</p:sld>
-</file>
-
-<file path=ppt/slides/slide9.xml><?xml version="1.0" encoding="utf-8"?>
-<p:sld xmlns:a="http://schemas.openxmlformats.org/drawingml/2006/main" xmlns:r="http://schemas.openxmlformats.org/officeDocument/2006/relationships" xmlns:p="http://schemas.openxmlformats.org/presentationml/2006/main">
-  <p:cSld>
-    <p:spTree>
-      <p:nvGrpSpPr>
-        <p:cNvPr id="1" name=""/>
-        <p:cNvGrpSpPr/>
-        <p:nvPr/>
-      </p:nvGrpSpPr>
-      <p:grpSpPr>
-        <a:xfrm>
-          <a:off x="0" y="0"/>
-          <a:ext cx="0" cy="0"/>
-          <a:chOff x="0" y="0"/>
-          <a:chExt cx="0" cy="0"/>
-        </a:xfrm>
-      </p:grpSpPr>
-      <p:sp>
-        <p:nvSpPr>
-          <p:cNvPr id="2" name="Title 1">
-            <a:extLst>
-              <a:ext uri="{FF2B5EF4-FFF2-40B4-BE49-F238E27FC236}">
-                <a16:creationId xmlns:a16="http://schemas.microsoft.com/office/drawing/2014/main" id="{548D9D37-AA87-485F-8810-61FBC9E93FDC}"/>
-              </a:ext>
-            </a:extLst>
-          </p:cNvPr>
-          <p:cNvSpPr>
-            <a:spLocks noGrp="1"/>
-          </p:cNvSpPr>
-          <p:nvPr>
-            <p:ph type="title"/>
-          </p:nvPr>
-        </p:nvSpPr>
-        <p:spPr/>
-        <p:txBody>
-          <a:bodyPr/>
-          <a:lstStyle/>
-          <a:p>
-            <a:pPr algn="ctr"/>
-            <a:r>
-              <a:rPr lang="en-US" dirty="0"/>
-              <a:t>References</a:t>
-            </a:r>
-          </a:p>
-        </p:txBody>
-      </p:sp>
-      <p:sp>
-        <p:nvSpPr>
-          <p:cNvPr id="3" name="Content Placeholder 2">
-            <a:extLst>
-              <a:ext uri="{FF2B5EF4-FFF2-40B4-BE49-F238E27FC236}">
-                <a16:creationId xmlns:a16="http://schemas.microsoft.com/office/drawing/2014/main" id="{5334C175-53FB-4DEB-A624-80A11BF5E9A0}"/>
-              </a:ext>
-            </a:extLst>
-          </p:cNvPr>
-          <p:cNvSpPr>
-            <a:spLocks noGrp="1"/>
-          </p:cNvSpPr>
-          <p:nvPr>
-            <p:ph idx="1"/>
-          </p:nvPr>
-        </p:nvSpPr>
-        <p:spPr>
-          <a:xfrm>
-            <a:off x="677334" y="1519989"/>
-            <a:ext cx="8596668" cy="4521373"/>
-          </a:xfrm>
-        </p:spPr>
-        <p:txBody>
-          <a:bodyPr>
-            <a:normAutofit fontScale="92500" lnSpcReduction="20000"/>
-          </a:bodyPr>
-          <a:lstStyle/>
-          <a:p>
-            <a:r>
-              <a:rPr lang="en-US" dirty="0"/>
-              <a:t>mqtt.org/ </a:t>
-            </a:r>
-          </a:p>
-          <a:p>
-            <a:pPr lvl="1"/>
-            <a:r>
-              <a:rPr lang="en-US" dirty="0"/>
-              <a:t>standards</a:t>
-            </a:r>
-          </a:p>
-          <a:p>
-            <a:r>
-              <a:rPr lang="en-US" dirty="0"/>
-              <a:t>www.hivemq.com/mqtt-essentials/</a:t>
-            </a:r>
-          </a:p>
-          <a:p>
-            <a:pPr lvl="1"/>
-            <a:r>
-              <a:rPr lang="en-US" dirty="0"/>
-              <a:t>https://youtu.be/jTeJxQFD8Ak   (their mqtt-essentials YouTube series)</a:t>
-            </a:r>
-          </a:p>
-          <a:p>
-            <a:pPr lvl="1"/>
-            <a:r>
-              <a:rPr lang="en-US" dirty="0">
-                <a:hlinkClick r:id="rId3"/>
-              </a:rPr>
-              <a:t>https://www.hivemq.com/mqtt-client-library-encyclopedia/</a:t>
-            </a:r>
-            <a:endParaRPr lang="en-US" dirty="0"/>
-          </a:p>
-          <a:p>
-            <a:r>
-              <a:rPr lang="en-US" dirty="0"/>
-              <a:t>www.steves-internet-guide.com/</a:t>
-            </a:r>
-          </a:p>
-          <a:p>
-            <a:r>
-              <a:rPr lang="en-US" dirty="0"/>
-              <a:t>azure.microsoft.com/</a:t>
-            </a:r>
-            <a:r>
-              <a:rPr lang="en-US" dirty="0" err="1"/>
-              <a:t>en</a:t>
-            </a:r>
-            <a:r>
-              <a:rPr lang="en-US" dirty="0"/>
-              <a:t>-us/overview/</a:t>
-            </a:r>
-            <a:r>
-              <a:rPr lang="en-US" dirty="0" err="1"/>
-              <a:t>iot</a:t>
-            </a:r>
-            <a:r>
-              <a:rPr lang="en-US" dirty="0"/>
-              <a:t>/</a:t>
-            </a:r>
-          </a:p>
-          <a:p>
-            <a:r>
-              <a:rPr lang="en-US" dirty="0"/>
-              <a:t>amazon.com/</a:t>
-            </a:r>
-            <a:r>
-              <a:rPr lang="en-US" dirty="0" err="1"/>
-              <a:t>iot</a:t>
-            </a:r>
-            <a:r>
-              <a:rPr lang="en-US" dirty="0"/>
-              <a:t>/</a:t>
-            </a:r>
-          </a:p>
-          <a:p>
-            <a:r>
-              <a:rPr lang="en-US" sz="2400" dirty="0"/>
-              <a:t>My IOT REPO</a:t>
-            </a:r>
-          </a:p>
-          <a:p>
-            <a:pPr lvl="1"/>
-            <a:r>
-              <a:rPr lang="en-US" sz="2000" dirty="0">
-                <a:hlinkClick r:id="rId4"/>
-              </a:rPr>
-              <a:t>https://github.com/dmh2000/iot.git</a:t>
-            </a:r>
-            <a:r>
-              <a:rPr lang="en-US" sz="2000" dirty="0"/>
-              <a:t> </a:t>
-            </a:r>
-          </a:p>
-          <a:p>
-            <a:pPr lvl="1"/>
-            <a:r>
-              <a:rPr lang="en-US" sz="2000" dirty="0"/>
-              <a:t>Includes the Azure and HiveMQ quickstarts </a:t>
-            </a:r>
-          </a:p>
-          <a:p>
-            <a:pPr lvl="1"/>
-            <a:r>
-              <a:rPr lang="en-US" sz="2000" dirty="0"/>
-              <a:t>Slides from this presentation</a:t>
-            </a:r>
-          </a:p>
-          <a:p>
-            <a:pPr lvl="2"/>
-            <a:r>
-              <a:rPr lang="en-US" sz="1800" dirty="0"/>
-              <a:t>But you don’t really need those </a:t>
-            </a:r>
-            <a:r>
-              <a:rPr lang="en-US" sz="1800" dirty="0">
-                <a:sym typeface="Wingdings" panose="05000000000000000000" pitchFamily="2" charset="2"/>
-              </a:rPr>
-              <a:t></a:t>
-            </a:r>
-            <a:endParaRPr lang="en-US" sz="1800" dirty="0"/>
-          </a:p>
-        </p:txBody>
-      </p:sp>
-    </p:spTree>
-    <p:extLst>
-      <p:ext uri="{BB962C8B-B14F-4D97-AF65-F5344CB8AC3E}">
-        <p14:creationId xmlns:p14="http://schemas.microsoft.com/office/powerpoint/2010/main" val="4174137422"/>
       </p:ext>
     </p:extLst>
   </p:cSld>

--- a/IOT.pptx
+++ b/IOT.pptx
@@ -7625,7 +7625,7 @@
         </p:spPr>
         <p:txBody>
           <a:bodyPr>
-            <a:normAutofit lnSpcReduction="10000"/>
+            <a:normAutofit fontScale="92500" lnSpcReduction="20000"/>
           </a:bodyPr>
           <a:lstStyle/>
           <a:p>
@@ -7688,6 +7688,13 @@
             <a:r>
               <a:rPr lang="en-US" sz="2400" dirty="0"/>
               <a:t>Somewhere in the cloud</a:t>
+            </a:r>
+          </a:p>
+          <a:p>
+            <a:pPr lvl="1"/>
+            <a:r>
+              <a:rPr lang="en-US" sz="2400" dirty="0"/>
+              <a:t>Lots of vendors</a:t>
             </a:r>
           </a:p>
           <a:p>
@@ -7724,7 +7731,7 @@
         </p:blipFill>
         <p:spPr bwMode="auto">
           <a:xfrm>
-            <a:off x="7351309" y="495299"/>
+            <a:off x="7202919" y="1313447"/>
             <a:ext cx="3973489" cy="2225154"/>
           </a:xfrm>
           <a:prstGeom prst="rect">
